--- a/teach/fall_22/slides/ds_6.pptx
+++ b/teach/fall_22/slides/ds_6.pptx
@@ -5,7 +5,7 @@
     <p:sldMasterId id="2147483648" r:id="rId1"/>
   </p:sldMasterIdLst>
   <p:notesMasterIdLst>
-    <p:notesMasterId r:id="rId24"/>
+    <p:notesMasterId r:id="rId25"/>
   </p:notesMasterIdLst>
   <p:sldIdLst>
     <p:sldId id="256" r:id="rId2"/>
@@ -21,15 +21,16 @@
     <p:sldId id="758" r:id="rId12"/>
     <p:sldId id="759" r:id="rId13"/>
     <p:sldId id="760" r:id="rId14"/>
-    <p:sldId id="761" r:id="rId15"/>
-    <p:sldId id="764" r:id="rId16"/>
-    <p:sldId id="762" r:id="rId17"/>
+    <p:sldId id="764" r:id="rId15"/>
+    <p:sldId id="762" r:id="rId16"/>
+    <p:sldId id="765" r:id="rId17"/>
     <p:sldId id="707" r:id="rId18"/>
     <p:sldId id="711" r:id="rId19"/>
     <p:sldId id="712" r:id="rId20"/>
     <p:sldId id="713" r:id="rId21"/>
     <p:sldId id="714" r:id="rId22"/>
-    <p:sldId id="753" r:id="rId23"/>
+    <p:sldId id="761" r:id="rId23"/>
+    <p:sldId id="753" r:id="rId24"/>
   </p:sldIdLst>
   <p:sldSz cx="12192000" cy="6858000"/>
   <p:notesSz cx="6858000" cy="9144000"/>
@@ -152,7 +153,7 @@
           <inkml:channelProperty channel="F" name="resolution" value="0" units="1/dev"/>
         </inkml:channelProperties>
       </inkml:inkSource>
-      <inkml:timestamp xml:id="ts0" timeString="2021-09-13T17:18:17.873"/>
+      <inkml:timestamp xml:id="ts0" timeString="2021-09-13T17:19:35.407"/>
     </inkml:context>
     <inkml:brush xml:id="br0">
       <inkml:brushProperty name="width" value="0.05" units="cm"/>
@@ -160,11 +161,11 @@
       <inkml:brushProperty name="color" value="#008C3A"/>
     </inkml:brush>
   </inkml:definitions>
-  <inkml:trace contextRef="#ctx0" brushRef="#br0">127 27 24575,'18'0'0,"-2"0"0,6 0 0,-6 0 0,6 0 0,-5 0 0,-8 0 0,6 0 0,5 0 0,-5 0 0,21 0 0,-24 0 0,17-9 0,-20 7 0,-9-9 0,-6 10 0,-18-3 0,-15 4 0,6 0 0,-17 0 0,5 0 0,5 5 0,-4-4 0,11 3 0,8-4 0,-10 0 0,27 0 0,9 5 0,15-4 0,24 3 0,-13-4 0,57 4 0,-42 2 0,13-3 0,-1-1 0,-16 3 0,47-5 0,-50 0 0,33 0 0,-39 0 0,18 0 0,-42 0 0,0-4 0,-22 3 0,-48-8 0,36 4 0,-41-1 0,37 2 0,6 4 0,-17 0 0,20 0 0,8 0 0,15 0 0,43 0 0,-18 0 0,24 0 0,-20 0 0,-2 0 0,0 0 0,1 0 0,-8 0 0,3 0 0,-10 0 0,-45 0 0,-42 4 0,27-2 0,-11 2 0,84-4 0,-5 0 0,12 0 0,-4 0 0,-3 0 0,2 0 0,-5 0 0,-3 0 0,2 0 0,-4 0 0,-7 0 0,-3 0 0</inkml:trace>
+  <inkml:trace contextRef="#ctx0" brushRef="#br0">0 1 24575,'0'0'0</inkml:trace>
 </inkml:ink>
 </file>
 
-<file path=ppt/ink/ink10.xml><?xml version="1.0" encoding="utf-8"?>
+<file path=ppt/ink/ink2.xml><?xml version="1.0" encoding="utf-8"?>
 <inkml:ink xmlns:inkml="http://www.w3.org/2003/InkML">
   <inkml:definitions>
     <inkml:context xml:id="ctx0">
@@ -192,7 +193,7 @@
 </inkml:ink>
 </file>
 
-<file path=ppt/ink/ink11.xml><?xml version="1.0" encoding="utf-8"?>
+<file path=ppt/ink/ink3.xml><?xml version="1.0" encoding="utf-8"?>
 <inkml:ink xmlns:inkml="http://www.w3.org/2003/InkML">
   <inkml:definitions>
     <inkml:context xml:id="ctx0">
@@ -220,7 +221,7 @@
 </inkml:ink>
 </file>
 
-<file path=ppt/ink/ink12.xml><?xml version="1.0" encoding="utf-8"?>
+<file path=ppt/ink/ink4.xml><?xml version="1.0" encoding="utf-8"?>
 <inkml:ink xmlns:inkml="http://www.w3.org/2003/InkML">
   <inkml:definitions>
     <inkml:context xml:id="ctx0">
@@ -248,7 +249,7 @@
 </inkml:ink>
 </file>
 
-<file path=ppt/ink/ink13.xml><?xml version="1.0" encoding="utf-8"?>
+<file path=ppt/ink/ink5.xml><?xml version="1.0" encoding="utf-8"?>
 <inkml:ink xmlns:inkml="http://www.w3.org/2003/InkML">
   <inkml:definitions>
     <inkml:context xml:id="ctx0">
@@ -273,230 +274,6 @@
     </inkml:brush>
   </inkml:definitions>
   <inkml:trace contextRef="#ctx0" brushRef="#br0">1 173 24575,'7'-12'0,"3"-2"0,13-8 0,5-3 0,1 2 0,4-1 0,-9 7 0,6 2 0,-2 5 0,3 4 0,0 3 0,-6 2 0,-4 1 0,-4 0 0,-3 1 0,4 1 0,3 5 0,7 5 0,-2 4 0,-1 4 0,-6 6 0,-7 1 0,-4 8 0,-5-1 0,-5 1 0,-5 3 0,-4-2 0,-7 0 0,-1-5 0,-4-7 0,-4-5 0,-5-1 0,0-3 0,-7 3 0,7-3 0,-2 1 0,7-2 0,5 0 0,3-1 0,5-4 0,2 0 0,5-3 0,2-2 0,3-1 0,1 0 0,2-1 0,3 1 0,6-2 0,9 2 0,17-2 0,14 4 0,9 0 0,21 1 0,-9-1 0,13-1 0,-11-3 0,-17-2 0,-15 0 0,-22-3 0,-8 1 0,-7 0 0,-4 0 0,-4 2 0,-6 0 0,-2-1 0,-6 2 0,9-1 0,0 1 0</inkml:trace>
-</inkml:ink>
-</file>
-
-<file path=ppt/ink/ink2.xml><?xml version="1.0" encoding="utf-8"?>
-<inkml:ink xmlns:inkml="http://www.w3.org/2003/InkML">
-  <inkml:definitions>
-    <inkml:context xml:id="ctx0">
-      <inkml:inkSource xml:id="inkSrc0">
-        <inkml:traceFormat>
-          <inkml:channel name="X" type="integer" min="-2.14748E9" max="2.14748E9" units="cm"/>
-          <inkml:channel name="Y" type="integer" min="-2.14748E9" max="2.14748E9" units="cm"/>
-          <inkml:channel name="F" type="integer" max="32767" units="dev"/>
-        </inkml:traceFormat>
-        <inkml:channelProperties>
-          <inkml:channelProperty channel="X" name="resolution" value="1000" units="1/cm"/>
-          <inkml:channelProperty channel="Y" name="resolution" value="1000" units="1/cm"/>
-          <inkml:channelProperty channel="F" name="resolution" value="0" units="1/dev"/>
-        </inkml:channelProperties>
-      </inkml:inkSource>
-      <inkml:timestamp xml:id="ts0" timeString="2021-09-13T17:19:35.407"/>
-    </inkml:context>
-    <inkml:brush xml:id="br0">
-      <inkml:brushProperty name="width" value="0.05" units="cm"/>
-      <inkml:brushProperty name="height" value="0.05" units="cm"/>
-      <inkml:brushProperty name="color" value="#008C3A"/>
-    </inkml:brush>
-  </inkml:definitions>
-  <inkml:trace contextRef="#ctx0" brushRef="#br0">0 1 24575,'0'0'0</inkml:trace>
-</inkml:ink>
-</file>
-
-<file path=ppt/ink/ink3.xml><?xml version="1.0" encoding="utf-8"?>
-<inkml:ink xmlns:inkml="http://www.w3.org/2003/InkML">
-  <inkml:definitions>
-    <inkml:context xml:id="ctx0">
-      <inkml:inkSource xml:id="inkSrc0">
-        <inkml:traceFormat>
-          <inkml:channel name="X" type="integer" min="-2.14748E9" max="2.14748E9" units="cm"/>
-          <inkml:channel name="Y" type="integer" min="-2.14748E9" max="2.14748E9" units="cm"/>
-          <inkml:channel name="F" type="integer" max="32767" units="dev"/>
-        </inkml:traceFormat>
-        <inkml:channelProperties>
-          <inkml:channelProperty channel="X" name="resolution" value="1000" units="1/cm"/>
-          <inkml:channelProperty channel="Y" name="resolution" value="1000" units="1/cm"/>
-          <inkml:channelProperty channel="F" name="resolution" value="0" units="1/dev"/>
-        </inkml:channelProperties>
-      </inkml:inkSource>
-      <inkml:timestamp xml:id="ts0" timeString="2021-09-13T17:54:52.512"/>
-    </inkml:context>
-    <inkml:brush xml:id="br0">
-      <inkml:brushProperty name="width" value="0.05" units="cm"/>
-      <inkml:brushProperty name="height" value="0.05" units="cm"/>
-      <inkml:brushProperty name="color" value="#00A0D7"/>
-    </inkml:brush>
-  </inkml:definitions>
-  <inkml:trace contextRef="#ctx0" brushRef="#br0">0 1 24575,'8'0'0,"5"0"0,20 0 0,-5 0 0,11 0 0,-2 0 0,-19 0 0,17 0 0,-20 0 0,7 0 0,-13 0 0,-2 0 0</inkml:trace>
-</inkml:ink>
-</file>
-
-<file path=ppt/ink/ink4.xml><?xml version="1.0" encoding="utf-8"?>
-<inkml:ink xmlns:inkml="http://www.w3.org/2003/InkML">
-  <inkml:definitions>
-    <inkml:context xml:id="ctx0">
-      <inkml:inkSource xml:id="inkSrc0">
-        <inkml:traceFormat>
-          <inkml:channel name="X" type="integer" min="-2.14748E9" max="2.14748E9" units="cm"/>
-          <inkml:channel name="Y" type="integer" min="-2.14748E9" max="2.14748E9" units="cm"/>
-          <inkml:channel name="F" type="integer" max="32767" units="dev"/>
-        </inkml:traceFormat>
-        <inkml:channelProperties>
-          <inkml:channelProperty channel="X" name="resolution" value="1000" units="1/cm"/>
-          <inkml:channelProperty channel="Y" name="resolution" value="1000" units="1/cm"/>
-          <inkml:channelProperty channel="F" name="resolution" value="0" units="1/dev"/>
-        </inkml:channelProperties>
-      </inkml:inkSource>
-      <inkml:timestamp xml:id="ts0" timeString="2021-09-13T17:54:53.285"/>
-    </inkml:context>
-    <inkml:brush xml:id="br0">
-      <inkml:brushProperty name="width" value="0.05" units="cm"/>
-      <inkml:brushProperty name="height" value="0.05" units="cm"/>
-      <inkml:brushProperty name="color" value="#00A0D7"/>
-    </inkml:brush>
-  </inkml:definitions>
-  <inkml:trace contextRef="#ctx0" brushRef="#br0">1 9 24575,'18'5'0,"1"-2"0,28-3 0,-5 0 0,3 0 0,-6 0 0,10 0 0,-17 0 0,-1 0 0,-7 0 0,1 0 0,-9 0 0,4 0 0,-19 0 0,-2-3 0,-12 2 0,4-7 0,-8 7 0,11-2 0,-2 3 0</inkml:trace>
-</inkml:ink>
-</file>
-
-<file path=ppt/ink/ink5.xml><?xml version="1.0" encoding="utf-8"?>
-<inkml:ink xmlns:inkml="http://www.w3.org/2003/InkML">
-  <inkml:definitions>
-    <inkml:context xml:id="ctx0">
-      <inkml:inkSource xml:id="inkSrc0">
-        <inkml:traceFormat>
-          <inkml:channel name="X" type="integer" min="-2.14748E9" max="2.14748E9" units="cm"/>
-          <inkml:channel name="Y" type="integer" min="-2.14748E9" max="2.14748E9" units="cm"/>
-          <inkml:channel name="F" type="integer" max="32767" units="dev"/>
-        </inkml:traceFormat>
-        <inkml:channelProperties>
-          <inkml:channelProperty channel="X" name="resolution" value="1000" units="1/cm"/>
-          <inkml:channelProperty channel="Y" name="resolution" value="1000" units="1/cm"/>
-          <inkml:channelProperty channel="F" name="resolution" value="0" units="1/dev"/>
-        </inkml:channelProperties>
-      </inkml:inkSource>
-      <inkml:timestamp xml:id="ts0" timeString="2021-09-13T17:54:59.112"/>
-    </inkml:context>
-    <inkml:brush xml:id="br0">
-      <inkml:brushProperty name="width" value="0.05" units="cm"/>
-      <inkml:brushProperty name="height" value="0.05" units="cm"/>
-      <inkml:brushProperty name="color" value="#00A0D7"/>
-    </inkml:brush>
-  </inkml:definitions>
-  <inkml:trace contextRef="#ctx0" brushRef="#br0">0 194 24575,'0'13'0,"0"2"0,0-2 0,0-1 0,0 0 0,0-4 0,0 0 0,0-7 0,0-12 0,0-4 0,0-35 0,0 20 0,0-36 0,0 38 0,0-5 0,0 17 0,4 6 0,1 2 0,3 4 0,4 4 0,5 0 0,5 4 0,4 9 0,8 13 0,-13-1 0,3 0 0,-11-4 0,-8-3 0,3 1 0,-8 2 0,0-12 0,0 4 0,0-1 0,0-3 0,0 3 0,0-4 0,0-7 0,0-11 0,0-10 0,0-19 0,0-1 0,4-5 0,2 11 0,3 11 0,3 7 0,-3 10 0,3-1 0,0 7 0,1 0 0,0 0 0,-1 3 0,1 2 0,0 4 0,1 0 0,20 8 0,-16-6 0,16 10 0,-20-11 0,12 11 0,-11 2 0,8-3 0,-10 6 0,-1-9 0,-2-2 0,2 6 0,-7-8 0,-1 1 0,-4-2 0,0-11 0,0-18 0,0 8 0,0-11 0</inkml:trace>
-</inkml:ink>
-</file>
-
-<file path=ppt/ink/ink6.xml><?xml version="1.0" encoding="utf-8"?>
-<inkml:ink xmlns:inkml="http://www.w3.org/2003/InkML">
-  <inkml:definitions>
-    <inkml:context xml:id="ctx0">
-      <inkml:inkSource xml:id="inkSrc0">
-        <inkml:traceFormat>
-          <inkml:channel name="X" type="integer" min="-2.14748E9" max="2.14748E9" units="cm"/>
-          <inkml:channel name="Y" type="integer" min="-2.14748E9" max="2.14748E9" units="cm"/>
-          <inkml:channel name="F" type="integer" max="32767" units="dev"/>
-        </inkml:traceFormat>
-        <inkml:channelProperties>
-          <inkml:channelProperty channel="X" name="resolution" value="1000" units="1/cm"/>
-          <inkml:channelProperty channel="Y" name="resolution" value="1000" units="1/cm"/>
-          <inkml:channelProperty channel="F" name="resolution" value="0" units="1/dev"/>
-        </inkml:channelProperties>
-      </inkml:inkSource>
-      <inkml:timestamp xml:id="ts0" timeString="2021-09-13T17:55:00.935"/>
-    </inkml:context>
-    <inkml:brush xml:id="br0">
-      <inkml:brushProperty name="width" value="0.05" units="cm"/>
-      <inkml:brushProperty name="height" value="0.05" units="cm"/>
-      <inkml:brushProperty name="color" value="#00A0D7"/>
-    </inkml:brush>
-  </inkml:definitions>
-  <inkml:trace contextRef="#ctx0" brushRef="#br0">74 5 24575,'-12'0'0,"0"0"0,0 0 0,3 0 0,-3-3 0,4 2 0,3 1 0,1 12 0,4 3 0,0 3 0,0-1 0,0 0 0,0 2 0,0 6 0,0-11 0,0 6 0,4-7 0,1 0 0,7 2 0,-3-5 0,6 5 0,-2-6 0,3 7 0,5-7 0,-3 7 0,3-7 0,-4 7 0,-5-7 0,-3 3 0,-6 0 0,-3-3 0,0 7 0,0-3 0,0 11 0,-3-13 0,-10 4 0,-1-15 0,-4 0 0,6 0 0,0-4 0,3-1 0,-3-3 0,3-4 0,5 2 0,0-6 0,4 7 0,3-6 0,2 6 0,29-8 0,-14 7 0,36-7 0,-34 11 0,29-11 0,-33 15 0,23-14 0,-27 6 0,7-3 0,-9 1 0,-3-1 0,-4-13 0,-1-19 0,-4 8 0,0-4 0,-4 27 0,-5 1 0,0 9 0,-13-4 0,4 6 0,-5-2 0,1 4 0,9 14 0,0-3 0,3 58 0,5-34 0,1 30 0,4-36 0,0-10 0,0 5 0,0 11 0,0-13 0,0 15 0,0-22 0,11 4 0,-5-13 0,14 1 0,1-7 0,3 0 0,18-8 0,-20 3 0,6-8 0,-20 5 0,0 0 0,4-5 0,2-4 0,-1-1 0,3-8 0,-10 12 0,5-14 0,-10 21 0,3-8 0</inkml:trace>
-</inkml:ink>
-</file>
-
-<file path=ppt/ink/ink7.xml><?xml version="1.0" encoding="utf-8"?>
-<inkml:ink xmlns:inkml="http://www.w3.org/2003/InkML">
-  <inkml:definitions>
-    <inkml:context xml:id="ctx0">
-      <inkml:inkSource xml:id="inkSrc0">
-        <inkml:traceFormat>
-          <inkml:channel name="X" type="integer" min="-2.14748E9" max="2.14748E9" units="cm"/>
-          <inkml:channel name="Y" type="integer" min="-2.14748E9" max="2.14748E9" units="cm"/>
-          <inkml:channel name="F" type="integer" max="32767" units="dev"/>
-        </inkml:traceFormat>
-        <inkml:channelProperties>
-          <inkml:channelProperty channel="X" name="resolution" value="1000" units="1/cm"/>
-          <inkml:channelProperty channel="Y" name="resolution" value="1000" units="1/cm"/>
-          <inkml:channelProperty channel="F" name="resolution" value="0" units="1/dev"/>
-        </inkml:channelProperties>
-      </inkml:inkSource>
-      <inkml:timestamp xml:id="ts0" timeString="2021-09-13T17:55:01.917"/>
-    </inkml:context>
-    <inkml:brush xml:id="br0">
-      <inkml:brushProperty name="width" value="0.05" units="cm"/>
-      <inkml:brushProperty name="height" value="0.05" units="cm"/>
-      <inkml:brushProperty name="color" value="#00A0D7"/>
-    </inkml:brush>
-  </inkml:definitions>
-  <inkml:trace contextRef="#ctx0" brushRef="#br0">1 1 24575,'0'2'0,"0"0"0,0 9 0,0 9 0,0-9 0,0 9 0,0 5 0,0-8 0,0 13 0,0-7 0,0-3 0,0 9 0,0 4 0,0-1 0,9 20 0,-3-24 0,12 22 0,-11-23 0,6 12 0,4 28 0,-4-32 0,12 33 0,-15-52 0,2 4 0,-8-12 0,11 1 0,-9-5 0,10 0 0,0-4 0,-5 0 0,5 0 0,-8 0 0,5-4 0,-3-6 0,7-8 0,-7-5 0,-2 0 0,-4 5 0,-4 1 0,0-5 0,-4-2 0,-5-3 0,-5 9 0,-18-4 0,10 11 0,-1-3 0,15 10 0</inkml:trace>
-</inkml:ink>
-</file>
-
-<file path=ppt/ink/ink8.xml><?xml version="1.0" encoding="utf-8"?>
-<inkml:ink xmlns:inkml="http://www.w3.org/2003/InkML">
-  <inkml:definitions>
-    <inkml:context xml:id="ctx0">
-      <inkml:inkSource xml:id="inkSrc0">
-        <inkml:traceFormat>
-          <inkml:channel name="X" type="integer" min="-2.14748E9" max="2.14748E9" units="cm"/>
-          <inkml:channel name="Y" type="integer" min="-2.14748E9" max="2.14748E9" units="cm"/>
-          <inkml:channel name="F" type="integer" max="32767" units="dev"/>
-        </inkml:traceFormat>
-        <inkml:channelProperties>
-          <inkml:channelProperty channel="X" name="resolution" value="1000" units="1/cm"/>
-          <inkml:channelProperty channel="Y" name="resolution" value="1000" units="1/cm"/>
-          <inkml:channelProperty channel="F" name="resolution" value="0" units="1/dev"/>
-        </inkml:channelProperties>
-      </inkml:inkSource>
-      <inkml:timestamp xml:id="ts0" timeString="2021-09-13T17:55:02.723"/>
-    </inkml:context>
-    <inkml:brush xml:id="br0">
-      <inkml:brushProperty name="width" value="0.05" units="cm"/>
-      <inkml:brushProperty name="height" value="0.05" units="cm"/>
-      <inkml:brushProperty name="color" value="#00A0D7"/>
-    </inkml:brush>
-  </inkml:definitions>
-  <inkml:trace contextRef="#ctx0" brushRef="#br0">1 27 24575,'11'0'0,"5"0"0,-6 0 0,7 0 0,-8 0 0,8 0 0,-3 0 0,0 0 0,-1 0 0,-5 0 0,0 0 0,1 0 0,-1 0 0,0 0 0,0 0 0,1 0 0,-1 0 0,0 0 0,-1 0 0,1 0 0,0 0 0,0 0 0,-4-8 0,3 6 0,-6-10 0,2 11 0,-3-2 0</inkml:trace>
-</inkml:ink>
-</file>
-
-<file path=ppt/ink/ink9.xml><?xml version="1.0" encoding="utf-8"?>
-<inkml:ink xmlns:inkml="http://www.w3.org/2003/InkML">
-  <inkml:definitions>
-    <inkml:context xml:id="ctx0">
-      <inkml:inkSource xml:id="inkSrc0">
-        <inkml:traceFormat>
-          <inkml:channel name="X" type="integer" min="-2.14748E9" max="2.14748E9" units="cm"/>
-          <inkml:channel name="Y" type="integer" min="-2.14748E9" max="2.14748E9" units="cm"/>
-          <inkml:channel name="F" type="integer" max="32767" units="dev"/>
-        </inkml:traceFormat>
-        <inkml:channelProperties>
-          <inkml:channelProperty channel="X" name="resolution" value="1000" units="1/cm"/>
-          <inkml:channelProperty channel="Y" name="resolution" value="1000" units="1/cm"/>
-          <inkml:channelProperty channel="F" name="resolution" value="0" units="1/dev"/>
-        </inkml:channelProperties>
-      </inkml:inkSource>
-      <inkml:timestamp xml:id="ts0" timeString="2021-09-13T17:56:07.369"/>
-    </inkml:context>
-    <inkml:brush xml:id="br0">
-      <inkml:brushProperty name="width" value="0.05" units="cm"/>
-      <inkml:brushProperty name="height" value="0.05" units="cm"/>
-      <inkml:brushProperty name="color" value="#00A0D7"/>
-    </inkml:brush>
-  </inkml:definitions>
-  <inkml:trace contextRef="#ctx0" brushRef="#br0">1 1 24575,'27'0'0,"-15"0"0,24 0 0,-26 0 0,7 0 0,-9 0 0,4 0 0,-3 0 0,3 0 0,3 0 0,-5 0 0,5 3 0,-11 2 0,0 3 0,-4 0 0,0 0 0,0 4 0,0-3 0,0 11 0,-4-10 0,-12 11 0,0-16 0,-21 7 0,21-8 0,-8 1 0,12 2 0,-1-2 0,-4 0 0,4 2 0,2-6 0,6 6 0,2-3 0,3 4 0,0 0 0,3-4 0,6 0 0,12-4 0,0-5 0,5 4 0,1-3 0,-7 4 0,10 0 0,-10 0 0,13 0 0,-17 0 0,12 0 0,-15 0 0,8 0 0,-4 0 0,4 0 0,-4 0 0,0-3 0,-5-2 0,-3 1 0,-6 0 0</inkml:trace>
 </inkml:ink>
 </file>
 
@@ -582,7 +359,7 @@
           <a:p>
             <a:fld id="{3B15A1CC-ACDD-704E-8698-C6E1792162B7}" type="datetimeFigureOut">
               <a:rPr lang="en-US" smtClean="0"/>
-              <a:t>9/15/21</a:t>
+              <a:t>9/21/22</a:t>
             </a:fld>
             <a:endParaRPr lang="en-US"/>
           </a:p>
@@ -1095,7 +872,7 @@
             <a:fld id="{B61BEF0D-F0BB-DE4B-95CE-6DB70DBA9567}" type="datetimeFigureOut">
               <a:rPr lang="en-US"/>
               <a:pPr/>
-              <a:t>9/15/21</a:t>
+              <a:t>9/21/22</a:t>
             </a:fld>
             <a:endParaRPr lang="en-US"/>
           </a:p>
@@ -1354,7 +1131,7 @@
             <a:fld id="{B61BEF0D-F0BB-DE4B-95CE-6DB70DBA9567}" type="datetimeFigureOut">
               <a:rPr lang="en-US"/>
               <a:pPr/>
-              <a:t>9/15/21</a:t>
+              <a:t>9/21/22</a:t>
             </a:fld>
             <a:endParaRPr lang="en-US"/>
           </a:p>
@@ -1586,7 +1363,7 @@
             <a:fld id="{B61BEF0D-F0BB-DE4B-95CE-6DB70DBA9567}" type="datetimeFigureOut">
               <a:rPr lang="en-US"/>
               <a:pPr/>
-              <a:t>9/15/21</a:t>
+              <a:t>9/21/22</a:t>
             </a:fld>
             <a:endParaRPr lang="en-US"/>
           </a:p>
@@ -1823,7 +1600,7 @@
             <a:fld id="{B61BEF0D-F0BB-DE4B-95CE-6DB70DBA9567}" type="datetimeFigureOut">
               <a:rPr lang="en-US"/>
               <a:pPr/>
-              <a:t>9/15/21</a:t>
+              <a:t>9/21/22</a:t>
             </a:fld>
             <a:endParaRPr lang="en-US"/>
           </a:p>
@@ -2127,7 +1904,7 @@
             <a:fld id="{B61BEF0D-F0BB-DE4B-95CE-6DB70DBA9567}" type="datetimeFigureOut">
               <a:rPr lang="en-US"/>
               <a:pPr/>
-              <a:t>9/15/21</a:t>
+              <a:t>9/21/22</a:t>
             </a:fld>
             <a:endParaRPr lang="en-US"/>
           </a:p>
@@ -2426,7 +2203,7 @@
             <a:fld id="{B61BEF0D-F0BB-DE4B-95CE-6DB70DBA9567}" type="datetimeFigureOut">
               <a:rPr lang="en-US"/>
               <a:pPr/>
-              <a:t>9/15/21</a:t>
+              <a:t>9/21/22</a:t>
             </a:fld>
             <a:endParaRPr lang="en-US"/>
           </a:p>
@@ -2845,7 +2622,7 @@
             <a:fld id="{B61BEF0D-F0BB-DE4B-95CE-6DB70DBA9567}" type="datetimeFigureOut">
               <a:rPr lang="en-US"/>
               <a:pPr/>
-              <a:t>9/15/21</a:t>
+              <a:t>9/21/22</a:t>
             </a:fld>
             <a:endParaRPr lang="en-US"/>
           </a:p>
@@ -3004,7 +2781,7 @@
             <a:fld id="{B61BEF0D-F0BB-DE4B-95CE-6DB70DBA9567}" type="datetimeFigureOut">
               <a:rPr lang="en-US"/>
               <a:pPr/>
-              <a:t>9/15/21</a:t>
+              <a:t>9/21/22</a:t>
             </a:fld>
             <a:endParaRPr lang="en-US"/>
           </a:p>
@@ -3096,7 +2873,7 @@
             <a:fld id="{B61BEF0D-F0BB-DE4B-95CE-6DB70DBA9567}" type="datetimeFigureOut">
               <a:rPr lang="en-US"/>
               <a:pPr/>
-              <a:t>9/15/21</a:t>
+              <a:t>9/21/22</a:t>
             </a:fld>
             <a:endParaRPr lang="en-US"/>
           </a:p>
@@ -3471,7 +3248,7 @@
             <a:fld id="{B61BEF0D-F0BB-DE4B-95CE-6DB70DBA9567}" type="datetimeFigureOut">
               <a:rPr lang="en-US"/>
               <a:pPr/>
-              <a:t>9/15/21</a:t>
+              <a:t>9/21/22</a:t>
             </a:fld>
             <a:endParaRPr lang="en-US"/>
           </a:p>
@@ -3756,7 +3533,7 @@
             <a:fld id="{B61BEF0D-F0BB-DE4B-95CE-6DB70DBA9567}" type="datetimeFigureOut">
               <a:rPr lang="en-US"/>
               <a:pPr/>
-              <a:t>9/15/21</a:t>
+              <a:t>9/21/22</a:t>
             </a:fld>
             <a:endParaRPr lang="en-US"/>
           </a:p>
@@ -3964,7 +3741,7 @@
             <a:fld id="{B61BEF0D-F0BB-DE4B-95CE-6DB70DBA9567}" type="datetimeFigureOut">
               <a:rPr lang="en-US"/>
               <a:pPr/>
-              <a:t>9/15/21</a:t>
+              <a:t>9/21/22</a:t>
             </a:fld>
             <a:endParaRPr lang="en-US"/>
           </a:p>
@@ -6131,8 +5908,8 @@
           </a:prstGeom>
         </p:spPr>
       </p:pic>
-      <mc:AlternateContent xmlns:mc="http://schemas.openxmlformats.org/markup-compatibility/2006">
-        <mc:Choice xmlns:p14="http://schemas.microsoft.com/office/powerpoint/2010/main" Requires="p14">
+      <mc:AlternateContent xmlns:mc="http://schemas.openxmlformats.org/markup-compatibility/2006" xmlns:p14="http://schemas.microsoft.com/office/powerpoint/2010/main">
+        <mc:Choice Requires="p14">
           <p:contentPart p14:bwMode="auto" r:id="rId5">
             <p14:nvContentPartPr>
               <p14:cNvPr id="6" name="Ink 5">
@@ -6151,7 +5928,7 @@
             </p14:xfrm>
           </p:contentPart>
         </mc:Choice>
-        <mc:Fallback>
+        <mc:Fallback xmlns="">
           <p:pic>
             <p:nvPicPr>
               <p:cNvPr id="6" name="Ink 5">
@@ -6182,8 +5959,8 @@
           </p:pic>
         </mc:Fallback>
       </mc:AlternateContent>
-      <mc:AlternateContent xmlns:mc="http://schemas.openxmlformats.org/markup-compatibility/2006">
-        <mc:Choice xmlns:p14="http://schemas.microsoft.com/office/powerpoint/2010/main" Requires="p14">
+      <mc:AlternateContent xmlns:mc="http://schemas.openxmlformats.org/markup-compatibility/2006" xmlns:p14="http://schemas.microsoft.com/office/powerpoint/2010/main">
+        <mc:Choice Requires="p14">
           <p:contentPart p14:bwMode="auto" r:id="rId7">
             <p14:nvContentPartPr>
               <p14:cNvPr id="7" name="Ink 6">
@@ -6202,7 +5979,7 @@
             </p14:xfrm>
           </p:contentPart>
         </mc:Choice>
-        <mc:Fallback>
+        <mc:Fallback xmlns="">
           <p:pic>
             <p:nvPicPr>
               <p:cNvPr id="7" name="Ink 6">
@@ -6233,8 +6010,8 @@
           </p:pic>
         </mc:Fallback>
       </mc:AlternateContent>
-      <mc:AlternateContent xmlns:mc="http://schemas.openxmlformats.org/markup-compatibility/2006">
-        <mc:Choice xmlns:p14="http://schemas.microsoft.com/office/powerpoint/2010/main" Requires="p14">
+      <mc:AlternateContent xmlns:mc="http://schemas.openxmlformats.org/markup-compatibility/2006" xmlns:p14="http://schemas.microsoft.com/office/powerpoint/2010/main">
+        <mc:Choice Requires="p14">
           <p:contentPart p14:bwMode="auto" r:id="rId9">
             <p14:nvContentPartPr>
               <p14:cNvPr id="8" name="Ink 7">
@@ -6253,7 +6030,7 @@
             </p14:xfrm>
           </p:contentPart>
         </mc:Choice>
-        <mc:Fallback>
+        <mc:Fallback xmlns="">
           <p:pic>
             <p:nvPicPr>
               <p:cNvPr id="8" name="Ink 7">
@@ -6284,8 +6061,8 @@
           </p:pic>
         </mc:Fallback>
       </mc:AlternateContent>
-      <mc:AlternateContent xmlns:mc="http://schemas.openxmlformats.org/markup-compatibility/2006">
-        <mc:Choice xmlns:p14="http://schemas.microsoft.com/office/powerpoint/2010/main" Requires="p14">
+      <mc:AlternateContent xmlns:mc="http://schemas.openxmlformats.org/markup-compatibility/2006" xmlns:p14="http://schemas.microsoft.com/office/powerpoint/2010/main">
+        <mc:Choice Requires="p14">
           <p:contentPart p14:bwMode="auto" r:id="rId11">
             <p14:nvContentPartPr>
               <p14:cNvPr id="9" name="Ink 8">
@@ -6304,7 +6081,7 @@
             </p14:xfrm>
           </p:contentPart>
         </mc:Choice>
-        <mc:Fallback>
+        <mc:Fallback xmlns="">
           <p:pic>
             <p:nvPicPr>
               <p:cNvPr id="9" name="Ink 8">
@@ -6453,6 +6230,2765 @@
 </file>
 
 <file path=ppt/slides/slide14.xml><?xml version="1.0" encoding="utf-8"?>
+<p:sld xmlns:a="http://schemas.openxmlformats.org/drawingml/2006/main" xmlns:r="http://schemas.openxmlformats.org/officeDocument/2006/relationships" xmlns:p="http://schemas.openxmlformats.org/presentationml/2006/main">
+  <p:cSld>
+    <p:spTree>
+      <p:nvGrpSpPr>
+        <p:cNvPr id="1" name=""/>
+        <p:cNvGrpSpPr/>
+        <p:nvPr/>
+      </p:nvGrpSpPr>
+      <p:grpSpPr>
+        <a:xfrm>
+          <a:off x="0" y="0"/>
+          <a:ext cx="0" cy="0"/>
+          <a:chOff x="0" y="0"/>
+          <a:chExt cx="0" cy="0"/>
+        </a:xfrm>
+      </p:grpSpPr>
+      <p:sp>
+        <p:nvSpPr>
+          <p:cNvPr id="2" name="Title 1">
+            <a:extLst>
+              <a:ext uri="{FF2B5EF4-FFF2-40B4-BE49-F238E27FC236}">
+                <a16:creationId xmlns:a16="http://schemas.microsoft.com/office/drawing/2014/main" id="{341E344D-9A14-5D45-9418-9E8318785AC8}"/>
+              </a:ext>
+            </a:extLst>
+          </p:cNvPr>
+          <p:cNvSpPr>
+            <a:spLocks noGrp="1"/>
+          </p:cNvSpPr>
+          <p:nvPr>
+            <p:ph type="title"/>
+          </p:nvPr>
+        </p:nvSpPr>
+        <p:spPr/>
+        <p:txBody>
+          <a:bodyPr/>
+          <a:lstStyle/>
+          <a:p>
+            <a:r>
+              <a:rPr lang="en-US" altLang="en-US" dirty="0" err="1"/>
+              <a:t>Apriori</a:t>
+            </a:r>
+            <a:r>
+              <a:rPr lang="en-US" altLang="en-US" dirty="0"/>
+              <a:t> Principle Example</a:t>
+            </a:r>
+            <a:endParaRPr lang="en-US" dirty="0"/>
+          </a:p>
+        </p:txBody>
+      </p:sp>
+      <p:pic>
+        <p:nvPicPr>
+          <p:cNvPr id="6" name="Picture 5" descr="Table&#10;&#10;Description automatically generated">
+            <a:extLst>
+              <a:ext uri="{FF2B5EF4-FFF2-40B4-BE49-F238E27FC236}">
+                <a16:creationId xmlns:a16="http://schemas.microsoft.com/office/drawing/2014/main" id="{3A0E7751-DFA2-9649-851C-6E20C9624273}"/>
+              </a:ext>
+            </a:extLst>
+          </p:cNvPr>
+          <p:cNvPicPr>
+            <a:picLocks noChangeAspect="1"/>
+          </p:cNvPicPr>
+          <p:nvPr/>
+        </p:nvPicPr>
+        <p:blipFill rotWithShape="1">
+          <a:blip r:embed="rId2"/>
+          <a:srcRect r="7544"/>
+          <a:stretch/>
+        </p:blipFill>
+        <p:spPr>
+          <a:xfrm>
+            <a:off x="204611" y="2183802"/>
+            <a:ext cx="3323168" cy="4188179"/>
+          </a:xfrm>
+          <a:prstGeom prst="rect">
+            <a:avLst/>
+          </a:prstGeom>
+        </p:spPr>
+      </p:pic>
+      <p:pic>
+        <p:nvPicPr>
+          <p:cNvPr id="7" name="Picture 6" descr="A picture containing treemap chart&#10;&#10;Description automatically generated">
+            <a:extLst>
+              <a:ext uri="{FF2B5EF4-FFF2-40B4-BE49-F238E27FC236}">
+                <a16:creationId xmlns:a16="http://schemas.microsoft.com/office/drawing/2014/main" id="{38032794-8A39-6B49-8BBC-871ABCD24B1E}"/>
+              </a:ext>
+            </a:extLst>
+          </p:cNvPr>
+          <p:cNvPicPr>
+            <a:picLocks noChangeAspect="1"/>
+          </p:cNvPicPr>
+          <p:nvPr/>
+        </p:nvPicPr>
+        <p:blipFill rotWithShape="1">
+          <a:blip r:embed="rId3"/>
+          <a:srcRect l="31487" t="18640"/>
+          <a:stretch/>
+        </p:blipFill>
+        <p:spPr>
+          <a:xfrm>
+            <a:off x="3817864" y="2539591"/>
+            <a:ext cx="3449442" cy="2060118"/>
+          </a:xfrm>
+          <a:prstGeom prst="rect">
+            <a:avLst/>
+          </a:prstGeom>
+        </p:spPr>
+      </p:pic>
+    </p:spTree>
+    <p:extLst>
+      <p:ext uri="{BB962C8B-B14F-4D97-AF65-F5344CB8AC3E}">
+        <p14:creationId xmlns:p14="http://schemas.microsoft.com/office/powerpoint/2010/main" val="1461313537"/>
+      </p:ext>
+    </p:extLst>
+  </p:cSld>
+  <p:clrMapOvr>
+    <a:masterClrMapping/>
+  </p:clrMapOvr>
+</p:sld>
+</file>
+
+<file path=ppt/slides/slide15.xml><?xml version="1.0" encoding="utf-8"?>
+<p:sld xmlns:a="http://schemas.openxmlformats.org/drawingml/2006/main" xmlns:r="http://schemas.openxmlformats.org/officeDocument/2006/relationships" xmlns:p="http://schemas.openxmlformats.org/presentationml/2006/main">
+  <p:cSld>
+    <p:spTree>
+      <p:nvGrpSpPr>
+        <p:cNvPr id="1" name=""/>
+        <p:cNvGrpSpPr/>
+        <p:nvPr/>
+      </p:nvGrpSpPr>
+      <p:grpSpPr>
+        <a:xfrm>
+          <a:off x="0" y="0"/>
+          <a:ext cx="0" cy="0"/>
+          <a:chOff x="0" y="0"/>
+          <a:chExt cx="0" cy="0"/>
+        </a:xfrm>
+      </p:grpSpPr>
+      <p:sp>
+        <p:nvSpPr>
+          <p:cNvPr id="2" name="Title 1">
+            <a:extLst>
+              <a:ext uri="{FF2B5EF4-FFF2-40B4-BE49-F238E27FC236}">
+                <a16:creationId xmlns:a16="http://schemas.microsoft.com/office/drawing/2014/main" id="{341E344D-9A14-5D45-9418-9E8318785AC8}"/>
+              </a:ext>
+            </a:extLst>
+          </p:cNvPr>
+          <p:cNvSpPr>
+            <a:spLocks noGrp="1"/>
+          </p:cNvSpPr>
+          <p:nvPr>
+            <p:ph type="title"/>
+          </p:nvPr>
+        </p:nvSpPr>
+        <p:spPr/>
+        <p:txBody>
+          <a:bodyPr/>
+          <a:lstStyle/>
+          <a:p>
+            <a:r>
+              <a:rPr lang="en-US" altLang="en-US" dirty="0" err="1"/>
+              <a:t>Apriori</a:t>
+            </a:r>
+            <a:r>
+              <a:rPr lang="en-US" altLang="en-US" dirty="0"/>
+              <a:t> Principle Example</a:t>
+            </a:r>
+            <a:endParaRPr lang="en-US" dirty="0"/>
+          </a:p>
+        </p:txBody>
+      </p:sp>
+      <p:pic>
+        <p:nvPicPr>
+          <p:cNvPr id="4" name="Picture 3" descr="Graphical user interface&#10;&#10;Description automatically generated with low confidence">
+            <a:extLst>
+              <a:ext uri="{FF2B5EF4-FFF2-40B4-BE49-F238E27FC236}">
+                <a16:creationId xmlns:a16="http://schemas.microsoft.com/office/drawing/2014/main" id="{C9B2C82B-3E06-8C4F-BA28-167506EC9CEB}"/>
+              </a:ext>
+            </a:extLst>
+          </p:cNvPr>
+          <p:cNvPicPr>
+            <a:picLocks noChangeAspect="1"/>
+          </p:cNvPicPr>
+          <p:nvPr/>
+        </p:nvPicPr>
+        <p:blipFill>
+          <a:blip r:embed="rId2"/>
+          <a:stretch>
+            <a:fillRect/>
+          </a:stretch>
+        </p:blipFill>
+        <p:spPr>
+          <a:xfrm>
+            <a:off x="2723573" y="1792156"/>
+            <a:ext cx="7188200" cy="977900"/>
+          </a:xfrm>
+          <a:prstGeom prst="rect">
+            <a:avLst/>
+          </a:prstGeom>
+        </p:spPr>
+      </p:pic>
+      <p:pic>
+        <p:nvPicPr>
+          <p:cNvPr id="13" name="Picture 12" descr="A picture containing treemap chart&#10;&#10;Description automatically generated">
+            <a:extLst>
+              <a:ext uri="{FF2B5EF4-FFF2-40B4-BE49-F238E27FC236}">
+                <a16:creationId xmlns:a16="http://schemas.microsoft.com/office/drawing/2014/main" id="{85A2D2EB-118D-874F-B526-31160CE5378F}"/>
+              </a:ext>
+            </a:extLst>
+          </p:cNvPr>
+          <p:cNvPicPr>
+            <a:picLocks noChangeAspect="1"/>
+          </p:cNvPicPr>
+          <p:nvPr/>
+        </p:nvPicPr>
+        <p:blipFill rotWithShape="1">
+          <a:blip r:embed="rId3"/>
+          <a:srcRect l="31487" t="18640"/>
+          <a:stretch/>
+        </p:blipFill>
+        <p:spPr>
+          <a:xfrm>
+            <a:off x="492773" y="3301591"/>
+            <a:ext cx="3449442" cy="2060118"/>
+          </a:xfrm>
+          <a:prstGeom prst="rect">
+            <a:avLst/>
+          </a:prstGeom>
+        </p:spPr>
+      </p:pic>
+      <p:pic>
+        <p:nvPicPr>
+          <p:cNvPr id="10" name="Picture 9" descr="Table&#10;&#10;Description automatically generated">
+            <a:extLst>
+              <a:ext uri="{FF2B5EF4-FFF2-40B4-BE49-F238E27FC236}">
+                <a16:creationId xmlns:a16="http://schemas.microsoft.com/office/drawing/2014/main" id="{7CEDE51A-A8E1-3840-8381-AAE440A15ED6}"/>
+              </a:ext>
+            </a:extLst>
+          </p:cNvPr>
+          <p:cNvPicPr>
+            <a:picLocks noChangeAspect="1"/>
+          </p:cNvPicPr>
+          <p:nvPr/>
+        </p:nvPicPr>
+        <p:blipFill>
+          <a:blip r:embed="rId4"/>
+          <a:stretch>
+            <a:fillRect/>
+          </a:stretch>
+        </p:blipFill>
+        <p:spPr>
+          <a:xfrm>
+            <a:off x="3735917" y="2846256"/>
+            <a:ext cx="4292600" cy="1930400"/>
+          </a:xfrm>
+          <a:prstGeom prst="rect">
+            <a:avLst/>
+          </a:prstGeom>
+        </p:spPr>
+      </p:pic>
+    </p:spTree>
+    <p:extLst>
+      <p:ext uri="{BB962C8B-B14F-4D97-AF65-F5344CB8AC3E}">
+        <p14:creationId xmlns:p14="http://schemas.microsoft.com/office/powerpoint/2010/main" val="4173887863"/>
+      </p:ext>
+    </p:extLst>
+  </p:cSld>
+  <p:clrMapOvr>
+    <a:masterClrMapping/>
+  </p:clrMapOvr>
+</p:sld>
+</file>
+
+<file path=ppt/slides/slide16.xml><?xml version="1.0" encoding="utf-8"?>
+<p:sld xmlns:a="http://schemas.openxmlformats.org/drawingml/2006/main" xmlns:r="http://schemas.openxmlformats.org/officeDocument/2006/relationships" xmlns:p="http://schemas.openxmlformats.org/presentationml/2006/main">
+  <p:cSld>
+    <p:spTree>
+      <p:nvGrpSpPr>
+        <p:cNvPr id="1" name=""/>
+        <p:cNvGrpSpPr/>
+        <p:nvPr/>
+      </p:nvGrpSpPr>
+      <p:grpSpPr>
+        <a:xfrm>
+          <a:off x="0" y="0"/>
+          <a:ext cx="0" cy="0"/>
+          <a:chOff x="0" y="0"/>
+          <a:chExt cx="0" cy="0"/>
+        </a:xfrm>
+      </p:grpSpPr>
+      <p:graphicFrame>
+        <p:nvGraphicFramePr>
+          <p:cNvPr id="12" name="Object 5">
+            <a:extLst>
+              <a:ext uri="{FF2B5EF4-FFF2-40B4-BE49-F238E27FC236}">
+                <a16:creationId xmlns:a16="http://schemas.microsoft.com/office/drawing/2014/main" id="{1A91C299-3572-2C45-AC78-7FC190599AFC}"/>
+              </a:ext>
+            </a:extLst>
+          </p:cNvPr>
+          <p:cNvGraphicFramePr>
+            <a:graphicFrameLocks noChangeAspect="1"/>
+          </p:cNvGraphicFramePr>
+          <p:nvPr>
+            <p:extLst>
+              <p:ext uri="{D42A27DB-BD31-4B8C-83A1-F6EECF244321}">
+                <p14:modId xmlns:p14="http://schemas.microsoft.com/office/powerpoint/2010/main" val="4283951435"/>
+              </p:ext>
+            </p:extLst>
+          </p:nvPr>
+        </p:nvGraphicFramePr>
+        <p:xfrm>
+          <a:off x="2670968" y="1745895"/>
+          <a:ext cx="6850063" cy="5235575"/>
+        </p:xfrm>
+        <a:graphic>
+          <a:graphicData uri="http://schemas.openxmlformats.org/presentationml/2006/ole">
+            <mc:AlternateContent xmlns:mc="http://schemas.openxmlformats.org/markup-compatibility/2006">
+              <mc:Choice xmlns:v="urn:schemas-microsoft-com:vml" Requires="v">
+                <p:oleObj name="Visio" r:id="rId2" imgW="9866478" imgH="7377618" progId="Visio.Drawing.6">
+                  <p:embed/>
+                </p:oleObj>
+              </mc:Choice>
+              <mc:Fallback>
+                <p:oleObj name="Visio" r:id="rId2" imgW="9866478" imgH="7377618" progId="Visio.Drawing.6">
+                  <p:embed/>
+                  <p:pic>
+                    <p:nvPicPr>
+                      <p:cNvPr id="12" name="Object 5">
+                        <a:extLst>
+                          <a:ext uri="{FF2B5EF4-FFF2-40B4-BE49-F238E27FC236}">
+                            <a16:creationId xmlns:a16="http://schemas.microsoft.com/office/drawing/2014/main" id="{1A91C299-3572-2C45-AC78-7FC190599AFC}"/>
+                          </a:ext>
+                        </a:extLst>
+                      </p:cNvPr>
+                      <p:cNvPicPr>
+                        <a:picLocks noChangeAspect="1" noChangeArrowheads="1"/>
+                      </p:cNvPicPr>
+                      <p:nvPr/>
+                    </p:nvPicPr>
+                    <p:blipFill>
+                      <a:blip r:embed="rId3">
+                        <a:extLst>
+                          <a:ext uri="{28A0092B-C50C-407E-A947-70E740481C1C}">
+                            <a14:useLocalDpi xmlns:a14="http://schemas.microsoft.com/office/drawing/2010/main" val="0"/>
+                          </a:ext>
+                        </a:extLst>
+                      </a:blip>
+                      <a:srcRect/>
+                      <a:stretch>
+                        <a:fillRect/>
+                      </a:stretch>
+                    </p:blipFill>
+                    <p:spPr bwMode="auto">
+                      <a:xfrm>
+                        <a:off x="2670968" y="1745895"/>
+                        <a:ext cx="6850063" cy="5235575"/>
+                      </a:xfrm>
+                      <a:prstGeom prst="rect">
+                        <a:avLst/>
+                      </a:prstGeom>
+                      <a:noFill/>
+                      <a:ln>
+                        <a:noFill/>
+                      </a:ln>
+                      <a:effectLst/>
+                      <a:extLst>
+                        <a:ext uri="{909E8E84-426E-40DD-AFC4-6F175D3DCCD1}">
+                          <a14:hiddenFill xmlns:a14="http://schemas.microsoft.com/office/drawing/2010/main">
+                            <a:solidFill>
+                              <a:schemeClr val="accent1"/>
+                            </a:solidFill>
+                          </a14:hiddenFill>
+                        </a:ext>
+                        <a:ext uri="{91240B29-F687-4F45-9708-019B960494DF}">
+                          <a14:hiddenLine xmlns:a14="http://schemas.microsoft.com/office/drawing/2010/main" w="12700">
+                            <a:solidFill>
+                              <a:schemeClr val="tx1"/>
+                            </a:solidFill>
+                            <a:miter lim="800000"/>
+                            <a:headEnd/>
+                            <a:tailEnd/>
+                          </a14:hiddenLine>
+                        </a:ext>
+                        <a:ext uri="{AF507438-7753-43E0-B8FC-AC1667EBCBE1}">
+                          <a14:hiddenEffects xmlns:a14="http://schemas.microsoft.com/office/drawing/2010/main">
+                            <a:effectLst>
+                              <a:outerShdw dist="35921" dir="2700000" algn="ctr" rotWithShape="0">
+                                <a:schemeClr val="bg2"/>
+                              </a:outerShdw>
+                            </a:effectLst>
+                          </a14:hiddenEffects>
+                        </a:ext>
+                      </a:extLst>
+                    </p:spPr>
+                  </p:pic>
+                </p:oleObj>
+              </mc:Fallback>
+            </mc:AlternateContent>
+          </a:graphicData>
+        </a:graphic>
+      </p:graphicFrame>
+      <p:sp>
+        <p:nvSpPr>
+          <p:cNvPr id="13" name="Rectangle 6">
+            <a:extLst>
+              <a:ext uri="{FF2B5EF4-FFF2-40B4-BE49-F238E27FC236}">
+                <a16:creationId xmlns:a16="http://schemas.microsoft.com/office/drawing/2014/main" id="{C1C42133-5F18-4940-B67E-8605530259B9}"/>
+              </a:ext>
+            </a:extLst>
+          </p:cNvPr>
+          <p:cNvSpPr txBox="1">
+            <a:spLocks noChangeArrowheads="1"/>
+          </p:cNvSpPr>
+          <p:nvPr/>
+        </p:nvSpPr>
+        <p:spPr>
+          <a:xfrm>
+            <a:off x="465667" y="1096432"/>
+            <a:ext cx="8280400" cy="533400"/>
+          </a:xfrm>
+          <a:prstGeom prst="rect">
+            <a:avLst/>
+          </a:prstGeom>
+        </p:spPr>
+        <p:txBody>
+          <a:bodyPr vert="horz" lIns="91440" tIns="45720" rIns="91440" bIns="45720" rtlCol="0" anchor="b">
+            <a:normAutofit/>
+          </a:bodyPr>
+          <a:lstStyle>
+            <a:lvl1pPr algn="l" defTabSz="457200" rtl="0" eaLnBrk="1" latinLnBrk="0" hangingPunct="1">
+              <a:spcBef>
+                <a:spcPct val="0"/>
+              </a:spcBef>
+              <a:buNone/>
+              <a:defRPr sz="2800" b="0" kern="1200" cap="all">
+                <a:solidFill>
+                  <a:schemeClr val="bg1"/>
+                </a:solidFill>
+                <a:latin typeface="+mj-lt"/>
+                <a:ea typeface="+mj-ea"/>
+                <a:cs typeface="+mj-cs"/>
+              </a:defRPr>
+            </a:lvl1pPr>
+            <a:lvl2pPr eaLnBrk="1" hangingPunct="1">
+              <a:defRPr>
+                <a:solidFill>
+                  <a:schemeClr val="tx2"/>
+                </a:solidFill>
+              </a:defRPr>
+            </a:lvl2pPr>
+            <a:lvl3pPr eaLnBrk="1" hangingPunct="1">
+              <a:defRPr>
+                <a:solidFill>
+                  <a:schemeClr val="tx2"/>
+                </a:solidFill>
+              </a:defRPr>
+            </a:lvl3pPr>
+            <a:lvl4pPr eaLnBrk="1" hangingPunct="1">
+              <a:defRPr>
+                <a:solidFill>
+                  <a:schemeClr val="tx2"/>
+                </a:solidFill>
+              </a:defRPr>
+            </a:lvl4pPr>
+            <a:lvl5pPr eaLnBrk="1" hangingPunct="1">
+              <a:defRPr>
+                <a:solidFill>
+                  <a:schemeClr val="tx2"/>
+                </a:solidFill>
+              </a:defRPr>
+            </a:lvl5pPr>
+            <a:lvl6pPr eaLnBrk="1" hangingPunct="1">
+              <a:defRPr>
+                <a:solidFill>
+                  <a:schemeClr val="tx2"/>
+                </a:solidFill>
+              </a:defRPr>
+            </a:lvl6pPr>
+            <a:lvl7pPr eaLnBrk="1" hangingPunct="1">
+              <a:defRPr>
+                <a:solidFill>
+                  <a:schemeClr val="tx2"/>
+                </a:solidFill>
+              </a:defRPr>
+            </a:lvl7pPr>
+            <a:lvl8pPr eaLnBrk="1" hangingPunct="1">
+              <a:defRPr>
+                <a:solidFill>
+                  <a:schemeClr val="tx2"/>
+                </a:solidFill>
+              </a:defRPr>
+            </a:lvl8pPr>
+            <a:lvl9pPr eaLnBrk="1" hangingPunct="1">
+              <a:defRPr>
+                <a:solidFill>
+                  <a:schemeClr val="tx2"/>
+                </a:solidFill>
+              </a:defRPr>
+            </a:lvl9pPr>
+          </a:lstStyle>
+          <a:p>
+            <a:r>
+              <a:rPr lang="en-US" altLang="en-US" dirty="0"/>
+              <a:t>Illustrating </a:t>
+            </a:r>
+            <a:r>
+              <a:rPr lang="en-US" altLang="en-US" dirty="0" err="1"/>
+              <a:t>Apriori</a:t>
+            </a:r>
+            <a:r>
+              <a:rPr lang="en-US" altLang="en-US" dirty="0"/>
+              <a:t> Principle</a:t>
+            </a:r>
+          </a:p>
+        </p:txBody>
+      </p:sp>
+      <p:graphicFrame>
+        <p:nvGraphicFramePr>
+          <p:cNvPr id="5" name="Table 5">
+            <a:extLst>
+              <a:ext uri="{FF2B5EF4-FFF2-40B4-BE49-F238E27FC236}">
+                <a16:creationId xmlns:a16="http://schemas.microsoft.com/office/drawing/2014/main" id="{8AC0747A-7968-AEAC-BC2F-06B4EAE711D4}"/>
+              </a:ext>
+            </a:extLst>
+          </p:cNvPr>
+          <p:cNvGraphicFramePr>
+            <a:graphicFrameLocks noGrp="1"/>
+          </p:cNvGraphicFramePr>
+          <p:nvPr>
+            <p:extLst>
+              <p:ext uri="{D42A27DB-BD31-4B8C-83A1-F6EECF244321}">
+                <p14:modId xmlns:p14="http://schemas.microsoft.com/office/powerpoint/2010/main" val="214440227"/>
+              </p:ext>
+            </p:extLst>
+          </p:nvPr>
+        </p:nvGraphicFramePr>
+        <p:xfrm>
+          <a:off x="268112" y="2254956"/>
+          <a:ext cx="2125132" cy="3016956"/>
+        </p:xfrm>
+        <a:graphic>
+          <a:graphicData uri="http://schemas.openxmlformats.org/drawingml/2006/table">
+            <a:tbl>
+              <a:tblPr firstRow="1" bandRow="1">
+                <a:tableStyleId>{5C22544A-7EE6-4342-B048-85BDC9FD1C3A}</a:tableStyleId>
+              </a:tblPr>
+              <a:tblGrid>
+                <a:gridCol w="691444">
+                  <a:extLst>
+                    <a:ext uri="{9D8B030D-6E8A-4147-A177-3AD203B41FA5}">
+                      <a16:colId xmlns:a16="http://schemas.microsoft.com/office/drawing/2014/main" val="3390817864"/>
+                    </a:ext>
+                  </a:extLst>
+                </a:gridCol>
+                <a:gridCol w="1433688">
+                  <a:extLst>
+                    <a:ext uri="{9D8B030D-6E8A-4147-A177-3AD203B41FA5}">
+                      <a16:colId xmlns:a16="http://schemas.microsoft.com/office/drawing/2014/main" val="506260018"/>
+                    </a:ext>
+                  </a:extLst>
+                </a:gridCol>
+              </a:tblGrid>
+              <a:tr h="895551">
+                <a:tc>
+                  <a:txBody>
+                    <a:bodyPr/>
+                    <a:lstStyle/>
+                    <a:p>
+                      <a:r>
+                        <a:rPr lang="en-US" sz="1800" dirty="0"/>
+                        <a:t>TID</a:t>
+                      </a:r>
+                    </a:p>
+                  </a:txBody>
+                  <a:tcPr/>
+                </a:tc>
+                <a:tc>
+                  <a:txBody>
+                    <a:bodyPr/>
+                    <a:lstStyle/>
+                    <a:p>
+                      <a:r>
+                        <a:rPr lang="en-US" sz="1800" dirty="0"/>
+                        <a:t>ITEMS</a:t>
+                      </a:r>
+                    </a:p>
+                  </a:txBody>
+                  <a:tcPr/>
+                </a:tc>
+                <a:extLst>
+                  <a:ext uri="{0D108BD9-81ED-4DB2-BD59-A6C34878D82A}">
+                    <a16:rowId xmlns:a16="http://schemas.microsoft.com/office/drawing/2014/main" val="951872675"/>
+                  </a:ext>
+                </a:extLst>
+              </a:tr>
+              <a:tr h="424281">
+                <a:tc>
+                  <a:txBody>
+                    <a:bodyPr/>
+                    <a:lstStyle/>
+                    <a:p>
+                      <a:r>
+                        <a:rPr lang="en-US" sz="1800" dirty="0"/>
+                        <a:t>1</a:t>
+                      </a:r>
+                    </a:p>
+                  </a:txBody>
+                  <a:tcPr/>
+                </a:tc>
+                <a:tc>
+                  <a:txBody>
+                    <a:bodyPr/>
+                    <a:lstStyle/>
+                    <a:p>
+                      <a:r>
+                        <a:rPr lang="en-US" sz="1800" dirty="0"/>
+                        <a:t>A, B</a:t>
+                      </a:r>
+                    </a:p>
+                  </a:txBody>
+                  <a:tcPr/>
+                </a:tc>
+                <a:extLst>
+                  <a:ext uri="{0D108BD9-81ED-4DB2-BD59-A6C34878D82A}">
+                    <a16:rowId xmlns:a16="http://schemas.microsoft.com/office/drawing/2014/main" val="1857861462"/>
+                  </a:ext>
+                </a:extLst>
+              </a:tr>
+              <a:tr h="424281">
+                <a:tc>
+                  <a:txBody>
+                    <a:bodyPr/>
+                    <a:lstStyle/>
+                    <a:p>
+                      <a:r>
+                        <a:rPr lang="en-US" sz="1800" dirty="0"/>
+                        <a:t>2</a:t>
+                      </a:r>
+                    </a:p>
+                  </a:txBody>
+                  <a:tcPr/>
+                </a:tc>
+                <a:tc>
+                  <a:txBody>
+                    <a:bodyPr/>
+                    <a:lstStyle/>
+                    <a:p>
+                      <a:r>
+                        <a:rPr lang="en-US" sz="1800" dirty="0"/>
+                        <a:t>A, C, D, E</a:t>
+                      </a:r>
+                    </a:p>
+                  </a:txBody>
+                  <a:tcPr/>
+                </a:tc>
+                <a:extLst>
+                  <a:ext uri="{0D108BD9-81ED-4DB2-BD59-A6C34878D82A}">
+                    <a16:rowId xmlns:a16="http://schemas.microsoft.com/office/drawing/2014/main" val="1907796195"/>
+                  </a:ext>
+                </a:extLst>
+              </a:tr>
+              <a:tr h="424281">
+                <a:tc>
+                  <a:txBody>
+                    <a:bodyPr/>
+                    <a:lstStyle/>
+                    <a:p>
+                      <a:r>
+                        <a:rPr lang="en-US" sz="1800" dirty="0"/>
+                        <a:t>3</a:t>
+                      </a:r>
+                    </a:p>
+                  </a:txBody>
+                  <a:tcPr/>
+                </a:tc>
+                <a:tc>
+                  <a:txBody>
+                    <a:bodyPr/>
+                    <a:lstStyle/>
+                    <a:p>
+                      <a:r>
+                        <a:rPr lang="en-US" sz="1800" dirty="0"/>
+                        <a:t>B, C, D</a:t>
+                      </a:r>
+                    </a:p>
+                  </a:txBody>
+                  <a:tcPr/>
+                </a:tc>
+                <a:extLst>
+                  <a:ext uri="{0D108BD9-81ED-4DB2-BD59-A6C34878D82A}">
+                    <a16:rowId xmlns:a16="http://schemas.microsoft.com/office/drawing/2014/main" val="3537042310"/>
+                  </a:ext>
+                </a:extLst>
+              </a:tr>
+              <a:tr h="424281">
+                <a:tc>
+                  <a:txBody>
+                    <a:bodyPr/>
+                    <a:lstStyle/>
+                    <a:p>
+                      <a:r>
+                        <a:rPr lang="en-US" sz="1800" dirty="0"/>
+                        <a:t>4</a:t>
+                      </a:r>
+                    </a:p>
+                  </a:txBody>
+                  <a:tcPr/>
+                </a:tc>
+                <a:tc>
+                  <a:txBody>
+                    <a:bodyPr/>
+                    <a:lstStyle/>
+                    <a:p>
+                      <a:r>
+                        <a:rPr lang="en-US" sz="1800" dirty="0"/>
+                        <a:t>B, C, E</a:t>
+                      </a:r>
+                    </a:p>
+                  </a:txBody>
+                  <a:tcPr/>
+                </a:tc>
+                <a:extLst>
+                  <a:ext uri="{0D108BD9-81ED-4DB2-BD59-A6C34878D82A}">
+                    <a16:rowId xmlns:a16="http://schemas.microsoft.com/office/drawing/2014/main" val="675396245"/>
+                  </a:ext>
+                </a:extLst>
+              </a:tr>
+              <a:tr h="424281">
+                <a:tc>
+                  <a:txBody>
+                    <a:bodyPr/>
+                    <a:lstStyle/>
+                    <a:p>
+                      <a:r>
+                        <a:rPr lang="en-US" sz="1800" dirty="0"/>
+                        <a:t>5</a:t>
+                      </a:r>
+                    </a:p>
+                  </a:txBody>
+                  <a:tcPr/>
+                </a:tc>
+                <a:tc>
+                  <a:txBody>
+                    <a:bodyPr/>
+                    <a:lstStyle/>
+                    <a:p>
+                      <a:r>
+                        <a:rPr lang="en-US" sz="1800" dirty="0"/>
+                        <a:t>C, B, D</a:t>
+                      </a:r>
+                    </a:p>
+                  </a:txBody>
+                  <a:tcPr/>
+                </a:tc>
+                <a:extLst>
+                  <a:ext uri="{0D108BD9-81ED-4DB2-BD59-A6C34878D82A}">
+                    <a16:rowId xmlns:a16="http://schemas.microsoft.com/office/drawing/2014/main" val="2656283563"/>
+                  </a:ext>
+                </a:extLst>
+              </a:tr>
+            </a:tbl>
+          </a:graphicData>
+        </a:graphic>
+      </p:graphicFrame>
+    </p:spTree>
+    <p:extLst>
+      <p:ext uri="{BB962C8B-B14F-4D97-AF65-F5344CB8AC3E}">
+        <p14:creationId xmlns:p14="http://schemas.microsoft.com/office/powerpoint/2010/main" val="3345619053"/>
+      </p:ext>
+    </p:extLst>
+  </p:cSld>
+  <p:clrMapOvr>
+    <a:masterClrMapping/>
+  </p:clrMapOvr>
+</p:sld>
+</file>
+
+<file path=ppt/slides/slide17.xml><?xml version="1.0" encoding="utf-8"?>
+<p:sld xmlns:a="http://schemas.openxmlformats.org/drawingml/2006/main" xmlns:r="http://schemas.openxmlformats.org/officeDocument/2006/relationships" xmlns:p="http://schemas.openxmlformats.org/presentationml/2006/main">
+  <p:cSld>
+    <p:spTree>
+      <p:nvGrpSpPr>
+        <p:cNvPr id="1" name=""/>
+        <p:cNvGrpSpPr/>
+        <p:nvPr/>
+      </p:nvGrpSpPr>
+      <p:grpSpPr>
+        <a:xfrm>
+          <a:off x="0" y="0"/>
+          <a:ext cx="0" cy="0"/>
+          <a:chOff x="0" y="0"/>
+          <a:chExt cx="0" cy="0"/>
+        </a:xfrm>
+      </p:grpSpPr>
+      <p:sp>
+        <p:nvSpPr>
+          <p:cNvPr id="23554" name="Rectangle 2"/>
+          <p:cNvSpPr>
+            <a:spLocks noGrp="1" noChangeArrowheads="1"/>
+          </p:cNvSpPr>
+          <p:nvPr>
+            <p:ph type="title"/>
+          </p:nvPr>
+        </p:nvSpPr>
+        <p:spPr/>
+        <p:txBody>
+          <a:bodyPr/>
+          <a:lstStyle/>
+          <a:p>
+            <a:r>
+              <a:rPr lang="en-US" altLang="en-US"/>
+              <a:t>Apriori Algorithm</a:t>
+            </a:r>
+          </a:p>
+        </p:txBody>
+      </p:sp>
+      <p:sp>
+        <p:nvSpPr>
+          <p:cNvPr id="23555" name="Rectangle 3"/>
+          <p:cNvSpPr>
+            <a:spLocks noGrp="1" noChangeArrowheads="1"/>
+          </p:cNvSpPr>
+          <p:nvPr>
+            <p:ph idx="1"/>
+          </p:nvPr>
+        </p:nvSpPr>
+        <p:spPr/>
+        <p:txBody>
+          <a:bodyPr/>
+          <a:lstStyle/>
+          <a:p>
+            <a:pPr marL="742950" lvl="1" indent="-285750">
+              <a:lnSpc>
+                <a:spcPct val="90000"/>
+              </a:lnSpc>
+            </a:pPr>
+            <a:r>
+              <a:rPr lang="en-US" altLang="en-US" dirty="0" err="1"/>
+              <a:t>F</a:t>
+            </a:r>
+            <a:r>
+              <a:rPr lang="en-US" altLang="en-US" baseline="-25000" dirty="0" err="1"/>
+              <a:t>k</a:t>
+            </a:r>
+            <a:r>
+              <a:rPr lang="en-US" altLang="en-US" dirty="0"/>
+              <a:t>: frequent k-</a:t>
+            </a:r>
+            <a:r>
+              <a:rPr lang="en-US" altLang="en-US" dirty="0" err="1"/>
+              <a:t>itemsets</a:t>
+            </a:r>
+            <a:endParaRPr lang="en-US" altLang="en-US" dirty="0"/>
+          </a:p>
+          <a:p>
+            <a:pPr marL="742950" lvl="1" indent="-285750">
+              <a:lnSpc>
+                <a:spcPct val="90000"/>
+              </a:lnSpc>
+            </a:pPr>
+            <a:r>
+              <a:rPr lang="en-US" altLang="en-US" dirty="0"/>
+              <a:t>L</a:t>
+            </a:r>
+            <a:r>
+              <a:rPr lang="en-US" altLang="en-US" baseline="-25000" dirty="0"/>
+              <a:t>k</a:t>
+            </a:r>
+            <a:r>
+              <a:rPr lang="en-US" altLang="en-US" dirty="0"/>
+              <a:t>: candidate k-</a:t>
+            </a:r>
+            <a:r>
+              <a:rPr lang="en-US" altLang="en-US" dirty="0" err="1"/>
+              <a:t>itemsets</a:t>
+            </a:r>
+            <a:endParaRPr lang="en-US" altLang="en-US" dirty="0"/>
+          </a:p>
+          <a:p>
+            <a:pPr marL="1543050" lvl="3" indent="-285750">
+              <a:lnSpc>
+                <a:spcPct val="90000"/>
+              </a:lnSpc>
+            </a:pPr>
+            <a:endParaRPr lang="en-US" altLang="en-US" sz="800" dirty="0"/>
+          </a:p>
+          <a:p>
+            <a:pPr marL="234950" indent="-285750">
+              <a:lnSpc>
+                <a:spcPct val="90000"/>
+              </a:lnSpc>
+            </a:pPr>
+            <a:r>
+              <a:rPr lang="en-US" altLang="en-US" dirty="0"/>
+              <a:t>Algorithm</a:t>
+            </a:r>
+          </a:p>
+          <a:p>
+            <a:pPr marL="742950" lvl="1" indent="-285750">
+              <a:lnSpc>
+                <a:spcPct val="90000"/>
+              </a:lnSpc>
+            </a:pPr>
+            <a:r>
+              <a:rPr lang="en-US" altLang="en-US" dirty="0"/>
+              <a:t>Let k=1</a:t>
+            </a:r>
+          </a:p>
+          <a:p>
+            <a:pPr marL="742950" lvl="1" indent="-285750">
+              <a:lnSpc>
+                <a:spcPct val="90000"/>
+              </a:lnSpc>
+            </a:pPr>
+            <a:r>
+              <a:rPr lang="en-US" altLang="en-US" dirty="0"/>
+              <a:t>Generate F</a:t>
+            </a:r>
+            <a:r>
+              <a:rPr lang="en-US" altLang="en-US" baseline="-25000" dirty="0"/>
+              <a:t>1</a:t>
+            </a:r>
+            <a:r>
+              <a:rPr lang="en-US" altLang="en-US" dirty="0"/>
+              <a:t> = {frequent 1-itemsets}</a:t>
+            </a:r>
+          </a:p>
+          <a:p>
+            <a:pPr marL="742950" lvl="1" indent="-285750">
+              <a:lnSpc>
+                <a:spcPct val="90000"/>
+              </a:lnSpc>
+            </a:pPr>
+            <a:r>
+              <a:rPr lang="en-US" altLang="en-US" dirty="0"/>
+              <a:t>Repeat until </a:t>
+            </a:r>
+            <a:r>
+              <a:rPr lang="en-US" altLang="en-US" dirty="0" err="1"/>
+              <a:t>F</a:t>
+            </a:r>
+            <a:r>
+              <a:rPr lang="en-US" altLang="en-US" baseline="-25000" dirty="0" err="1"/>
+              <a:t>k</a:t>
+            </a:r>
+            <a:r>
+              <a:rPr lang="en-US" altLang="en-US" dirty="0"/>
+              <a:t> is empty</a:t>
+            </a:r>
+          </a:p>
+          <a:p>
+            <a:pPr marL="1143000" lvl="2" indent="-228600">
+              <a:lnSpc>
+                <a:spcPct val="90000"/>
+              </a:lnSpc>
+            </a:pPr>
+            <a:r>
+              <a:rPr lang="en-US" altLang="en-US" b="1" dirty="0"/>
+              <a:t>Candidate Generation</a:t>
+            </a:r>
+            <a:r>
+              <a:rPr lang="en-US" altLang="en-US" dirty="0"/>
+              <a:t>: Generate L</a:t>
+            </a:r>
+            <a:r>
+              <a:rPr lang="en-US" altLang="en-US" baseline="-25000" dirty="0"/>
+              <a:t>k+1 </a:t>
+            </a:r>
+            <a:r>
+              <a:rPr lang="en-US" altLang="en-US" dirty="0"/>
+              <a:t>from </a:t>
+            </a:r>
+            <a:r>
+              <a:rPr lang="en-US" altLang="en-US" dirty="0" err="1"/>
+              <a:t>F</a:t>
+            </a:r>
+            <a:r>
+              <a:rPr lang="en-US" altLang="en-US" baseline="-25000" dirty="0" err="1"/>
+              <a:t>k</a:t>
+            </a:r>
+            <a:endParaRPr lang="en-US" altLang="en-US" baseline="-25000" dirty="0"/>
+          </a:p>
+          <a:p>
+            <a:pPr marL="1143000" lvl="2" indent="-228600">
+              <a:lnSpc>
+                <a:spcPct val="90000"/>
+              </a:lnSpc>
+            </a:pPr>
+            <a:r>
+              <a:rPr lang="en-US" altLang="en-US" b="1" dirty="0"/>
+              <a:t>Candidate Pruning</a:t>
+            </a:r>
+            <a:r>
+              <a:rPr lang="en-US" altLang="en-US" dirty="0"/>
+              <a:t>: Prune candidate </a:t>
+            </a:r>
+            <a:r>
+              <a:rPr lang="en-US" altLang="en-US" dirty="0" err="1"/>
+              <a:t>itemsets</a:t>
+            </a:r>
+            <a:r>
+              <a:rPr lang="en-US" altLang="en-US" dirty="0"/>
+              <a:t> in L</a:t>
+            </a:r>
+            <a:r>
+              <a:rPr lang="en-US" altLang="en-US" baseline="-25000" dirty="0"/>
+              <a:t>k+1 </a:t>
+            </a:r>
+            <a:r>
+              <a:rPr lang="en-US" altLang="en-US" dirty="0"/>
+              <a:t>containing subsets of length k that are infrequent </a:t>
+            </a:r>
+          </a:p>
+          <a:p>
+            <a:pPr marL="1143000" lvl="2" indent="-228600">
+              <a:lnSpc>
+                <a:spcPct val="90000"/>
+              </a:lnSpc>
+            </a:pPr>
+            <a:r>
+              <a:rPr lang="en-US" altLang="en-US" b="1" dirty="0"/>
+              <a:t>Support Counting</a:t>
+            </a:r>
+            <a:r>
+              <a:rPr lang="en-US" altLang="en-US" dirty="0"/>
+              <a:t>: Count the support of each candidate in L</a:t>
+            </a:r>
+            <a:r>
+              <a:rPr lang="en-US" altLang="en-US" baseline="-25000" dirty="0"/>
+              <a:t>k+1 </a:t>
+            </a:r>
+            <a:r>
+              <a:rPr lang="en-US" altLang="en-US" dirty="0"/>
+              <a:t>by scanning the DB</a:t>
+            </a:r>
+          </a:p>
+          <a:p>
+            <a:pPr marL="1143000" lvl="2" indent="-228600">
+              <a:lnSpc>
+                <a:spcPct val="90000"/>
+              </a:lnSpc>
+            </a:pPr>
+            <a:r>
+              <a:rPr lang="en-US" altLang="en-US" b="1" dirty="0"/>
+              <a:t>Candidate Elimination</a:t>
+            </a:r>
+            <a:r>
+              <a:rPr lang="en-US" altLang="en-US" dirty="0"/>
+              <a:t>: Eliminate candidates in L</a:t>
+            </a:r>
+            <a:r>
+              <a:rPr lang="en-US" altLang="en-US" baseline="-25000" dirty="0"/>
+              <a:t>k+1 </a:t>
+            </a:r>
+            <a:r>
+              <a:rPr lang="en-US" altLang="en-US" dirty="0"/>
+              <a:t>that are infrequent, leaving only those that are frequent =&gt; F</a:t>
+            </a:r>
+            <a:r>
+              <a:rPr lang="en-US" altLang="en-US" baseline="-25000" dirty="0"/>
+              <a:t>k+1</a:t>
+            </a:r>
+          </a:p>
+        </p:txBody>
+      </p:sp>
+    </p:spTree>
+    <p:extLst>
+      <p:ext uri="{BB962C8B-B14F-4D97-AF65-F5344CB8AC3E}">
+        <p14:creationId xmlns:p14="http://schemas.microsoft.com/office/powerpoint/2010/main" val="181865102"/>
+      </p:ext>
+    </p:extLst>
+  </p:cSld>
+  <p:clrMapOvr>
+    <a:masterClrMapping/>
+  </p:clrMapOvr>
+</p:sld>
+</file>
+
+<file path=ppt/slides/slide18.xml><?xml version="1.0" encoding="utf-8"?>
+<p:sld xmlns:a="http://schemas.openxmlformats.org/drawingml/2006/main" xmlns:r="http://schemas.openxmlformats.org/officeDocument/2006/relationships" xmlns:p="http://schemas.openxmlformats.org/presentationml/2006/main">
+  <p:cSld>
+    <p:spTree>
+      <p:nvGrpSpPr>
+        <p:cNvPr id="1" name=""/>
+        <p:cNvGrpSpPr/>
+        <p:nvPr/>
+      </p:nvGrpSpPr>
+      <p:grpSpPr>
+        <a:xfrm>
+          <a:off x="0" y="0"/>
+          <a:ext cx="0" cy="0"/>
+          <a:chOff x="0" y="0"/>
+          <a:chExt cx="0" cy="0"/>
+        </a:xfrm>
+      </p:grpSpPr>
+      <p:sp>
+        <p:nvSpPr>
+          <p:cNvPr id="24578" name="Title 1"/>
+          <p:cNvSpPr>
+            <a:spLocks noGrp="1"/>
+          </p:cNvSpPr>
+          <p:nvPr>
+            <p:ph type="title"/>
+          </p:nvPr>
+        </p:nvSpPr>
+        <p:spPr/>
+        <p:txBody>
+          <a:bodyPr/>
+          <a:lstStyle/>
+          <a:p>
+            <a:r>
+              <a:rPr lang="en-US" altLang="en-US" sz="2400"/>
+              <a:t>Candidate Generation: Brute-force method</a:t>
+            </a:r>
+          </a:p>
+        </p:txBody>
+      </p:sp>
+      <p:pic>
+        <p:nvPicPr>
+          <p:cNvPr id="4" name="Picture 2"/>
+          <p:cNvPicPr>
+            <a:picLocks noChangeAspect="1" noChangeArrowheads="1"/>
+          </p:cNvPicPr>
+          <p:nvPr/>
+        </p:nvPicPr>
+        <p:blipFill>
+          <a:blip r:embed="rId2">
+            <a:lum contrast="40000"/>
+            <a:extLst>
+              <a:ext uri="{28A0092B-C50C-407E-A947-70E740481C1C}">
+                <a14:useLocalDpi xmlns:a14="http://schemas.microsoft.com/office/drawing/2010/main" val="0"/>
+              </a:ext>
+            </a:extLst>
+          </a:blip>
+          <a:srcRect l="12039" r="70956" b="62019"/>
+          <a:stretch>
+            <a:fillRect/>
+          </a:stretch>
+        </p:blipFill>
+        <p:spPr bwMode="auto">
+          <a:xfrm>
+            <a:off x="8404578" y="2011781"/>
+            <a:ext cx="1435100" cy="1790700"/>
+          </a:xfrm>
+          <a:prstGeom prst="rect">
+            <a:avLst/>
+          </a:prstGeom>
+          <a:noFill/>
+          <a:ln>
+            <a:noFill/>
+          </a:ln>
+          <a:extLst>
+            <a:ext uri="{909E8E84-426E-40DD-AFC4-6F175D3DCCD1}">
+              <a14:hiddenFill xmlns:a14="http://schemas.microsoft.com/office/drawing/2010/main">
+                <a:solidFill>
+                  <a:srgbClr val="FFFFFF"/>
+                </a:solidFill>
+              </a14:hiddenFill>
+            </a:ext>
+            <a:ext uri="{91240B29-F687-4F45-9708-019B960494DF}">
+              <a14:hiddenLine xmlns:a14="http://schemas.microsoft.com/office/drawing/2010/main" w="12700">
+                <a:solidFill>
+                  <a:srgbClr val="000000"/>
+                </a:solidFill>
+                <a:miter lim="800000"/>
+                <a:headEnd/>
+                <a:tailEnd/>
+              </a14:hiddenLine>
+            </a:ext>
+          </a:extLst>
+        </p:spPr>
+      </p:pic>
+      <p:pic>
+        <p:nvPicPr>
+          <p:cNvPr id="5" name="Picture 4"/>
+          <p:cNvPicPr>
+            <a:picLocks noChangeAspect="1"/>
+          </p:cNvPicPr>
+          <p:nvPr/>
+        </p:nvPicPr>
+        <p:blipFill>
+          <a:blip r:embed="rId3"/>
+          <a:stretch>
+            <a:fillRect/>
+          </a:stretch>
+        </p:blipFill>
+        <p:spPr>
+          <a:xfrm>
+            <a:off x="1891556" y="2011782"/>
+            <a:ext cx="6492240" cy="5147367"/>
+          </a:xfrm>
+          <a:prstGeom prst="rect">
+            <a:avLst/>
+          </a:prstGeom>
+        </p:spPr>
+      </p:pic>
+      <p:graphicFrame>
+        <p:nvGraphicFramePr>
+          <p:cNvPr id="6" name="Object 21"/>
+          <p:cNvGraphicFramePr>
+            <a:graphicFrameLocks noGrp="1" noChangeAspect="1"/>
+          </p:cNvGraphicFramePr>
+          <p:nvPr>
+            <p:extLst>
+              <p:ext uri="{D42A27DB-BD31-4B8C-83A1-F6EECF244321}">
+                <p14:modId xmlns:p14="http://schemas.microsoft.com/office/powerpoint/2010/main" val="615116844"/>
+              </p:ext>
+            </p:extLst>
+          </p:nvPr>
+        </p:nvGraphicFramePr>
+        <p:xfrm>
+          <a:off x="1470378" y="1912441"/>
+          <a:ext cx="1981200" cy="1191541"/>
+        </p:xfrm>
+        <a:graphic>
+          <a:graphicData uri="http://schemas.openxmlformats.org/presentationml/2006/ole">
+            <mc:AlternateContent xmlns:mc="http://schemas.openxmlformats.org/markup-compatibility/2006">
+              <mc:Choice xmlns:v="urn:schemas-microsoft-com:vml" Requires="v">
+                <p:oleObj name="Document" r:id="rId4" imgW="3352666" imgH="2016134" progId="Word.Document.8">
+                  <p:embed/>
+                </p:oleObj>
+              </mc:Choice>
+              <mc:Fallback>
+                <p:oleObj name="Document" r:id="rId4" imgW="3352666" imgH="2016134" progId="Word.Document.8">
+                  <p:embed/>
+                  <p:pic>
+                    <p:nvPicPr>
+                      <p:cNvPr id="6" name="Object 21"/>
+                      <p:cNvPicPr>
+                        <a:picLocks noGrp="1" noChangeAspect="1" noChangeArrowheads="1"/>
+                      </p:cNvPicPr>
+                      <p:nvPr/>
+                    </p:nvPicPr>
+                    <p:blipFill>
+                      <a:blip r:embed="rId5">
+                        <a:extLst>
+                          <a:ext uri="{28A0092B-C50C-407E-A947-70E740481C1C}">
+                            <a14:useLocalDpi xmlns:a14="http://schemas.microsoft.com/office/drawing/2010/main" val="0"/>
+                          </a:ext>
+                        </a:extLst>
+                      </a:blip>
+                      <a:srcRect/>
+                      <a:stretch>
+                        <a:fillRect/>
+                      </a:stretch>
+                    </p:blipFill>
+                    <p:spPr bwMode="auto">
+                      <a:xfrm>
+                        <a:off x="1470378" y="1912441"/>
+                        <a:ext cx="1981200" cy="1191541"/>
+                      </a:xfrm>
+                      <a:prstGeom prst="rect">
+                        <a:avLst/>
+                      </a:prstGeom>
+                      <a:noFill/>
+                      <a:ln>
+                        <a:noFill/>
+                      </a:ln>
+                      <a:effectLst/>
+                    </p:spPr>
+                  </p:pic>
+                </p:oleObj>
+              </mc:Fallback>
+            </mc:AlternateContent>
+          </a:graphicData>
+        </a:graphic>
+      </p:graphicFrame>
+    </p:spTree>
+    <p:extLst>
+      <p:ext uri="{BB962C8B-B14F-4D97-AF65-F5344CB8AC3E}">
+        <p14:creationId xmlns:p14="http://schemas.microsoft.com/office/powerpoint/2010/main" val="1304631488"/>
+      </p:ext>
+    </p:extLst>
+  </p:cSld>
+  <p:clrMapOvr>
+    <a:masterClrMapping/>
+  </p:clrMapOvr>
+</p:sld>
+</file>
+
+<file path=ppt/slides/slide19.xml><?xml version="1.0" encoding="utf-8"?>
+<p:sld xmlns:a="http://schemas.openxmlformats.org/drawingml/2006/main" xmlns:r="http://schemas.openxmlformats.org/officeDocument/2006/relationships" xmlns:p="http://schemas.openxmlformats.org/presentationml/2006/main">
+  <p:cSld>
+    <p:spTree>
+      <p:nvGrpSpPr>
+        <p:cNvPr id="1" name=""/>
+        <p:cNvGrpSpPr/>
+        <p:nvPr/>
+      </p:nvGrpSpPr>
+      <p:grpSpPr>
+        <a:xfrm>
+          <a:off x="0" y="0"/>
+          <a:ext cx="0" cy="0"/>
+          <a:chOff x="0" y="0"/>
+          <a:chExt cx="0" cy="0"/>
+        </a:xfrm>
+      </p:grpSpPr>
+      <p:sp>
+        <p:nvSpPr>
+          <p:cNvPr id="6" name="TextBox 5"/>
+          <p:cNvSpPr txBox="1"/>
+          <p:nvPr/>
+        </p:nvSpPr>
+        <p:spPr>
+          <a:xfrm>
+            <a:off x="845128" y="842240"/>
+            <a:ext cx="7924800" cy="892175"/>
+          </a:xfrm>
+          <a:prstGeom prst="rect">
+            <a:avLst/>
+          </a:prstGeom>
+          <a:noFill/>
+        </p:spPr>
+        <p:txBody>
+          <a:bodyPr>
+            <a:spAutoFit/>
+          </a:bodyPr>
+          <a:lstStyle/>
+          <a:p>
+            <a:pPr>
+              <a:defRPr/>
+            </a:pPr>
+            <a:r>
+              <a:rPr lang="en-US" sz="2400" dirty="0"/>
+              <a:t>Candidate Generation: </a:t>
+            </a:r>
+            <a:r>
+              <a:rPr lang="en-US" sz="2400" kern="0" dirty="0"/>
+              <a:t>Merge Fk-1 and F1 </a:t>
+            </a:r>
+            <a:r>
+              <a:rPr lang="en-US" sz="2400" kern="0" dirty="0" err="1"/>
+              <a:t>itemsets</a:t>
+            </a:r>
+            <a:endParaRPr lang="en-US" sz="2800" kern="0" dirty="0"/>
+          </a:p>
+          <a:p>
+            <a:pPr>
+              <a:defRPr/>
+            </a:pPr>
+            <a:endParaRPr lang="en-US" sz="2800" dirty="0"/>
+          </a:p>
+        </p:txBody>
+      </p:sp>
+      <p:pic>
+        <p:nvPicPr>
+          <p:cNvPr id="2" name="Picture 1"/>
+          <p:cNvPicPr>
+            <a:picLocks noChangeAspect="1"/>
+          </p:cNvPicPr>
+          <p:nvPr/>
+        </p:nvPicPr>
+        <p:blipFill>
+          <a:blip r:embed="rId2"/>
+          <a:stretch>
+            <a:fillRect/>
+          </a:stretch>
+        </p:blipFill>
+        <p:spPr>
+          <a:xfrm>
+            <a:off x="1607898" y="1911173"/>
+            <a:ext cx="8436677" cy="4800600"/>
+          </a:xfrm>
+          <a:prstGeom prst="rect">
+            <a:avLst/>
+          </a:prstGeom>
+        </p:spPr>
+      </p:pic>
+    </p:spTree>
+    <p:extLst>
+      <p:ext uri="{BB962C8B-B14F-4D97-AF65-F5344CB8AC3E}">
+        <p14:creationId xmlns:p14="http://schemas.microsoft.com/office/powerpoint/2010/main" val="729170704"/>
+      </p:ext>
+    </p:extLst>
+  </p:cSld>
+  <p:clrMapOvr>
+    <a:masterClrMapping/>
+  </p:clrMapOvr>
+</p:sld>
+</file>
+
+<file path=ppt/slides/slide2.xml><?xml version="1.0" encoding="utf-8"?>
+<p:sld xmlns:a="http://schemas.openxmlformats.org/drawingml/2006/main" xmlns:r="http://schemas.openxmlformats.org/officeDocument/2006/relationships" xmlns:p="http://schemas.openxmlformats.org/presentationml/2006/main">
+  <p:cSld>
+    <p:spTree>
+      <p:nvGrpSpPr>
+        <p:cNvPr id="1" name=""/>
+        <p:cNvGrpSpPr/>
+        <p:nvPr/>
+      </p:nvGrpSpPr>
+      <p:grpSpPr>
+        <a:xfrm>
+          <a:off x="0" y="0"/>
+          <a:ext cx="0" cy="0"/>
+          <a:chOff x="0" y="0"/>
+          <a:chExt cx="0" cy="0"/>
+        </a:xfrm>
+      </p:grpSpPr>
+      <p:sp>
+        <p:nvSpPr>
+          <p:cNvPr id="5122" name="Rectangle 2"/>
+          <p:cNvSpPr>
+            <a:spLocks noGrp="1" noChangeArrowheads="1"/>
+          </p:cNvSpPr>
+          <p:nvPr>
+            <p:ph type="title"/>
+          </p:nvPr>
+        </p:nvSpPr>
+        <p:spPr/>
+        <p:txBody>
+          <a:bodyPr/>
+          <a:lstStyle/>
+          <a:p>
+            <a:r>
+              <a:rPr lang="en-US" altLang="en-US"/>
+              <a:t>Association Rule Mining</a:t>
+            </a:r>
+          </a:p>
+        </p:txBody>
+      </p:sp>
+      <p:sp>
+        <p:nvSpPr>
+          <p:cNvPr id="5123" name="Rectangle 3"/>
+          <p:cNvSpPr>
+            <a:spLocks noGrp="1" noChangeArrowheads="1"/>
+          </p:cNvSpPr>
+          <p:nvPr>
+            <p:ph type="body" idx="1"/>
+          </p:nvPr>
+        </p:nvSpPr>
+        <p:spPr>
+          <a:xfrm>
+            <a:off x="1069621" y="1955800"/>
+            <a:ext cx="10343445" cy="1143000"/>
+          </a:xfrm>
+        </p:spPr>
+        <p:txBody>
+          <a:bodyPr/>
+          <a:lstStyle/>
+          <a:p>
+            <a:pPr>
+              <a:lnSpc>
+                <a:spcPct val="90000"/>
+              </a:lnSpc>
+            </a:pPr>
+            <a:r>
+              <a:rPr lang="en-US" altLang="en-US" sz="2400" dirty="0"/>
+              <a:t>Given a set of transactions, find rules that will predict the occurrence of an item based on the occurrences of other items</a:t>
+            </a:r>
+          </a:p>
+        </p:txBody>
+      </p:sp>
+      <p:sp>
+        <p:nvSpPr>
+          <p:cNvPr id="5124" name="Text Box 4"/>
+          <p:cNvSpPr txBox="1">
+            <a:spLocks noChangeArrowheads="1"/>
+          </p:cNvSpPr>
+          <p:nvPr/>
+        </p:nvSpPr>
+        <p:spPr bwMode="auto">
+          <a:xfrm>
+            <a:off x="797278" y="3098800"/>
+            <a:ext cx="4191000" cy="396875"/>
+          </a:xfrm>
+          <a:prstGeom prst="rect">
+            <a:avLst/>
+          </a:prstGeom>
+          <a:noFill/>
+          <a:ln>
+            <a:noFill/>
+          </a:ln>
+          <a:extLst>
+            <a:ext uri="{909E8E84-426E-40DD-AFC4-6F175D3DCCD1}">
+              <a14:hiddenFill xmlns:a14="http://schemas.microsoft.com/office/drawing/2010/main">
+                <a:solidFill>
+                  <a:srgbClr val="FFFFFF"/>
+                </a:solidFill>
+              </a14:hiddenFill>
+            </a:ext>
+            <a:ext uri="{91240B29-F687-4F45-9708-019B960494DF}">
+              <a14:hiddenLine xmlns:a14="http://schemas.microsoft.com/office/drawing/2010/main" w="12700">
+                <a:solidFill>
+                  <a:srgbClr val="000000"/>
+                </a:solidFill>
+                <a:miter lim="800000"/>
+                <a:headEnd/>
+                <a:tailEnd/>
+              </a14:hiddenLine>
+            </a:ext>
+          </a:extLst>
+        </p:spPr>
+        <p:txBody>
+          <a:bodyPr>
+            <a:spAutoFit/>
+          </a:bodyPr>
+          <a:lstStyle>
+            <a:lvl1pPr>
+              <a:spcBef>
+                <a:spcPct val="10000"/>
+              </a:spcBef>
+              <a:spcAft>
+                <a:spcPts val="400"/>
+              </a:spcAft>
+              <a:buClr>
+                <a:srgbClr val="0C7B9C"/>
+              </a:buClr>
+              <a:buSzPct val="75000"/>
+              <a:buFont typeface="Monotype Sorts" pitchFamily="2" charset="2"/>
+              <a:buChar char="l"/>
+              <a:defRPr sz="2800">
+                <a:solidFill>
+                  <a:schemeClr val="tx1"/>
+                </a:solidFill>
+                <a:latin typeface="Arial" charset="0"/>
+              </a:defRPr>
+            </a:lvl1pPr>
+            <a:lvl2pPr marL="742950" indent="-285750">
+              <a:spcBef>
+                <a:spcPct val="10000"/>
+              </a:spcBef>
+              <a:spcAft>
+                <a:spcPts val="400"/>
+              </a:spcAft>
+              <a:buClr>
+                <a:srgbClr val="0C7B9C"/>
+              </a:buClr>
+              <a:buSzPct val="100000"/>
+              <a:buFont typeface="Arial" charset="0"/>
+              <a:buChar char="–"/>
+              <a:defRPr sz="2400">
+                <a:solidFill>
+                  <a:schemeClr val="tx1"/>
+                </a:solidFill>
+                <a:latin typeface="Arial" charset="0"/>
+              </a:defRPr>
+            </a:lvl2pPr>
+            <a:lvl3pPr marL="1143000" indent="-228600">
+              <a:spcBef>
+                <a:spcPct val="10000"/>
+              </a:spcBef>
+              <a:spcAft>
+                <a:spcPts val="400"/>
+              </a:spcAft>
+              <a:buClr>
+                <a:srgbClr val="0C7B9C"/>
+              </a:buClr>
+              <a:buSzPct val="70000"/>
+              <a:buFont typeface="Wingdings" pitchFamily="2" charset="2"/>
+              <a:buChar char="u"/>
+              <a:defRPr sz="2000">
+                <a:solidFill>
+                  <a:schemeClr val="tx1"/>
+                </a:solidFill>
+                <a:latin typeface="Arial" charset="0"/>
+              </a:defRPr>
+            </a:lvl3pPr>
+            <a:lvl4pPr marL="1600200" indent="-228600">
+              <a:spcBef>
+                <a:spcPct val="20000"/>
+              </a:spcBef>
+              <a:buSzPct val="100000"/>
+              <a:buChar char="–"/>
+              <a:defRPr sz="2000">
+                <a:solidFill>
+                  <a:schemeClr val="tx1"/>
+                </a:solidFill>
+                <a:latin typeface="Times New Roman" pitchFamily="18" charset="0"/>
+              </a:defRPr>
+            </a:lvl4pPr>
+            <a:lvl5pPr marL="2057400" indent="-228600">
+              <a:spcBef>
+                <a:spcPct val="20000"/>
+              </a:spcBef>
+              <a:buSzPct val="100000"/>
+              <a:buChar char="•"/>
+              <a:defRPr sz="2000">
+                <a:solidFill>
+                  <a:schemeClr val="tx1"/>
+                </a:solidFill>
+                <a:latin typeface="Times New Roman" pitchFamily="18" charset="0"/>
+              </a:defRPr>
+            </a:lvl5pPr>
+            <a:lvl6pPr marL="2514600" indent="-228600" eaLnBrk="0" fontAlgn="base" hangingPunct="0">
+              <a:spcBef>
+                <a:spcPct val="20000"/>
+              </a:spcBef>
+              <a:spcAft>
+                <a:spcPct val="0"/>
+              </a:spcAft>
+              <a:buSzPct val="100000"/>
+              <a:buChar char="•"/>
+              <a:defRPr sz="2000">
+                <a:solidFill>
+                  <a:schemeClr val="tx1"/>
+                </a:solidFill>
+                <a:latin typeface="Times New Roman" pitchFamily="18" charset="0"/>
+              </a:defRPr>
+            </a:lvl6pPr>
+            <a:lvl7pPr marL="2971800" indent="-228600" eaLnBrk="0" fontAlgn="base" hangingPunct="0">
+              <a:spcBef>
+                <a:spcPct val="20000"/>
+              </a:spcBef>
+              <a:spcAft>
+                <a:spcPct val="0"/>
+              </a:spcAft>
+              <a:buSzPct val="100000"/>
+              <a:buChar char="•"/>
+              <a:defRPr sz="2000">
+                <a:solidFill>
+                  <a:schemeClr val="tx1"/>
+                </a:solidFill>
+                <a:latin typeface="Times New Roman" pitchFamily="18" charset="0"/>
+              </a:defRPr>
+            </a:lvl7pPr>
+            <a:lvl8pPr marL="3429000" indent="-228600" eaLnBrk="0" fontAlgn="base" hangingPunct="0">
+              <a:spcBef>
+                <a:spcPct val="20000"/>
+              </a:spcBef>
+              <a:spcAft>
+                <a:spcPct val="0"/>
+              </a:spcAft>
+              <a:buSzPct val="100000"/>
+              <a:buChar char="•"/>
+              <a:defRPr sz="2000">
+                <a:solidFill>
+                  <a:schemeClr val="tx1"/>
+                </a:solidFill>
+                <a:latin typeface="Times New Roman" pitchFamily="18" charset="0"/>
+              </a:defRPr>
+            </a:lvl8pPr>
+            <a:lvl9pPr marL="3886200" indent="-228600" eaLnBrk="0" fontAlgn="base" hangingPunct="0">
+              <a:spcBef>
+                <a:spcPct val="20000"/>
+              </a:spcBef>
+              <a:spcAft>
+                <a:spcPct val="0"/>
+              </a:spcAft>
+              <a:buSzPct val="100000"/>
+              <a:buChar char="•"/>
+              <a:defRPr sz="2000">
+                <a:solidFill>
+                  <a:schemeClr val="tx1"/>
+                </a:solidFill>
+                <a:latin typeface="Times New Roman" pitchFamily="18" charset="0"/>
+              </a:defRPr>
+            </a:lvl9pPr>
+          </a:lstStyle>
+          <a:p>
+            <a:pPr>
+              <a:spcBef>
+                <a:spcPct val="50000"/>
+              </a:spcBef>
+              <a:spcAft>
+                <a:spcPct val="0"/>
+              </a:spcAft>
+              <a:buClrTx/>
+              <a:buSzTx/>
+              <a:buFontTx/>
+              <a:buNone/>
+            </a:pPr>
+            <a:r>
+              <a:rPr lang="en-US" altLang="en-US" sz="2000" dirty="0">
+                <a:solidFill>
+                  <a:srgbClr val="0C6D9C"/>
+                </a:solidFill>
+              </a:rPr>
+              <a:t>Market transactions</a:t>
+            </a:r>
+          </a:p>
+        </p:txBody>
+      </p:sp>
+      <p:graphicFrame>
+        <p:nvGraphicFramePr>
+          <p:cNvPr id="5125" name="Object 5"/>
+          <p:cNvGraphicFramePr>
+            <a:graphicFrameLocks noChangeAspect="1"/>
+          </p:cNvGraphicFramePr>
+          <p:nvPr>
+            <p:extLst>
+              <p:ext uri="{D42A27DB-BD31-4B8C-83A1-F6EECF244321}">
+                <p14:modId xmlns:p14="http://schemas.microsoft.com/office/powerpoint/2010/main" val="3428138591"/>
+              </p:ext>
+            </p:extLst>
+          </p:nvPr>
+        </p:nvGraphicFramePr>
+        <p:xfrm>
+          <a:off x="721078" y="3708400"/>
+          <a:ext cx="4343400" cy="2532063"/>
+        </p:xfrm>
+        <a:graphic>
+          <a:graphicData uri="http://schemas.openxmlformats.org/presentationml/2006/ole">
+            <mc:AlternateContent xmlns:mc="http://schemas.openxmlformats.org/markup-compatibility/2006">
+              <mc:Choice xmlns:v="urn:schemas-microsoft-com:vml" Requires="v">
+                <p:oleObj name="Document" r:id="rId2" imgW="3433292" imgH="1998228" progId="Word.Document.8">
+                  <p:embed/>
+                </p:oleObj>
+              </mc:Choice>
+              <mc:Fallback>
+                <p:oleObj name="Document" r:id="rId2" imgW="3433292" imgH="1998228" progId="Word.Document.8">
+                  <p:embed/>
+                  <p:pic>
+                    <p:nvPicPr>
+                      <p:cNvPr id="5125" name="Object 5"/>
+                      <p:cNvPicPr>
+                        <a:picLocks noChangeAspect="1" noChangeArrowheads="1"/>
+                      </p:cNvPicPr>
+                      <p:nvPr/>
+                    </p:nvPicPr>
+                    <p:blipFill>
+                      <a:blip r:embed="rId3">
+                        <a:extLst>
+                          <a:ext uri="{28A0092B-C50C-407E-A947-70E740481C1C}">
+                            <a14:useLocalDpi xmlns:a14="http://schemas.microsoft.com/office/drawing/2010/main" val="0"/>
+                          </a:ext>
+                        </a:extLst>
+                      </a:blip>
+                      <a:srcRect/>
+                      <a:stretch>
+                        <a:fillRect/>
+                      </a:stretch>
+                    </p:blipFill>
+                    <p:spPr bwMode="auto">
+                      <a:xfrm>
+                        <a:off x="721078" y="3708400"/>
+                        <a:ext cx="4343400" cy="2532063"/>
+                      </a:xfrm>
+                      <a:prstGeom prst="rect">
+                        <a:avLst/>
+                      </a:prstGeom>
+                      <a:noFill/>
+                      <a:ln>
+                        <a:noFill/>
+                      </a:ln>
+                      <a:effectLst/>
+                      <a:extLst>
+                        <a:ext uri="{909E8E84-426E-40DD-AFC4-6F175D3DCCD1}">
+                          <a14:hiddenFill xmlns:a14="http://schemas.microsoft.com/office/drawing/2010/main">
+                            <a:solidFill>
+                              <a:srgbClr val="FFFFFF"/>
+                            </a:solidFill>
+                          </a14:hiddenFill>
+                        </a:ext>
+                        <a:ext uri="{91240B29-F687-4F45-9708-019B960494DF}">
+                          <a14:hiddenLine xmlns:a14="http://schemas.microsoft.com/office/drawing/2010/main" w="9525">
+                            <a:solidFill>
+                              <a:srgbClr val="000000"/>
+                            </a:solidFill>
+                            <a:miter lim="800000"/>
+                            <a:headEnd/>
+                            <a:tailEnd/>
+                          </a14:hiddenLine>
+                        </a:ext>
+                        <a:ext uri="{AF507438-7753-43E0-B8FC-AC1667EBCBE1}">
+                          <a14:hiddenEffects xmlns:a14="http://schemas.microsoft.com/office/drawing/2010/main">
+                            <a:effectLst>
+                              <a:outerShdw dist="35921" dir="2700000" algn="ctr" rotWithShape="0">
+                                <a:srgbClr val="808080"/>
+                              </a:outerShdw>
+                            </a:effectLst>
+                          </a14:hiddenEffects>
+                        </a:ext>
+                      </a:extLst>
+                    </p:spPr>
+                  </p:pic>
+                </p:oleObj>
+              </mc:Fallback>
+            </mc:AlternateContent>
+          </a:graphicData>
+        </a:graphic>
+      </p:graphicFrame>
+      <p:sp>
+        <p:nvSpPr>
+          <p:cNvPr id="5126" name="Text Box 6"/>
+          <p:cNvSpPr txBox="1">
+            <a:spLocks noChangeArrowheads="1"/>
+          </p:cNvSpPr>
+          <p:nvPr/>
+        </p:nvSpPr>
+        <p:spPr bwMode="auto">
+          <a:xfrm>
+            <a:off x="5638800" y="3708400"/>
+            <a:ext cx="3810000" cy="396875"/>
+          </a:xfrm>
+          <a:prstGeom prst="rect">
+            <a:avLst/>
+          </a:prstGeom>
+          <a:noFill/>
+          <a:ln>
+            <a:noFill/>
+          </a:ln>
+          <a:extLst>
+            <a:ext uri="{909E8E84-426E-40DD-AFC4-6F175D3DCCD1}">
+              <a14:hiddenFill xmlns:a14="http://schemas.microsoft.com/office/drawing/2010/main">
+                <a:solidFill>
+                  <a:srgbClr val="FFFFFF"/>
+                </a:solidFill>
+              </a14:hiddenFill>
+            </a:ext>
+            <a:ext uri="{91240B29-F687-4F45-9708-019B960494DF}">
+              <a14:hiddenLine xmlns:a14="http://schemas.microsoft.com/office/drawing/2010/main" w="12700">
+                <a:solidFill>
+                  <a:srgbClr val="000000"/>
+                </a:solidFill>
+                <a:miter lim="800000"/>
+                <a:headEnd/>
+                <a:tailEnd/>
+              </a14:hiddenLine>
+            </a:ext>
+          </a:extLst>
+        </p:spPr>
+        <p:txBody>
+          <a:bodyPr>
+            <a:spAutoFit/>
+          </a:bodyPr>
+          <a:lstStyle>
+            <a:lvl1pPr>
+              <a:spcBef>
+                <a:spcPct val="10000"/>
+              </a:spcBef>
+              <a:spcAft>
+                <a:spcPts val="400"/>
+              </a:spcAft>
+              <a:buClr>
+                <a:srgbClr val="0C7B9C"/>
+              </a:buClr>
+              <a:buSzPct val="75000"/>
+              <a:buFont typeface="Monotype Sorts" pitchFamily="2" charset="2"/>
+              <a:buChar char="l"/>
+              <a:defRPr sz="2800">
+                <a:solidFill>
+                  <a:schemeClr val="tx1"/>
+                </a:solidFill>
+                <a:latin typeface="Arial" charset="0"/>
+              </a:defRPr>
+            </a:lvl1pPr>
+            <a:lvl2pPr marL="742950" indent="-285750">
+              <a:spcBef>
+                <a:spcPct val="10000"/>
+              </a:spcBef>
+              <a:spcAft>
+                <a:spcPts val="400"/>
+              </a:spcAft>
+              <a:buClr>
+                <a:srgbClr val="0C7B9C"/>
+              </a:buClr>
+              <a:buSzPct val="100000"/>
+              <a:buFont typeface="Arial" charset="0"/>
+              <a:buChar char="–"/>
+              <a:defRPr sz="2400">
+                <a:solidFill>
+                  <a:schemeClr val="tx1"/>
+                </a:solidFill>
+                <a:latin typeface="Arial" charset="0"/>
+              </a:defRPr>
+            </a:lvl2pPr>
+            <a:lvl3pPr marL="1143000" indent="-228600">
+              <a:spcBef>
+                <a:spcPct val="10000"/>
+              </a:spcBef>
+              <a:spcAft>
+                <a:spcPts val="400"/>
+              </a:spcAft>
+              <a:buClr>
+                <a:srgbClr val="0C7B9C"/>
+              </a:buClr>
+              <a:buSzPct val="70000"/>
+              <a:buFont typeface="Wingdings" pitchFamily="2" charset="2"/>
+              <a:buChar char="u"/>
+              <a:defRPr sz="2000">
+                <a:solidFill>
+                  <a:schemeClr val="tx1"/>
+                </a:solidFill>
+                <a:latin typeface="Arial" charset="0"/>
+              </a:defRPr>
+            </a:lvl3pPr>
+            <a:lvl4pPr marL="1600200" indent="-228600">
+              <a:spcBef>
+                <a:spcPct val="20000"/>
+              </a:spcBef>
+              <a:buSzPct val="100000"/>
+              <a:buChar char="–"/>
+              <a:defRPr sz="2000">
+                <a:solidFill>
+                  <a:schemeClr val="tx1"/>
+                </a:solidFill>
+                <a:latin typeface="Times New Roman" pitchFamily="18" charset="0"/>
+              </a:defRPr>
+            </a:lvl4pPr>
+            <a:lvl5pPr marL="2057400" indent="-228600">
+              <a:spcBef>
+                <a:spcPct val="20000"/>
+              </a:spcBef>
+              <a:buSzPct val="100000"/>
+              <a:buChar char="•"/>
+              <a:defRPr sz="2000">
+                <a:solidFill>
+                  <a:schemeClr val="tx1"/>
+                </a:solidFill>
+                <a:latin typeface="Times New Roman" pitchFamily="18" charset="0"/>
+              </a:defRPr>
+            </a:lvl5pPr>
+            <a:lvl6pPr marL="2514600" indent="-228600" eaLnBrk="0" fontAlgn="base" hangingPunct="0">
+              <a:spcBef>
+                <a:spcPct val="20000"/>
+              </a:spcBef>
+              <a:spcAft>
+                <a:spcPct val="0"/>
+              </a:spcAft>
+              <a:buSzPct val="100000"/>
+              <a:buChar char="•"/>
+              <a:defRPr sz="2000">
+                <a:solidFill>
+                  <a:schemeClr val="tx1"/>
+                </a:solidFill>
+                <a:latin typeface="Times New Roman" pitchFamily="18" charset="0"/>
+              </a:defRPr>
+            </a:lvl6pPr>
+            <a:lvl7pPr marL="2971800" indent="-228600" eaLnBrk="0" fontAlgn="base" hangingPunct="0">
+              <a:spcBef>
+                <a:spcPct val="20000"/>
+              </a:spcBef>
+              <a:spcAft>
+                <a:spcPct val="0"/>
+              </a:spcAft>
+              <a:buSzPct val="100000"/>
+              <a:buChar char="•"/>
+              <a:defRPr sz="2000">
+                <a:solidFill>
+                  <a:schemeClr val="tx1"/>
+                </a:solidFill>
+                <a:latin typeface="Times New Roman" pitchFamily="18" charset="0"/>
+              </a:defRPr>
+            </a:lvl7pPr>
+            <a:lvl8pPr marL="3429000" indent="-228600" eaLnBrk="0" fontAlgn="base" hangingPunct="0">
+              <a:spcBef>
+                <a:spcPct val="20000"/>
+              </a:spcBef>
+              <a:spcAft>
+                <a:spcPct val="0"/>
+              </a:spcAft>
+              <a:buSzPct val="100000"/>
+              <a:buChar char="•"/>
+              <a:defRPr sz="2000">
+                <a:solidFill>
+                  <a:schemeClr val="tx1"/>
+                </a:solidFill>
+                <a:latin typeface="Times New Roman" pitchFamily="18" charset="0"/>
+              </a:defRPr>
+            </a:lvl8pPr>
+            <a:lvl9pPr marL="3886200" indent="-228600" eaLnBrk="0" fontAlgn="base" hangingPunct="0">
+              <a:spcBef>
+                <a:spcPct val="20000"/>
+              </a:spcBef>
+              <a:spcAft>
+                <a:spcPct val="0"/>
+              </a:spcAft>
+              <a:buSzPct val="100000"/>
+              <a:buChar char="•"/>
+              <a:defRPr sz="2000">
+                <a:solidFill>
+                  <a:schemeClr val="tx1"/>
+                </a:solidFill>
+                <a:latin typeface="Times New Roman" pitchFamily="18" charset="0"/>
+              </a:defRPr>
+            </a:lvl9pPr>
+          </a:lstStyle>
+          <a:p>
+            <a:pPr>
+              <a:spcBef>
+                <a:spcPct val="50000"/>
+              </a:spcBef>
+              <a:spcAft>
+                <a:spcPct val="0"/>
+              </a:spcAft>
+              <a:buClrTx/>
+              <a:buSzTx/>
+              <a:buFontTx/>
+              <a:buNone/>
+            </a:pPr>
+            <a:r>
+              <a:rPr lang="en-US" altLang="en-US" sz="2000" dirty="0"/>
+              <a:t>Example of Association Rules</a:t>
+            </a:r>
+          </a:p>
+        </p:txBody>
+      </p:sp>
+      <p:sp>
+        <p:nvSpPr>
+          <p:cNvPr id="5127" name="Text Box 7"/>
+          <p:cNvSpPr txBox="1">
+            <a:spLocks noChangeArrowheads="1"/>
+          </p:cNvSpPr>
+          <p:nvPr/>
+        </p:nvSpPr>
+        <p:spPr bwMode="auto">
+          <a:xfrm>
+            <a:off x="6095999" y="4317999"/>
+            <a:ext cx="4944533" cy="646331"/>
+          </a:xfrm>
+          <a:prstGeom prst="rect">
+            <a:avLst/>
+          </a:prstGeom>
+          <a:noFill/>
+          <a:ln>
+            <a:noFill/>
+          </a:ln>
+          <a:extLst>
+            <a:ext uri="{909E8E84-426E-40DD-AFC4-6F175D3DCCD1}">
+              <a14:hiddenFill xmlns:a14="http://schemas.microsoft.com/office/drawing/2010/main">
+                <a:solidFill>
+                  <a:srgbClr val="FFFFFF"/>
+                </a:solidFill>
+              </a14:hiddenFill>
+            </a:ext>
+            <a:ext uri="{91240B29-F687-4F45-9708-019B960494DF}">
+              <a14:hiddenLine xmlns:a14="http://schemas.microsoft.com/office/drawing/2010/main" w="12700">
+                <a:solidFill>
+                  <a:srgbClr val="000000"/>
+                </a:solidFill>
+                <a:miter lim="800000"/>
+                <a:headEnd/>
+                <a:tailEnd/>
+              </a14:hiddenLine>
+            </a:ext>
+          </a:extLst>
+        </p:spPr>
+        <p:txBody>
+          <a:bodyPr wrap="square">
+            <a:spAutoFit/>
+          </a:bodyPr>
+          <a:lstStyle>
+            <a:lvl1pPr>
+              <a:spcBef>
+                <a:spcPct val="10000"/>
+              </a:spcBef>
+              <a:spcAft>
+                <a:spcPts val="400"/>
+              </a:spcAft>
+              <a:buClr>
+                <a:srgbClr val="0C7B9C"/>
+              </a:buClr>
+              <a:buSzPct val="75000"/>
+              <a:buFont typeface="Monotype Sorts" pitchFamily="2" charset="2"/>
+              <a:buChar char="l"/>
+              <a:defRPr sz="2800">
+                <a:solidFill>
+                  <a:schemeClr val="tx1"/>
+                </a:solidFill>
+                <a:latin typeface="Arial" charset="0"/>
+              </a:defRPr>
+            </a:lvl1pPr>
+            <a:lvl2pPr marL="742950" indent="-285750">
+              <a:spcBef>
+                <a:spcPct val="10000"/>
+              </a:spcBef>
+              <a:spcAft>
+                <a:spcPts val="400"/>
+              </a:spcAft>
+              <a:buClr>
+                <a:srgbClr val="0C7B9C"/>
+              </a:buClr>
+              <a:buSzPct val="100000"/>
+              <a:buFont typeface="Arial" charset="0"/>
+              <a:buChar char="–"/>
+              <a:defRPr sz="2400">
+                <a:solidFill>
+                  <a:schemeClr val="tx1"/>
+                </a:solidFill>
+                <a:latin typeface="Arial" charset="0"/>
+              </a:defRPr>
+            </a:lvl2pPr>
+            <a:lvl3pPr marL="1143000" indent="-228600">
+              <a:spcBef>
+                <a:spcPct val="10000"/>
+              </a:spcBef>
+              <a:spcAft>
+                <a:spcPts val="400"/>
+              </a:spcAft>
+              <a:buClr>
+                <a:srgbClr val="0C7B9C"/>
+              </a:buClr>
+              <a:buSzPct val="70000"/>
+              <a:buFont typeface="Wingdings" pitchFamily="2" charset="2"/>
+              <a:buChar char="u"/>
+              <a:defRPr sz="2000">
+                <a:solidFill>
+                  <a:schemeClr val="tx1"/>
+                </a:solidFill>
+                <a:latin typeface="Arial" charset="0"/>
+              </a:defRPr>
+            </a:lvl3pPr>
+            <a:lvl4pPr marL="1600200" indent="-228600">
+              <a:spcBef>
+                <a:spcPct val="20000"/>
+              </a:spcBef>
+              <a:buSzPct val="100000"/>
+              <a:buChar char="–"/>
+              <a:defRPr sz="2000">
+                <a:solidFill>
+                  <a:schemeClr val="tx1"/>
+                </a:solidFill>
+                <a:latin typeface="Times New Roman" pitchFamily="18" charset="0"/>
+              </a:defRPr>
+            </a:lvl4pPr>
+            <a:lvl5pPr marL="2057400" indent="-228600">
+              <a:spcBef>
+                <a:spcPct val="20000"/>
+              </a:spcBef>
+              <a:buSzPct val="100000"/>
+              <a:buChar char="•"/>
+              <a:defRPr sz="2000">
+                <a:solidFill>
+                  <a:schemeClr val="tx1"/>
+                </a:solidFill>
+                <a:latin typeface="Times New Roman" pitchFamily="18" charset="0"/>
+              </a:defRPr>
+            </a:lvl5pPr>
+            <a:lvl6pPr marL="2514600" indent="-228600" eaLnBrk="0" fontAlgn="base" hangingPunct="0">
+              <a:spcBef>
+                <a:spcPct val="20000"/>
+              </a:spcBef>
+              <a:spcAft>
+                <a:spcPct val="0"/>
+              </a:spcAft>
+              <a:buSzPct val="100000"/>
+              <a:buChar char="•"/>
+              <a:defRPr sz="2000">
+                <a:solidFill>
+                  <a:schemeClr val="tx1"/>
+                </a:solidFill>
+                <a:latin typeface="Times New Roman" pitchFamily="18" charset="0"/>
+              </a:defRPr>
+            </a:lvl6pPr>
+            <a:lvl7pPr marL="2971800" indent="-228600" eaLnBrk="0" fontAlgn="base" hangingPunct="0">
+              <a:spcBef>
+                <a:spcPct val="20000"/>
+              </a:spcBef>
+              <a:spcAft>
+                <a:spcPct val="0"/>
+              </a:spcAft>
+              <a:buSzPct val="100000"/>
+              <a:buChar char="•"/>
+              <a:defRPr sz="2000">
+                <a:solidFill>
+                  <a:schemeClr val="tx1"/>
+                </a:solidFill>
+                <a:latin typeface="Times New Roman" pitchFamily="18" charset="0"/>
+              </a:defRPr>
+            </a:lvl7pPr>
+            <a:lvl8pPr marL="3429000" indent="-228600" eaLnBrk="0" fontAlgn="base" hangingPunct="0">
+              <a:spcBef>
+                <a:spcPct val="20000"/>
+              </a:spcBef>
+              <a:spcAft>
+                <a:spcPct val="0"/>
+              </a:spcAft>
+              <a:buSzPct val="100000"/>
+              <a:buChar char="•"/>
+              <a:defRPr sz="2000">
+                <a:solidFill>
+                  <a:schemeClr val="tx1"/>
+                </a:solidFill>
+                <a:latin typeface="Times New Roman" pitchFamily="18" charset="0"/>
+              </a:defRPr>
+            </a:lvl8pPr>
+            <a:lvl9pPr marL="3886200" indent="-228600" eaLnBrk="0" fontAlgn="base" hangingPunct="0">
+              <a:spcBef>
+                <a:spcPct val="20000"/>
+              </a:spcBef>
+              <a:spcAft>
+                <a:spcPct val="0"/>
+              </a:spcAft>
+              <a:buSzPct val="100000"/>
+              <a:buChar char="•"/>
+              <a:defRPr sz="2000">
+                <a:solidFill>
+                  <a:schemeClr val="tx1"/>
+                </a:solidFill>
+                <a:latin typeface="Times New Roman" pitchFamily="18" charset="0"/>
+              </a:defRPr>
+            </a:lvl9pPr>
+          </a:lstStyle>
+          <a:p>
+            <a:pPr>
+              <a:spcBef>
+                <a:spcPct val="50000"/>
+              </a:spcBef>
+              <a:spcAft>
+                <a:spcPct val="0"/>
+              </a:spcAft>
+              <a:buClrTx/>
+              <a:buSzTx/>
+              <a:buFontTx/>
+              <a:buNone/>
+            </a:pPr>
+            <a:r>
+              <a:rPr lang="en-US" altLang="en-US" sz="1800" dirty="0"/>
+              <a:t>{Beer} </a:t>
+            </a:r>
+            <a:r>
+              <a:rPr lang="en-US" altLang="en-US" sz="1800" dirty="0">
+                <a:sym typeface="Symbol" pitchFamily="18" charset="2"/>
+              </a:rPr>
+              <a:t> {Eggs},</a:t>
+            </a:r>
+            <a:br>
+              <a:rPr lang="en-US" altLang="en-US" sz="1800" dirty="0">
+                <a:sym typeface="Symbol" pitchFamily="18" charset="2"/>
+              </a:rPr>
+            </a:br>
+            <a:r>
+              <a:rPr lang="en-US" altLang="en-US" sz="1800" dirty="0">
+                <a:sym typeface="Symbol" pitchFamily="18" charset="2"/>
+              </a:rPr>
+              <a:t>{Milk, Bread}  {Diaper, Beer},</a:t>
+            </a:r>
+          </a:p>
+        </p:txBody>
+      </p:sp>
+    </p:spTree>
+    <p:extLst>
+      <p:ext uri="{BB962C8B-B14F-4D97-AF65-F5344CB8AC3E}">
+        <p14:creationId xmlns:p14="http://schemas.microsoft.com/office/powerpoint/2010/main" val="3466195672"/>
+      </p:ext>
+    </p:extLst>
+  </p:cSld>
+  <p:clrMapOvr>
+    <a:masterClrMapping/>
+  </p:clrMapOvr>
+</p:sld>
+</file>
+
+<file path=ppt/slides/slide20.xml><?xml version="1.0" encoding="utf-8"?>
+<p:sld xmlns:a="http://schemas.openxmlformats.org/drawingml/2006/main" xmlns:r="http://schemas.openxmlformats.org/officeDocument/2006/relationships" xmlns:p="http://schemas.openxmlformats.org/presentationml/2006/main">
+  <p:cSld>
+    <p:spTree>
+      <p:nvGrpSpPr>
+        <p:cNvPr id="1" name=""/>
+        <p:cNvGrpSpPr/>
+        <p:nvPr/>
+      </p:nvGrpSpPr>
+      <p:grpSpPr>
+        <a:xfrm>
+          <a:off x="0" y="0"/>
+          <a:ext cx="0" cy="0"/>
+          <a:chOff x="0" y="0"/>
+          <a:chExt cx="0" cy="0"/>
+        </a:xfrm>
+      </p:grpSpPr>
+      <p:sp>
+        <p:nvSpPr>
+          <p:cNvPr id="26626" name="Rectangle 2"/>
+          <p:cNvSpPr>
+            <a:spLocks noGrp="1" noChangeArrowheads="1"/>
+          </p:cNvSpPr>
+          <p:nvPr>
+            <p:ph type="title"/>
+          </p:nvPr>
+        </p:nvSpPr>
+        <p:spPr/>
+        <p:txBody>
+          <a:bodyPr/>
+          <a:lstStyle/>
+          <a:p>
+            <a:r>
+              <a:rPr lang="en-US" altLang="en-US"/>
+              <a:t>Candidate Generation: F</a:t>
+            </a:r>
+            <a:r>
+              <a:rPr lang="en-US" altLang="en-US" baseline="-25000"/>
+              <a:t>k-1</a:t>
+            </a:r>
+            <a:r>
+              <a:rPr lang="en-US" altLang="en-US"/>
+              <a:t> </a:t>
+            </a:r>
+            <a:r>
+              <a:rPr lang="en-US" altLang="en-US" sz="2400"/>
+              <a:t>x</a:t>
+            </a:r>
+            <a:r>
+              <a:rPr lang="en-US" altLang="en-US"/>
+              <a:t> F</a:t>
+            </a:r>
+            <a:r>
+              <a:rPr lang="en-US" altLang="en-US" baseline="-25000"/>
+              <a:t>k-1</a:t>
+            </a:r>
+            <a:r>
+              <a:rPr lang="en-US" altLang="en-US"/>
+              <a:t> Method</a:t>
+            </a:r>
+            <a:endParaRPr lang="en-US" altLang="en-US" baseline="-25000"/>
+          </a:p>
+        </p:txBody>
+      </p:sp>
+      <p:sp>
+        <p:nvSpPr>
+          <p:cNvPr id="26627" name="Rectangle 3"/>
+          <p:cNvSpPr>
+            <a:spLocks noGrp="1" noChangeArrowheads="1"/>
+          </p:cNvSpPr>
+          <p:nvPr>
+            <p:ph type="body" idx="1"/>
+          </p:nvPr>
+        </p:nvSpPr>
+        <p:spPr/>
+        <p:txBody>
+          <a:bodyPr/>
+          <a:lstStyle/>
+          <a:p>
+            <a:r>
+              <a:rPr lang="en-US" altLang="en-US" sz="2400"/>
+              <a:t>Merge two frequent (k-1)-itemsets if their first (k-2) items are identical</a:t>
+            </a:r>
+          </a:p>
+          <a:p>
+            <a:pPr lvl="1">
+              <a:buFont typeface="Arial" charset="0"/>
+              <a:buNone/>
+            </a:pPr>
+            <a:endParaRPr lang="en-US" altLang="en-US"/>
+          </a:p>
+          <a:p>
+            <a:r>
+              <a:rPr lang="en-US" altLang="en-US"/>
+              <a:t>F</a:t>
+            </a:r>
+            <a:r>
+              <a:rPr lang="en-US" altLang="en-US" baseline="-25000"/>
+              <a:t>3</a:t>
+            </a:r>
+            <a:r>
+              <a:rPr lang="en-US" altLang="en-US"/>
+              <a:t> = {ABC,ABD,ABE,ACD,BCD,BDE,CDE}</a:t>
+            </a:r>
+          </a:p>
+          <a:p>
+            <a:pPr lvl="1"/>
+            <a:r>
+              <a:rPr lang="en-US" altLang="en-US"/>
+              <a:t>Merge(</a:t>
+            </a:r>
+            <a:r>
+              <a:rPr lang="en-US" altLang="en-US" b="1" u="sng"/>
+              <a:t>AB</a:t>
+            </a:r>
+            <a:r>
+              <a:rPr lang="en-US" altLang="en-US"/>
+              <a:t>C, </a:t>
+            </a:r>
+            <a:r>
+              <a:rPr lang="en-US" altLang="en-US" b="1" u="sng"/>
+              <a:t>AB</a:t>
+            </a:r>
+            <a:r>
+              <a:rPr lang="en-US" altLang="en-US"/>
+              <a:t>D) = </a:t>
+            </a:r>
+            <a:r>
+              <a:rPr lang="en-US" altLang="en-US" b="1" u="sng"/>
+              <a:t>AB</a:t>
+            </a:r>
+            <a:r>
+              <a:rPr lang="en-US" altLang="en-US"/>
+              <a:t>CD</a:t>
+            </a:r>
+          </a:p>
+          <a:p>
+            <a:pPr lvl="1"/>
+            <a:r>
+              <a:rPr lang="en-US" altLang="en-US"/>
+              <a:t>Merge(</a:t>
+            </a:r>
+            <a:r>
+              <a:rPr lang="en-US" altLang="en-US" b="1" u="sng"/>
+              <a:t>AB</a:t>
+            </a:r>
+            <a:r>
+              <a:rPr lang="en-US" altLang="en-US"/>
+              <a:t>C, </a:t>
+            </a:r>
+            <a:r>
+              <a:rPr lang="en-US" altLang="en-US" b="1" u="sng"/>
+              <a:t>AB</a:t>
+            </a:r>
+            <a:r>
+              <a:rPr lang="en-US" altLang="en-US"/>
+              <a:t>E) = </a:t>
+            </a:r>
+            <a:r>
+              <a:rPr lang="en-US" altLang="en-US" b="1" u="sng"/>
+              <a:t>AB</a:t>
+            </a:r>
+            <a:r>
+              <a:rPr lang="en-US" altLang="en-US"/>
+              <a:t>CE</a:t>
+            </a:r>
+          </a:p>
+          <a:p>
+            <a:pPr lvl="1"/>
+            <a:r>
+              <a:rPr lang="en-US" altLang="en-US"/>
+              <a:t>Merge(</a:t>
+            </a:r>
+            <a:r>
+              <a:rPr lang="en-US" altLang="en-US" b="1" u="sng"/>
+              <a:t>AB</a:t>
+            </a:r>
+            <a:r>
+              <a:rPr lang="en-US" altLang="en-US"/>
+              <a:t>D, </a:t>
+            </a:r>
+            <a:r>
+              <a:rPr lang="en-US" altLang="en-US" b="1" u="sng"/>
+              <a:t>AB</a:t>
+            </a:r>
+            <a:r>
+              <a:rPr lang="en-US" altLang="en-US"/>
+              <a:t>E) = </a:t>
+            </a:r>
+            <a:r>
+              <a:rPr lang="en-US" altLang="en-US" b="1" u="sng"/>
+              <a:t>AB</a:t>
+            </a:r>
+            <a:r>
+              <a:rPr lang="en-US" altLang="en-US"/>
+              <a:t>DE</a:t>
+            </a:r>
+          </a:p>
+          <a:p>
+            <a:pPr lvl="2">
+              <a:buFont typeface="Wingdings" pitchFamily="2" charset="2"/>
+              <a:buNone/>
+            </a:pPr>
+            <a:endParaRPr lang="en-US" altLang="en-US"/>
+          </a:p>
+          <a:p>
+            <a:pPr lvl="1"/>
+            <a:r>
+              <a:rPr lang="en-US" altLang="en-US"/>
+              <a:t>Do not merge(</a:t>
+            </a:r>
+            <a:r>
+              <a:rPr lang="en-US" altLang="en-US" b="1" u="sng"/>
+              <a:t>A</a:t>
+            </a:r>
+            <a:r>
+              <a:rPr lang="en-US" altLang="en-US"/>
+              <a:t>BD,</a:t>
+            </a:r>
+            <a:r>
+              <a:rPr lang="en-US" altLang="en-US" b="1" u="sng"/>
+              <a:t>A</a:t>
+            </a:r>
+            <a:r>
+              <a:rPr lang="en-US" altLang="en-US"/>
+              <a:t>CD) because they share only prefix of length 1 instead of length 2</a:t>
+            </a:r>
+          </a:p>
+        </p:txBody>
+      </p:sp>
+    </p:spTree>
+    <p:extLst>
+      <p:ext uri="{BB962C8B-B14F-4D97-AF65-F5344CB8AC3E}">
+        <p14:creationId xmlns:p14="http://schemas.microsoft.com/office/powerpoint/2010/main" val="4247714376"/>
+      </p:ext>
+    </p:extLst>
+  </p:cSld>
+  <p:clrMapOvr>
+    <a:masterClrMapping/>
+  </p:clrMapOvr>
+</p:sld>
+</file>
+
+<file path=ppt/slides/slide21.xml><?xml version="1.0" encoding="utf-8"?>
+<p:sld xmlns:a="http://schemas.openxmlformats.org/drawingml/2006/main" xmlns:r="http://schemas.openxmlformats.org/officeDocument/2006/relationships" xmlns:p="http://schemas.openxmlformats.org/presentationml/2006/main">
+  <p:cSld>
+    <p:spTree>
+      <p:nvGrpSpPr>
+        <p:cNvPr id="1" name=""/>
+        <p:cNvGrpSpPr/>
+        <p:nvPr/>
+      </p:nvGrpSpPr>
+      <p:grpSpPr>
+        <a:xfrm>
+          <a:off x="0" y="0"/>
+          <a:ext cx="0" cy="0"/>
+          <a:chOff x="0" y="0"/>
+          <a:chExt cx="0" cy="0"/>
+        </a:xfrm>
+      </p:grpSpPr>
+      <p:sp>
+        <p:nvSpPr>
+          <p:cNvPr id="27650" name="Rectangle 2"/>
+          <p:cNvSpPr>
+            <a:spLocks noGrp="1" noChangeArrowheads="1"/>
+          </p:cNvSpPr>
+          <p:nvPr>
+            <p:ph type="title"/>
+          </p:nvPr>
+        </p:nvSpPr>
+        <p:spPr/>
+        <p:txBody>
+          <a:bodyPr/>
+          <a:lstStyle/>
+          <a:p>
+            <a:r>
+              <a:rPr lang="en-US" altLang="en-US"/>
+              <a:t>Candidate Pruning</a:t>
+            </a:r>
+          </a:p>
+        </p:txBody>
+      </p:sp>
+      <p:sp>
+        <p:nvSpPr>
+          <p:cNvPr id="25603" name="Rectangle 3"/>
+          <p:cNvSpPr>
+            <a:spLocks noGrp="1" noChangeArrowheads="1"/>
+          </p:cNvSpPr>
+          <p:nvPr>
+            <p:ph type="body" idx="1"/>
+          </p:nvPr>
+        </p:nvSpPr>
+        <p:spPr/>
+        <p:txBody>
+          <a:bodyPr/>
+          <a:lstStyle/>
+          <a:p>
+            <a:r>
+              <a:rPr lang="en-US" altLang="en-US" dirty="0"/>
+              <a:t>Let F</a:t>
+            </a:r>
+            <a:r>
+              <a:rPr lang="en-US" altLang="en-US" baseline="-25000" dirty="0"/>
+              <a:t>3</a:t>
+            </a:r>
+            <a:r>
+              <a:rPr lang="en-US" altLang="en-US" dirty="0"/>
+              <a:t> = {ABC,ABD,ABE,ACD,BCD,BDE,CDE} be the set of frequent 3-itemsets</a:t>
+            </a:r>
+          </a:p>
+          <a:p>
+            <a:pPr lvl="2"/>
+            <a:endParaRPr lang="en-US" altLang="en-US" dirty="0"/>
+          </a:p>
+          <a:p>
+            <a:r>
+              <a:rPr lang="en-US" altLang="en-US" dirty="0"/>
+              <a:t>L</a:t>
+            </a:r>
+            <a:r>
+              <a:rPr lang="en-US" altLang="en-US" baseline="-25000" dirty="0"/>
+              <a:t>4</a:t>
+            </a:r>
+            <a:r>
+              <a:rPr lang="en-US" altLang="en-US" dirty="0"/>
+              <a:t> = {ABCD,ABCE,ABDE} is the set of candidate 4-itemsets generated (from previous slide)</a:t>
+            </a:r>
+          </a:p>
+          <a:p>
+            <a:pPr lvl="2"/>
+            <a:endParaRPr lang="en-US" altLang="en-US" dirty="0"/>
+          </a:p>
+          <a:p>
+            <a:r>
+              <a:rPr lang="en-US" altLang="en-US" dirty="0"/>
+              <a:t>Candidate pruning</a:t>
+            </a:r>
+          </a:p>
+          <a:p>
+            <a:pPr lvl="1"/>
+            <a:r>
+              <a:rPr lang="en-US" altLang="en-US" sz="2000" dirty="0"/>
+              <a:t>Prune ABCE because ACE and BCE are infrequent</a:t>
+            </a:r>
+          </a:p>
+          <a:p>
+            <a:pPr lvl="1"/>
+            <a:r>
+              <a:rPr lang="en-US" altLang="en-US" sz="2000" dirty="0"/>
+              <a:t>Prune ABDE because ADE is infrequent</a:t>
+            </a:r>
+          </a:p>
+          <a:p>
+            <a:pPr lvl="1"/>
+            <a:endParaRPr lang="en-US" altLang="en-US" dirty="0"/>
+          </a:p>
+          <a:p>
+            <a:r>
+              <a:rPr lang="en-US" altLang="en-US" dirty="0"/>
+              <a:t>After candidate pruning: L</a:t>
+            </a:r>
+            <a:r>
+              <a:rPr lang="en-US" altLang="en-US" baseline="-25000" dirty="0"/>
+              <a:t>4</a:t>
+            </a:r>
+            <a:r>
+              <a:rPr lang="en-US" altLang="en-US" dirty="0"/>
+              <a:t> = {ABCD} </a:t>
+            </a:r>
+          </a:p>
+        </p:txBody>
+      </p:sp>
+    </p:spTree>
+    <p:extLst>
+      <p:ext uri="{BB962C8B-B14F-4D97-AF65-F5344CB8AC3E}">
+        <p14:creationId xmlns:p14="http://schemas.microsoft.com/office/powerpoint/2010/main" val="833208471"/>
+      </p:ext>
+    </p:extLst>
+  </p:cSld>
+  <p:clrMapOvr>
+    <a:masterClrMapping/>
+  </p:clrMapOvr>
+  <p:timing>
+    <p:tnLst>
+      <p:par>
+        <p:cTn id="1" dur="indefinite" restart="never" nodeType="tmRoot">
+          <p:childTnLst>
+            <p:seq concurrent="1" nextAc="seek">
+              <p:cTn id="2" dur="indefinite" nodeType="mainSeq">
+                <p:childTnLst>
+                  <p:par>
+                    <p:cTn id="3" fill="hold" nodeType="clickPar">
+                      <p:stCondLst>
+                        <p:cond delay="indefinite"/>
+                      </p:stCondLst>
+                      <p:childTnLst>
+                        <p:par>
+                          <p:cTn id="4" fill="hold" nodeType="withGroup">
+                            <p:stCondLst>
+                              <p:cond delay="0"/>
+                            </p:stCondLst>
+                            <p:childTnLst>
+                              <p:par>
+                                <p:cTn id="5" presetID="1" presetClass="entr" presetSubtype="0" fill="hold" nodeType="clickEffect">
+                                  <p:stCondLst>
+                                    <p:cond delay="0"/>
+                                  </p:stCondLst>
+                                  <p:childTnLst>
+                                    <p:set>
+                                      <p:cBhvr>
+                                        <p:cTn id="6" dur="1" fill="hold">
+                                          <p:stCondLst>
+                                            <p:cond delay="0"/>
+                                          </p:stCondLst>
+                                        </p:cTn>
+                                        <p:tgtEl>
+                                          <p:spTgt spid="25603">
+                                            <p:txEl>
+                                              <p:pRg st="5" end="5"/>
+                                            </p:txEl>
+                                          </p:spTgt>
+                                        </p:tgtEl>
+                                        <p:attrNameLst>
+                                          <p:attrName>style.visibility</p:attrName>
+                                        </p:attrNameLst>
+                                      </p:cBhvr>
+                                      <p:to>
+                                        <p:strVal val="visible"/>
+                                      </p:to>
+                                    </p:set>
+                                  </p:childTnLst>
+                                </p:cTn>
+                              </p:par>
+                              <p:par>
+                                <p:cTn id="7" presetID="1" presetClass="entr" presetSubtype="0" fill="hold" nodeType="withEffect">
+                                  <p:stCondLst>
+                                    <p:cond delay="0"/>
+                                  </p:stCondLst>
+                                  <p:childTnLst>
+                                    <p:set>
+                                      <p:cBhvr>
+                                        <p:cTn id="8" dur="1" fill="hold">
+                                          <p:stCondLst>
+                                            <p:cond delay="0"/>
+                                          </p:stCondLst>
+                                        </p:cTn>
+                                        <p:tgtEl>
+                                          <p:spTgt spid="25603">
+                                            <p:txEl>
+                                              <p:pRg st="6" end="6"/>
+                                            </p:txEl>
+                                          </p:spTgt>
+                                        </p:tgtEl>
+                                        <p:attrNameLst>
+                                          <p:attrName>style.visibility</p:attrName>
+                                        </p:attrNameLst>
+                                      </p:cBhvr>
+                                      <p:to>
+                                        <p:strVal val="visible"/>
+                                      </p:to>
+                                    </p:set>
+                                  </p:childTnLst>
+                                </p:cTn>
+                              </p:par>
+                              <p:par>
+                                <p:cTn id="9" presetID="1" presetClass="entr" presetSubtype="0" fill="hold" nodeType="withEffect">
+                                  <p:stCondLst>
+                                    <p:cond delay="0"/>
+                                  </p:stCondLst>
+                                  <p:childTnLst>
+                                    <p:set>
+                                      <p:cBhvr>
+                                        <p:cTn id="10" dur="1" fill="hold">
+                                          <p:stCondLst>
+                                            <p:cond delay="0"/>
+                                          </p:stCondLst>
+                                        </p:cTn>
+                                        <p:tgtEl>
+                                          <p:spTgt spid="25603">
+                                            <p:txEl>
+                                              <p:pRg st="8" end="8"/>
+                                            </p:txEl>
+                                          </p:spTgt>
+                                        </p:tgtEl>
+                                        <p:attrNameLst>
+                                          <p:attrName>style.visibility</p:attrName>
+                                        </p:attrNameLst>
+                                      </p:cBhvr>
+                                      <p:to>
+                                        <p:strVal val="visible"/>
+                                      </p:to>
+                                    </p:set>
+                                  </p:childTnLst>
+                                </p:cTn>
+                              </p:par>
+                            </p:childTnLst>
+                          </p:cTn>
+                        </p:par>
+                      </p:childTnLst>
+                    </p:cTn>
+                  </p:par>
+                </p:childTnLst>
+              </p:cTn>
+              <p:prevCondLst>
+                <p:cond evt="onPrev" delay="0">
+                  <p:tgtEl>
+                    <p:sldTgt/>
+                  </p:tgtEl>
+                </p:cond>
+              </p:prevCondLst>
+              <p:nextCondLst>
+                <p:cond evt="onNext" delay="0">
+                  <p:tgtEl>
+                    <p:sldTgt/>
+                  </p:tgtEl>
+                </p:cond>
+              </p:nextCondLst>
+            </p:seq>
+          </p:childTnLst>
+        </p:cTn>
+      </p:par>
+    </p:tnLst>
+  </p:timing>
+</p:sld>
+</file>
+
+<file path=ppt/slides/slide22.xml><?xml version="1.0" encoding="utf-8"?>
 <p:sld xmlns:a="http://schemas.openxmlformats.org/drawingml/2006/main" xmlns:r="http://schemas.openxmlformats.org/officeDocument/2006/relationships" xmlns:p="http://schemas.openxmlformats.org/presentationml/2006/main">
   <p:cSld>
     <p:spTree>
@@ -7131,2262 +9667,7 @@
 </p:sld>
 </file>
 
-<file path=ppt/slides/slide15.xml><?xml version="1.0" encoding="utf-8"?>
-<p:sld xmlns:a="http://schemas.openxmlformats.org/drawingml/2006/main" xmlns:r="http://schemas.openxmlformats.org/officeDocument/2006/relationships" xmlns:p="http://schemas.openxmlformats.org/presentationml/2006/main">
-  <p:cSld>
-    <p:spTree>
-      <p:nvGrpSpPr>
-        <p:cNvPr id="1" name=""/>
-        <p:cNvGrpSpPr/>
-        <p:nvPr/>
-      </p:nvGrpSpPr>
-      <p:grpSpPr>
-        <a:xfrm>
-          <a:off x="0" y="0"/>
-          <a:ext cx="0" cy="0"/>
-          <a:chOff x="0" y="0"/>
-          <a:chExt cx="0" cy="0"/>
-        </a:xfrm>
-      </p:grpSpPr>
-      <p:sp>
-        <p:nvSpPr>
-          <p:cNvPr id="2" name="Title 1">
-            <a:extLst>
-              <a:ext uri="{FF2B5EF4-FFF2-40B4-BE49-F238E27FC236}">
-                <a16:creationId xmlns:a16="http://schemas.microsoft.com/office/drawing/2014/main" id="{341E344D-9A14-5D45-9418-9E8318785AC8}"/>
-              </a:ext>
-            </a:extLst>
-          </p:cNvPr>
-          <p:cNvSpPr>
-            <a:spLocks noGrp="1"/>
-          </p:cNvSpPr>
-          <p:nvPr>
-            <p:ph type="title"/>
-          </p:nvPr>
-        </p:nvSpPr>
-        <p:spPr/>
-        <p:txBody>
-          <a:bodyPr/>
-          <a:lstStyle/>
-          <a:p>
-            <a:r>
-              <a:rPr lang="en-US" altLang="en-US" dirty="0" err="1"/>
-              <a:t>Apriori</a:t>
-            </a:r>
-            <a:r>
-              <a:rPr lang="en-US" altLang="en-US" dirty="0"/>
-              <a:t> Principle Example</a:t>
-            </a:r>
-            <a:endParaRPr lang="en-US" dirty="0"/>
-          </a:p>
-        </p:txBody>
-      </p:sp>
-      <p:pic>
-        <p:nvPicPr>
-          <p:cNvPr id="6" name="Picture 5" descr="Table&#10;&#10;Description automatically generated">
-            <a:extLst>
-              <a:ext uri="{FF2B5EF4-FFF2-40B4-BE49-F238E27FC236}">
-                <a16:creationId xmlns:a16="http://schemas.microsoft.com/office/drawing/2014/main" id="{3A0E7751-DFA2-9649-851C-6E20C9624273}"/>
-              </a:ext>
-            </a:extLst>
-          </p:cNvPr>
-          <p:cNvPicPr>
-            <a:picLocks noChangeAspect="1"/>
-          </p:cNvPicPr>
-          <p:nvPr/>
-        </p:nvPicPr>
-        <p:blipFill rotWithShape="1">
-          <a:blip r:embed="rId2"/>
-          <a:srcRect r="7544"/>
-          <a:stretch/>
-        </p:blipFill>
-        <p:spPr>
-          <a:xfrm>
-            <a:off x="204611" y="2183802"/>
-            <a:ext cx="3323168" cy="4188179"/>
-          </a:xfrm>
-          <a:prstGeom prst="rect">
-            <a:avLst/>
-          </a:prstGeom>
-        </p:spPr>
-      </p:pic>
-      <p:pic>
-        <p:nvPicPr>
-          <p:cNvPr id="7" name="Picture 6" descr="A picture containing treemap chart&#10;&#10;Description automatically generated">
-            <a:extLst>
-              <a:ext uri="{FF2B5EF4-FFF2-40B4-BE49-F238E27FC236}">
-                <a16:creationId xmlns:a16="http://schemas.microsoft.com/office/drawing/2014/main" id="{38032794-8A39-6B49-8BBC-871ABCD24B1E}"/>
-              </a:ext>
-            </a:extLst>
-          </p:cNvPr>
-          <p:cNvPicPr>
-            <a:picLocks noChangeAspect="1"/>
-          </p:cNvPicPr>
-          <p:nvPr/>
-        </p:nvPicPr>
-        <p:blipFill rotWithShape="1">
-          <a:blip r:embed="rId3"/>
-          <a:srcRect l="31487" t="18640"/>
-          <a:stretch/>
-        </p:blipFill>
-        <p:spPr>
-          <a:xfrm>
-            <a:off x="3817864" y="2539591"/>
-            <a:ext cx="3449442" cy="2060118"/>
-          </a:xfrm>
-          <a:prstGeom prst="rect">
-            <a:avLst/>
-          </a:prstGeom>
-        </p:spPr>
-      </p:pic>
-    </p:spTree>
-    <p:extLst>
-      <p:ext uri="{BB962C8B-B14F-4D97-AF65-F5344CB8AC3E}">
-        <p14:creationId xmlns:p14="http://schemas.microsoft.com/office/powerpoint/2010/main" val="1461313537"/>
-      </p:ext>
-    </p:extLst>
-  </p:cSld>
-  <p:clrMapOvr>
-    <a:masterClrMapping/>
-  </p:clrMapOvr>
-</p:sld>
-</file>
-
-<file path=ppt/slides/slide16.xml><?xml version="1.0" encoding="utf-8"?>
-<p:sld xmlns:a="http://schemas.openxmlformats.org/drawingml/2006/main" xmlns:r="http://schemas.openxmlformats.org/officeDocument/2006/relationships" xmlns:p="http://schemas.openxmlformats.org/presentationml/2006/main">
-  <p:cSld>
-    <p:spTree>
-      <p:nvGrpSpPr>
-        <p:cNvPr id="1" name=""/>
-        <p:cNvGrpSpPr/>
-        <p:nvPr/>
-      </p:nvGrpSpPr>
-      <p:grpSpPr>
-        <a:xfrm>
-          <a:off x="0" y="0"/>
-          <a:ext cx="0" cy="0"/>
-          <a:chOff x="0" y="0"/>
-          <a:chExt cx="0" cy="0"/>
-        </a:xfrm>
-      </p:grpSpPr>
-      <p:sp>
-        <p:nvSpPr>
-          <p:cNvPr id="2" name="Title 1">
-            <a:extLst>
-              <a:ext uri="{FF2B5EF4-FFF2-40B4-BE49-F238E27FC236}">
-                <a16:creationId xmlns:a16="http://schemas.microsoft.com/office/drawing/2014/main" id="{341E344D-9A14-5D45-9418-9E8318785AC8}"/>
-              </a:ext>
-            </a:extLst>
-          </p:cNvPr>
-          <p:cNvSpPr>
-            <a:spLocks noGrp="1"/>
-          </p:cNvSpPr>
-          <p:nvPr>
-            <p:ph type="title"/>
-          </p:nvPr>
-        </p:nvSpPr>
-        <p:spPr/>
-        <p:txBody>
-          <a:bodyPr/>
-          <a:lstStyle/>
-          <a:p>
-            <a:r>
-              <a:rPr lang="en-US" altLang="en-US" dirty="0" err="1"/>
-              <a:t>Apriori</a:t>
-            </a:r>
-            <a:r>
-              <a:rPr lang="en-US" altLang="en-US" dirty="0"/>
-              <a:t> Principle Example</a:t>
-            </a:r>
-            <a:endParaRPr lang="en-US" dirty="0"/>
-          </a:p>
-        </p:txBody>
-      </p:sp>
-      <p:pic>
-        <p:nvPicPr>
-          <p:cNvPr id="4" name="Picture 3" descr="Graphical user interface&#10;&#10;Description automatically generated with low confidence">
-            <a:extLst>
-              <a:ext uri="{FF2B5EF4-FFF2-40B4-BE49-F238E27FC236}">
-                <a16:creationId xmlns:a16="http://schemas.microsoft.com/office/drawing/2014/main" id="{C9B2C82B-3E06-8C4F-BA28-167506EC9CEB}"/>
-              </a:ext>
-            </a:extLst>
-          </p:cNvPr>
-          <p:cNvPicPr>
-            <a:picLocks noChangeAspect="1"/>
-          </p:cNvPicPr>
-          <p:nvPr/>
-        </p:nvPicPr>
-        <p:blipFill>
-          <a:blip r:embed="rId2"/>
-          <a:stretch>
-            <a:fillRect/>
-          </a:stretch>
-        </p:blipFill>
-        <p:spPr>
-          <a:xfrm>
-            <a:off x="2723573" y="1792156"/>
-            <a:ext cx="7188200" cy="977900"/>
-          </a:xfrm>
-          <a:prstGeom prst="rect">
-            <a:avLst/>
-          </a:prstGeom>
-        </p:spPr>
-      </p:pic>
-      <p:pic>
-        <p:nvPicPr>
-          <p:cNvPr id="13" name="Picture 12" descr="A picture containing treemap chart&#10;&#10;Description automatically generated">
-            <a:extLst>
-              <a:ext uri="{FF2B5EF4-FFF2-40B4-BE49-F238E27FC236}">
-                <a16:creationId xmlns:a16="http://schemas.microsoft.com/office/drawing/2014/main" id="{85A2D2EB-118D-874F-B526-31160CE5378F}"/>
-              </a:ext>
-            </a:extLst>
-          </p:cNvPr>
-          <p:cNvPicPr>
-            <a:picLocks noChangeAspect="1"/>
-          </p:cNvPicPr>
-          <p:nvPr/>
-        </p:nvPicPr>
-        <p:blipFill rotWithShape="1">
-          <a:blip r:embed="rId3"/>
-          <a:srcRect l="31487" t="18640"/>
-          <a:stretch/>
-        </p:blipFill>
-        <p:spPr>
-          <a:xfrm>
-            <a:off x="492773" y="3301591"/>
-            <a:ext cx="3449442" cy="2060118"/>
-          </a:xfrm>
-          <a:prstGeom prst="rect">
-            <a:avLst/>
-          </a:prstGeom>
-        </p:spPr>
-      </p:pic>
-      <p:pic>
-        <p:nvPicPr>
-          <p:cNvPr id="10" name="Picture 9" descr="Table&#10;&#10;Description automatically generated">
-            <a:extLst>
-              <a:ext uri="{FF2B5EF4-FFF2-40B4-BE49-F238E27FC236}">
-                <a16:creationId xmlns:a16="http://schemas.microsoft.com/office/drawing/2014/main" id="{7CEDE51A-A8E1-3840-8381-AAE440A15ED6}"/>
-              </a:ext>
-            </a:extLst>
-          </p:cNvPr>
-          <p:cNvPicPr>
-            <a:picLocks noChangeAspect="1"/>
-          </p:cNvPicPr>
-          <p:nvPr/>
-        </p:nvPicPr>
-        <p:blipFill>
-          <a:blip r:embed="rId4"/>
-          <a:stretch>
-            <a:fillRect/>
-          </a:stretch>
-        </p:blipFill>
-        <p:spPr>
-          <a:xfrm>
-            <a:off x="3735917" y="2846256"/>
-            <a:ext cx="4292600" cy="1930400"/>
-          </a:xfrm>
-          <a:prstGeom prst="rect">
-            <a:avLst/>
-          </a:prstGeom>
-        </p:spPr>
-      </p:pic>
-    </p:spTree>
-    <p:extLst>
-      <p:ext uri="{BB962C8B-B14F-4D97-AF65-F5344CB8AC3E}">
-        <p14:creationId xmlns:p14="http://schemas.microsoft.com/office/powerpoint/2010/main" val="4173887863"/>
-      </p:ext>
-    </p:extLst>
-  </p:cSld>
-  <p:clrMapOvr>
-    <a:masterClrMapping/>
-  </p:clrMapOvr>
-</p:sld>
-</file>
-
-<file path=ppt/slides/slide17.xml><?xml version="1.0" encoding="utf-8"?>
-<p:sld xmlns:a="http://schemas.openxmlformats.org/drawingml/2006/main" xmlns:r="http://schemas.openxmlformats.org/officeDocument/2006/relationships" xmlns:p="http://schemas.openxmlformats.org/presentationml/2006/main">
-  <p:cSld>
-    <p:spTree>
-      <p:nvGrpSpPr>
-        <p:cNvPr id="1" name=""/>
-        <p:cNvGrpSpPr/>
-        <p:nvPr/>
-      </p:nvGrpSpPr>
-      <p:grpSpPr>
-        <a:xfrm>
-          <a:off x="0" y="0"/>
-          <a:ext cx="0" cy="0"/>
-          <a:chOff x="0" y="0"/>
-          <a:chExt cx="0" cy="0"/>
-        </a:xfrm>
-      </p:grpSpPr>
-      <p:sp>
-        <p:nvSpPr>
-          <p:cNvPr id="23554" name="Rectangle 2"/>
-          <p:cNvSpPr>
-            <a:spLocks noGrp="1" noChangeArrowheads="1"/>
-          </p:cNvSpPr>
-          <p:nvPr>
-            <p:ph type="title"/>
-          </p:nvPr>
-        </p:nvSpPr>
-        <p:spPr/>
-        <p:txBody>
-          <a:bodyPr/>
-          <a:lstStyle/>
-          <a:p>
-            <a:r>
-              <a:rPr lang="en-US" altLang="en-US"/>
-              <a:t>Apriori Algorithm</a:t>
-            </a:r>
-          </a:p>
-        </p:txBody>
-      </p:sp>
-      <p:sp>
-        <p:nvSpPr>
-          <p:cNvPr id="23555" name="Rectangle 3"/>
-          <p:cNvSpPr>
-            <a:spLocks noGrp="1" noChangeArrowheads="1"/>
-          </p:cNvSpPr>
-          <p:nvPr>
-            <p:ph idx="1"/>
-          </p:nvPr>
-        </p:nvSpPr>
-        <p:spPr/>
-        <p:txBody>
-          <a:bodyPr/>
-          <a:lstStyle/>
-          <a:p>
-            <a:pPr marL="742950" lvl="1" indent="-285750">
-              <a:lnSpc>
-                <a:spcPct val="90000"/>
-              </a:lnSpc>
-            </a:pPr>
-            <a:r>
-              <a:rPr lang="en-US" altLang="en-US" dirty="0" err="1"/>
-              <a:t>F</a:t>
-            </a:r>
-            <a:r>
-              <a:rPr lang="en-US" altLang="en-US" baseline="-25000" dirty="0" err="1"/>
-              <a:t>k</a:t>
-            </a:r>
-            <a:r>
-              <a:rPr lang="en-US" altLang="en-US" dirty="0"/>
-              <a:t>: frequent k-</a:t>
-            </a:r>
-            <a:r>
-              <a:rPr lang="en-US" altLang="en-US" dirty="0" err="1"/>
-              <a:t>itemsets</a:t>
-            </a:r>
-            <a:endParaRPr lang="en-US" altLang="en-US" dirty="0"/>
-          </a:p>
-          <a:p>
-            <a:pPr marL="742950" lvl="1" indent="-285750">
-              <a:lnSpc>
-                <a:spcPct val="90000"/>
-              </a:lnSpc>
-            </a:pPr>
-            <a:r>
-              <a:rPr lang="en-US" altLang="en-US" dirty="0"/>
-              <a:t>L</a:t>
-            </a:r>
-            <a:r>
-              <a:rPr lang="en-US" altLang="en-US" baseline="-25000" dirty="0"/>
-              <a:t>k</a:t>
-            </a:r>
-            <a:r>
-              <a:rPr lang="en-US" altLang="en-US" dirty="0"/>
-              <a:t>: candidate k-</a:t>
-            </a:r>
-            <a:r>
-              <a:rPr lang="en-US" altLang="en-US" dirty="0" err="1"/>
-              <a:t>itemsets</a:t>
-            </a:r>
-            <a:endParaRPr lang="en-US" altLang="en-US" dirty="0"/>
-          </a:p>
-          <a:p>
-            <a:pPr marL="1543050" lvl="3" indent="-285750">
-              <a:lnSpc>
-                <a:spcPct val="90000"/>
-              </a:lnSpc>
-            </a:pPr>
-            <a:endParaRPr lang="en-US" altLang="en-US" sz="800" dirty="0"/>
-          </a:p>
-          <a:p>
-            <a:pPr marL="234950" indent="-285750">
-              <a:lnSpc>
-                <a:spcPct val="90000"/>
-              </a:lnSpc>
-            </a:pPr>
-            <a:r>
-              <a:rPr lang="en-US" altLang="en-US" dirty="0"/>
-              <a:t>Algorithm</a:t>
-            </a:r>
-          </a:p>
-          <a:p>
-            <a:pPr marL="742950" lvl="1" indent="-285750">
-              <a:lnSpc>
-                <a:spcPct val="90000"/>
-              </a:lnSpc>
-            </a:pPr>
-            <a:r>
-              <a:rPr lang="en-US" altLang="en-US" dirty="0"/>
-              <a:t>Let k=1</a:t>
-            </a:r>
-          </a:p>
-          <a:p>
-            <a:pPr marL="742950" lvl="1" indent="-285750">
-              <a:lnSpc>
-                <a:spcPct val="90000"/>
-              </a:lnSpc>
-            </a:pPr>
-            <a:r>
-              <a:rPr lang="en-US" altLang="en-US" dirty="0"/>
-              <a:t>Generate F</a:t>
-            </a:r>
-            <a:r>
-              <a:rPr lang="en-US" altLang="en-US" baseline="-25000" dirty="0"/>
-              <a:t>1</a:t>
-            </a:r>
-            <a:r>
-              <a:rPr lang="en-US" altLang="en-US" dirty="0"/>
-              <a:t> = {frequent 1-itemsets}</a:t>
-            </a:r>
-          </a:p>
-          <a:p>
-            <a:pPr marL="742950" lvl="1" indent="-285750">
-              <a:lnSpc>
-                <a:spcPct val="90000"/>
-              </a:lnSpc>
-            </a:pPr>
-            <a:r>
-              <a:rPr lang="en-US" altLang="en-US" dirty="0"/>
-              <a:t>Repeat until </a:t>
-            </a:r>
-            <a:r>
-              <a:rPr lang="en-US" altLang="en-US" dirty="0" err="1"/>
-              <a:t>F</a:t>
-            </a:r>
-            <a:r>
-              <a:rPr lang="en-US" altLang="en-US" baseline="-25000" dirty="0" err="1"/>
-              <a:t>k</a:t>
-            </a:r>
-            <a:r>
-              <a:rPr lang="en-US" altLang="en-US" dirty="0"/>
-              <a:t> is empty</a:t>
-            </a:r>
-          </a:p>
-          <a:p>
-            <a:pPr marL="1143000" lvl="2" indent="-228600">
-              <a:lnSpc>
-                <a:spcPct val="90000"/>
-              </a:lnSpc>
-            </a:pPr>
-            <a:r>
-              <a:rPr lang="en-US" altLang="en-US" b="1" dirty="0"/>
-              <a:t>Candidate Generation</a:t>
-            </a:r>
-            <a:r>
-              <a:rPr lang="en-US" altLang="en-US" dirty="0"/>
-              <a:t>: Generate L</a:t>
-            </a:r>
-            <a:r>
-              <a:rPr lang="en-US" altLang="en-US" baseline="-25000" dirty="0"/>
-              <a:t>k+1 </a:t>
-            </a:r>
-            <a:r>
-              <a:rPr lang="en-US" altLang="en-US" dirty="0"/>
-              <a:t>from </a:t>
-            </a:r>
-            <a:r>
-              <a:rPr lang="en-US" altLang="en-US" dirty="0" err="1"/>
-              <a:t>F</a:t>
-            </a:r>
-            <a:r>
-              <a:rPr lang="en-US" altLang="en-US" baseline="-25000" dirty="0" err="1"/>
-              <a:t>k</a:t>
-            </a:r>
-            <a:endParaRPr lang="en-US" altLang="en-US" baseline="-25000" dirty="0"/>
-          </a:p>
-          <a:p>
-            <a:pPr marL="1143000" lvl="2" indent="-228600">
-              <a:lnSpc>
-                <a:spcPct val="90000"/>
-              </a:lnSpc>
-            </a:pPr>
-            <a:r>
-              <a:rPr lang="en-US" altLang="en-US" b="1" dirty="0"/>
-              <a:t>Candidate Pruning</a:t>
-            </a:r>
-            <a:r>
-              <a:rPr lang="en-US" altLang="en-US" dirty="0"/>
-              <a:t>: Prune candidate </a:t>
-            </a:r>
-            <a:r>
-              <a:rPr lang="en-US" altLang="en-US" dirty="0" err="1"/>
-              <a:t>itemsets</a:t>
-            </a:r>
-            <a:r>
-              <a:rPr lang="en-US" altLang="en-US" dirty="0"/>
-              <a:t> in L</a:t>
-            </a:r>
-            <a:r>
-              <a:rPr lang="en-US" altLang="en-US" baseline="-25000" dirty="0"/>
-              <a:t>k+1 </a:t>
-            </a:r>
-            <a:r>
-              <a:rPr lang="en-US" altLang="en-US" dirty="0"/>
-              <a:t>containing subsets of length k that are infrequent </a:t>
-            </a:r>
-          </a:p>
-          <a:p>
-            <a:pPr marL="1143000" lvl="2" indent="-228600">
-              <a:lnSpc>
-                <a:spcPct val="90000"/>
-              </a:lnSpc>
-            </a:pPr>
-            <a:r>
-              <a:rPr lang="en-US" altLang="en-US" b="1" dirty="0"/>
-              <a:t>Support Counting</a:t>
-            </a:r>
-            <a:r>
-              <a:rPr lang="en-US" altLang="en-US" dirty="0"/>
-              <a:t>: Count the support of each candidate in L</a:t>
-            </a:r>
-            <a:r>
-              <a:rPr lang="en-US" altLang="en-US" baseline="-25000" dirty="0"/>
-              <a:t>k+1 </a:t>
-            </a:r>
-            <a:r>
-              <a:rPr lang="en-US" altLang="en-US" dirty="0"/>
-              <a:t>by scanning the DB</a:t>
-            </a:r>
-          </a:p>
-          <a:p>
-            <a:pPr marL="1143000" lvl="2" indent="-228600">
-              <a:lnSpc>
-                <a:spcPct val="90000"/>
-              </a:lnSpc>
-            </a:pPr>
-            <a:r>
-              <a:rPr lang="en-US" altLang="en-US" b="1" dirty="0"/>
-              <a:t>Candidate Elimination</a:t>
-            </a:r>
-            <a:r>
-              <a:rPr lang="en-US" altLang="en-US" dirty="0"/>
-              <a:t>: Eliminate candidates in L</a:t>
-            </a:r>
-            <a:r>
-              <a:rPr lang="en-US" altLang="en-US" baseline="-25000" dirty="0"/>
-              <a:t>k+1 </a:t>
-            </a:r>
-            <a:r>
-              <a:rPr lang="en-US" altLang="en-US" dirty="0"/>
-              <a:t>that are infrequent, leaving only those that are frequent =&gt; F</a:t>
-            </a:r>
-            <a:r>
-              <a:rPr lang="en-US" altLang="en-US" baseline="-25000" dirty="0"/>
-              <a:t>k+1</a:t>
-            </a:r>
-          </a:p>
-        </p:txBody>
-      </p:sp>
-    </p:spTree>
-    <p:extLst>
-      <p:ext uri="{BB962C8B-B14F-4D97-AF65-F5344CB8AC3E}">
-        <p14:creationId xmlns:p14="http://schemas.microsoft.com/office/powerpoint/2010/main" val="181865102"/>
-      </p:ext>
-    </p:extLst>
-  </p:cSld>
-  <p:clrMapOvr>
-    <a:masterClrMapping/>
-  </p:clrMapOvr>
-</p:sld>
-</file>
-
-<file path=ppt/slides/slide18.xml><?xml version="1.0" encoding="utf-8"?>
-<p:sld xmlns:a="http://schemas.openxmlformats.org/drawingml/2006/main" xmlns:r="http://schemas.openxmlformats.org/officeDocument/2006/relationships" xmlns:p="http://schemas.openxmlformats.org/presentationml/2006/main">
-  <p:cSld>
-    <p:spTree>
-      <p:nvGrpSpPr>
-        <p:cNvPr id="1" name=""/>
-        <p:cNvGrpSpPr/>
-        <p:nvPr/>
-      </p:nvGrpSpPr>
-      <p:grpSpPr>
-        <a:xfrm>
-          <a:off x="0" y="0"/>
-          <a:ext cx="0" cy="0"/>
-          <a:chOff x="0" y="0"/>
-          <a:chExt cx="0" cy="0"/>
-        </a:xfrm>
-      </p:grpSpPr>
-      <p:sp>
-        <p:nvSpPr>
-          <p:cNvPr id="24578" name="Title 1"/>
-          <p:cNvSpPr>
-            <a:spLocks noGrp="1"/>
-          </p:cNvSpPr>
-          <p:nvPr>
-            <p:ph type="title"/>
-          </p:nvPr>
-        </p:nvSpPr>
-        <p:spPr/>
-        <p:txBody>
-          <a:bodyPr/>
-          <a:lstStyle/>
-          <a:p>
-            <a:r>
-              <a:rPr lang="en-US" altLang="en-US" sz="2400"/>
-              <a:t>Candidate Generation: Brute-force method</a:t>
-            </a:r>
-          </a:p>
-        </p:txBody>
-      </p:sp>
-      <p:pic>
-        <p:nvPicPr>
-          <p:cNvPr id="4" name="Picture 2"/>
-          <p:cNvPicPr>
-            <a:picLocks noChangeAspect="1" noChangeArrowheads="1"/>
-          </p:cNvPicPr>
-          <p:nvPr/>
-        </p:nvPicPr>
-        <p:blipFill>
-          <a:blip r:embed="rId3">
-            <a:lum contrast="40000"/>
-            <a:extLst>
-              <a:ext uri="{28A0092B-C50C-407E-A947-70E740481C1C}">
-                <a14:useLocalDpi xmlns:a14="http://schemas.microsoft.com/office/drawing/2010/main" val="0"/>
-              </a:ext>
-            </a:extLst>
-          </a:blip>
-          <a:srcRect l="12039" r="70956" b="62019"/>
-          <a:stretch>
-            <a:fillRect/>
-          </a:stretch>
-        </p:blipFill>
-        <p:spPr bwMode="auto">
-          <a:xfrm>
-            <a:off x="8404578" y="2011781"/>
-            <a:ext cx="1435100" cy="1790700"/>
-          </a:xfrm>
-          <a:prstGeom prst="rect">
-            <a:avLst/>
-          </a:prstGeom>
-          <a:noFill/>
-          <a:ln>
-            <a:noFill/>
-          </a:ln>
-          <a:extLst>
-            <a:ext uri="{909E8E84-426E-40DD-AFC4-6F175D3DCCD1}">
-              <a14:hiddenFill xmlns:a14="http://schemas.microsoft.com/office/drawing/2010/main">
-                <a:solidFill>
-                  <a:srgbClr val="FFFFFF"/>
-                </a:solidFill>
-              </a14:hiddenFill>
-            </a:ext>
-            <a:ext uri="{91240B29-F687-4F45-9708-019B960494DF}">
-              <a14:hiddenLine xmlns:a14="http://schemas.microsoft.com/office/drawing/2010/main" w="12700">
-                <a:solidFill>
-                  <a:srgbClr val="000000"/>
-                </a:solidFill>
-                <a:miter lim="800000"/>
-                <a:headEnd/>
-                <a:tailEnd/>
-              </a14:hiddenLine>
-            </a:ext>
-          </a:extLst>
-        </p:spPr>
-      </p:pic>
-      <p:pic>
-        <p:nvPicPr>
-          <p:cNvPr id="5" name="Picture 4"/>
-          <p:cNvPicPr>
-            <a:picLocks noChangeAspect="1"/>
-          </p:cNvPicPr>
-          <p:nvPr/>
-        </p:nvPicPr>
-        <p:blipFill>
-          <a:blip r:embed="rId4"/>
-          <a:stretch>
-            <a:fillRect/>
-          </a:stretch>
-        </p:blipFill>
-        <p:spPr>
-          <a:xfrm>
-            <a:off x="1891556" y="2011782"/>
-            <a:ext cx="6492240" cy="5147367"/>
-          </a:xfrm>
-          <a:prstGeom prst="rect">
-            <a:avLst/>
-          </a:prstGeom>
-        </p:spPr>
-      </p:pic>
-      <p:graphicFrame>
-        <p:nvGraphicFramePr>
-          <p:cNvPr id="6" name="Object 21"/>
-          <p:cNvGraphicFramePr>
-            <a:graphicFrameLocks noGrp="1" noChangeAspect="1"/>
-          </p:cNvGraphicFramePr>
-          <p:nvPr>
-            <p:extLst>
-              <p:ext uri="{D42A27DB-BD31-4B8C-83A1-F6EECF244321}">
-                <p14:modId xmlns:p14="http://schemas.microsoft.com/office/powerpoint/2010/main" val="615116844"/>
-              </p:ext>
-            </p:extLst>
-          </p:nvPr>
-        </p:nvGraphicFramePr>
-        <p:xfrm>
-          <a:off x="1470378" y="1912441"/>
-          <a:ext cx="1981200" cy="1191541"/>
-        </p:xfrm>
-        <a:graphic>
-          <a:graphicData uri="http://schemas.openxmlformats.org/presentationml/2006/ole">
-            <mc:AlternateContent xmlns:mc="http://schemas.openxmlformats.org/markup-compatibility/2006">
-              <mc:Choice xmlns:v="urn:schemas-microsoft-com:vml" Requires="v">
-                <p:oleObj spid="_x0000_s62500" name="Document" r:id="rId5" imgW="3352666" imgH="2016134" progId="Word.Document.8">
-                  <p:embed/>
-                </p:oleObj>
-              </mc:Choice>
-              <mc:Fallback>
-                <p:oleObj name="Document" r:id="rId5" imgW="3352666" imgH="2016134" progId="Word.Document.8">
-                  <p:embed/>
-                  <p:pic>
-                    <p:nvPicPr>
-                      <p:cNvPr id="6" name="Object 21"/>
-                      <p:cNvPicPr>
-                        <a:picLocks noGrp="1" noChangeAspect="1" noChangeArrowheads="1"/>
-                      </p:cNvPicPr>
-                      <p:nvPr/>
-                    </p:nvPicPr>
-                    <p:blipFill>
-                      <a:blip r:embed="rId6">
-                        <a:extLst>
-                          <a:ext uri="{28A0092B-C50C-407E-A947-70E740481C1C}">
-                            <a14:useLocalDpi xmlns:a14="http://schemas.microsoft.com/office/drawing/2010/main" val="0"/>
-                          </a:ext>
-                        </a:extLst>
-                      </a:blip>
-                      <a:srcRect/>
-                      <a:stretch>
-                        <a:fillRect/>
-                      </a:stretch>
-                    </p:blipFill>
-                    <p:spPr bwMode="auto">
-                      <a:xfrm>
-                        <a:off x="1470378" y="1912441"/>
-                        <a:ext cx="1981200" cy="1191541"/>
-                      </a:xfrm>
-                      <a:prstGeom prst="rect">
-                        <a:avLst/>
-                      </a:prstGeom>
-                      <a:noFill/>
-                      <a:ln>
-                        <a:noFill/>
-                      </a:ln>
-                      <a:effectLst/>
-                    </p:spPr>
-                  </p:pic>
-                </p:oleObj>
-              </mc:Fallback>
-            </mc:AlternateContent>
-          </a:graphicData>
-        </a:graphic>
-      </p:graphicFrame>
-    </p:spTree>
-    <p:extLst>
-      <p:ext uri="{BB962C8B-B14F-4D97-AF65-F5344CB8AC3E}">
-        <p14:creationId xmlns:p14="http://schemas.microsoft.com/office/powerpoint/2010/main" val="1304631488"/>
-      </p:ext>
-    </p:extLst>
-  </p:cSld>
-  <p:clrMapOvr>
-    <a:masterClrMapping/>
-  </p:clrMapOvr>
-</p:sld>
-</file>
-
-<file path=ppt/slides/slide19.xml><?xml version="1.0" encoding="utf-8"?>
-<p:sld xmlns:a="http://schemas.openxmlformats.org/drawingml/2006/main" xmlns:r="http://schemas.openxmlformats.org/officeDocument/2006/relationships" xmlns:p="http://schemas.openxmlformats.org/presentationml/2006/main">
-  <p:cSld>
-    <p:spTree>
-      <p:nvGrpSpPr>
-        <p:cNvPr id="1" name=""/>
-        <p:cNvGrpSpPr/>
-        <p:nvPr/>
-      </p:nvGrpSpPr>
-      <p:grpSpPr>
-        <a:xfrm>
-          <a:off x="0" y="0"/>
-          <a:ext cx="0" cy="0"/>
-          <a:chOff x="0" y="0"/>
-          <a:chExt cx="0" cy="0"/>
-        </a:xfrm>
-      </p:grpSpPr>
-      <p:sp>
-        <p:nvSpPr>
-          <p:cNvPr id="6" name="TextBox 5"/>
-          <p:cNvSpPr txBox="1"/>
-          <p:nvPr/>
-        </p:nvSpPr>
-        <p:spPr>
-          <a:xfrm>
-            <a:off x="845128" y="842240"/>
-            <a:ext cx="7924800" cy="892175"/>
-          </a:xfrm>
-          <a:prstGeom prst="rect">
-            <a:avLst/>
-          </a:prstGeom>
-          <a:noFill/>
-        </p:spPr>
-        <p:txBody>
-          <a:bodyPr>
-            <a:spAutoFit/>
-          </a:bodyPr>
-          <a:lstStyle/>
-          <a:p>
-            <a:pPr>
-              <a:defRPr/>
-            </a:pPr>
-            <a:r>
-              <a:rPr lang="en-US" sz="2400" dirty="0"/>
-              <a:t>Candidate Generation: </a:t>
-            </a:r>
-            <a:r>
-              <a:rPr lang="en-US" sz="2400" kern="0" dirty="0"/>
-              <a:t>Merge Fk-1 and F1 </a:t>
-            </a:r>
-            <a:r>
-              <a:rPr lang="en-US" sz="2400" kern="0" dirty="0" err="1"/>
-              <a:t>itemsets</a:t>
-            </a:r>
-            <a:endParaRPr lang="en-US" sz="2800" kern="0" dirty="0"/>
-          </a:p>
-          <a:p>
-            <a:pPr>
-              <a:defRPr/>
-            </a:pPr>
-            <a:endParaRPr lang="en-US" sz="2800" dirty="0"/>
-          </a:p>
-        </p:txBody>
-      </p:sp>
-      <p:pic>
-        <p:nvPicPr>
-          <p:cNvPr id="2" name="Picture 1"/>
-          <p:cNvPicPr>
-            <a:picLocks noChangeAspect="1"/>
-          </p:cNvPicPr>
-          <p:nvPr/>
-        </p:nvPicPr>
-        <p:blipFill>
-          <a:blip r:embed="rId2"/>
-          <a:stretch>
-            <a:fillRect/>
-          </a:stretch>
-        </p:blipFill>
-        <p:spPr>
-          <a:xfrm>
-            <a:off x="1641765" y="1719262"/>
-            <a:ext cx="8436677" cy="4800600"/>
-          </a:xfrm>
-          <a:prstGeom prst="rect">
-            <a:avLst/>
-          </a:prstGeom>
-        </p:spPr>
-      </p:pic>
-    </p:spTree>
-    <p:extLst>
-      <p:ext uri="{BB962C8B-B14F-4D97-AF65-F5344CB8AC3E}">
-        <p14:creationId xmlns:p14="http://schemas.microsoft.com/office/powerpoint/2010/main" val="729170704"/>
-      </p:ext>
-    </p:extLst>
-  </p:cSld>
-  <p:clrMapOvr>
-    <a:masterClrMapping/>
-  </p:clrMapOvr>
-</p:sld>
-</file>
-
-<file path=ppt/slides/slide2.xml><?xml version="1.0" encoding="utf-8"?>
-<p:sld xmlns:a="http://schemas.openxmlformats.org/drawingml/2006/main" xmlns:r="http://schemas.openxmlformats.org/officeDocument/2006/relationships" xmlns:p="http://schemas.openxmlformats.org/presentationml/2006/main">
-  <p:cSld>
-    <p:spTree>
-      <p:nvGrpSpPr>
-        <p:cNvPr id="1" name=""/>
-        <p:cNvGrpSpPr/>
-        <p:nvPr/>
-      </p:nvGrpSpPr>
-      <p:grpSpPr>
-        <a:xfrm>
-          <a:off x="0" y="0"/>
-          <a:ext cx="0" cy="0"/>
-          <a:chOff x="0" y="0"/>
-          <a:chExt cx="0" cy="0"/>
-        </a:xfrm>
-      </p:grpSpPr>
-      <p:sp>
-        <p:nvSpPr>
-          <p:cNvPr id="5122" name="Rectangle 2"/>
-          <p:cNvSpPr>
-            <a:spLocks noGrp="1" noChangeArrowheads="1"/>
-          </p:cNvSpPr>
-          <p:nvPr>
-            <p:ph type="title"/>
-          </p:nvPr>
-        </p:nvSpPr>
-        <p:spPr/>
-        <p:txBody>
-          <a:bodyPr/>
-          <a:lstStyle/>
-          <a:p>
-            <a:r>
-              <a:rPr lang="en-US" altLang="en-US"/>
-              <a:t>Association Rule Mining</a:t>
-            </a:r>
-          </a:p>
-        </p:txBody>
-      </p:sp>
-      <p:sp>
-        <p:nvSpPr>
-          <p:cNvPr id="5123" name="Rectangle 3"/>
-          <p:cNvSpPr>
-            <a:spLocks noGrp="1" noChangeArrowheads="1"/>
-          </p:cNvSpPr>
-          <p:nvPr>
-            <p:ph type="body" idx="1"/>
-          </p:nvPr>
-        </p:nvSpPr>
-        <p:spPr>
-          <a:xfrm>
-            <a:off x="1069621" y="1955800"/>
-            <a:ext cx="10343445" cy="1143000"/>
-          </a:xfrm>
-        </p:spPr>
-        <p:txBody>
-          <a:bodyPr/>
-          <a:lstStyle/>
-          <a:p>
-            <a:pPr>
-              <a:lnSpc>
-                <a:spcPct val="90000"/>
-              </a:lnSpc>
-            </a:pPr>
-            <a:r>
-              <a:rPr lang="en-US" altLang="en-US" sz="2400" dirty="0"/>
-              <a:t>Given a set of transactions, find rules that will predict the occurrence of an item based on the occurrences of other items</a:t>
-            </a:r>
-          </a:p>
-        </p:txBody>
-      </p:sp>
-      <p:sp>
-        <p:nvSpPr>
-          <p:cNvPr id="5124" name="Text Box 4"/>
-          <p:cNvSpPr txBox="1">
-            <a:spLocks noChangeArrowheads="1"/>
-          </p:cNvSpPr>
-          <p:nvPr/>
-        </p:nvSpPr>
-        <p:spPr bwMode="auto">
-          <a:xfrm>
-            <a:off x="797278" y="3098800"/>
-            <a:ext cx="4191000" cy="396875"/>
-          </a:xfrm>
-          <a:prstGeom prst="rect">
-            <a:avLst/>
-          </a:prstGeom>
-          <a:noFill/>
-          <a:ln>
-            <a:noFill/>
-          </a:ln>
-          <a:extLst>
-            <a:ext uri="{909E8E84-426E-40DD-AFC4-6F175D3DCCD1}">
-              <a14:hiddenFill xmlns:a14="http://schemas.microsoft.com/office/drawing/2010/main">
-                <a:solidFill>
-                  <a:srgbClr val="FFFFFF"/>
-                </a:solidFill>
-              </a14:hiddenFill>
-            </a:ext>
-            <a:ext uri="{91240B29-F687-4F45-9708-019B960494DF}">
-              <a14:hiddenLine xmlns:a14="http://schemas.microsoft.com/office/drawing/2010/main" w="12700">
-                <a:solidFill>
-                  <a:srgbClr val="000000"/>
-                </a:solidFill>
-                <a:miter lim="800000"/>
-                <a:headEnd/>
-                <a:tailEnd/>
-              </a14:hiddenLine>
-            </a:ext>
-          </a:extLst>
-        </p:spPr>
-        <p:txBody>
-          <a:bodyPr>
-            <a:spAutoFit/>
-          </a:bodyPr>
-          <a:lstStyle>
-            <a:lvl1pPr>
-              <a:spcBef>
-                <a:spcPct val="10000"/>
-              </a:spcBef>
-              <a:spcAft>
-                <a:spcPts val="400"/>
-              </a:spcAft>
-              <a:buClr>
-                <a:srgbClr val="0C7B9C"/>
-              </a:buClr>
-              <a:buSzPct val="75000"/>
-              <a:buFont typeface="Monotype Sorts" pitchFamily="2" charset="2"/>
-              <a:buChar char="l"/>
-              <a:defRPr sz="2800">
-                <a:solidFill>
-                  <a:schemeClr val="tx1"/>
-                </a:solidFill>
-                <a:latin typeface="Arial" charset="0"/>
-              </a:defRPr>
-            </a:lvl1pPr>
-            <a:lvl2pPr marL="742950" indent="-285750">
-              <a:spcBef>
-                <a:spcPct val="10000"/>
-              </a:spcBef>
-              <a:spcAft>
-                <a:spcPts val="400"/>
-              </a:spcAft>
-              <a:buClr>
-                <a:srgbClr val="0C7B9C"/>
-              </a:buClr>
-              <a:buSzPct val="100000"/>
-              <a:buFont typeface="Arial" charset="0"/>
-              <a:buChar char="–"/>
-              <a:defRPr sz="2400">
-                <a:solidFill>
-                  <a:schemeClr val="tx1"/>
-                </a:solidFill>
-                <a:latin typeface="Arial" charset="0"/>
-              </a:defRPr>
-            </a:lvl2pPr>
-            <a:lvl3pPr marL="1143000" indent="-228600">
-              <a:spcBef>
-                <a:spcPct val="10000"/>
-              </a:spcBef>
-              <a:spcAft>
-                <a:spcPts val="400"/>
-              </a:spcAft>
-              <a:buClr>
-                <a:srgbClr val="0C7B9C"/>
-              </a:buClr>
-              <a:buSzPct val="70000"/>
-              <a:buFont typeface="Wingdings" pitchFamily="2" charset="2"/>
-              <a:buChar char="u"/>
-              <a:defRPr sz="2000">
-                <a:solidFill>
-                  <a:schemeClr val="tx1"/>
-                </a:solidFill>
-                <a:latin typeface="Arial" charset="0"/>
-              </a:defRPr>
-            </a:lvl3pPr>
-            <a:lvl4pPr marL="1600200" indent="-228600">
-              <a:spcBef>
-                <a:spcPct val="20000"/>
-              </a:spcBef>
-              <a:buSzPct val="100000"/>
-              <a:buChar char="–"/>
-              <a:defRPr sz="2000">
-                <a:solidFill>
-                  <a:schemeClr val="tx1"/>
-                </a:solidFill>
-                <a:latin typeface="Times New Roman" pitchFamily="18" charset="0"/>
-              </a:defRPr>
-            </a:lvl4pPr>
-            <a:lvl5pPr marL="2057400" indent="-228600">
-              <a:spcBef>
-                <a:spcPct val="20000"/>
-              </a:spcBef>
-              <a:buSzPct val="100000"/>
-              <a:buChar char="•"/>
-              <a:defRPr sz="2000">
-                <a:solidFill>
-                  <a:schemeClr val="tx1"/>
-                </a:solidFill>
-                <a:latin typeface="Times New Roman" pitchFamily="18" charset="0"/>
-              </a:defRPr>
-            </a:lvl5pPr>
-            <a:lvl6pPr marL="2514600" indent="-228600" eaLnBrk="0" fontAlgn="base" hangingPunct="0">
-              <a:spcBef>
-                <a:spcPct val="20000"/>
-              </a:spcBef>
-              <a:spcAft>
-                <a:spcPct val="0"/>
-              </a:spcAft>
-              <a:buSzPct val="100000"/>
-              <a:buChar char="•"/>
-              <a:defRPr sz="2000">
-                <a:solidFill>
-                  <a:schemeClr val="tx1"/>
-                </a:solidFill>
-                <a:latin typeface="Times New Roman" pitchFamily="18" charset="0"/>
-              </a:defRPr>
-            </a:lvl6pPr>
-            <a:lvl7pPr marL="2971800" indent="-228600" eaLnBrk="0" fontAlgn="base" hangingPunct="0">
-              <a:spcBef>
-                <a:spcPct val="20000"/>
-              </a:spcBef>
-              <a:spcAft>
-                <a:spcPct val="0"/>
-              </a:spcAft>
-              <a:buSzPct val="100000"/>
-              <a:buChar char="•"/>
-              <a:defRPr sz="2000">
-                <a:solidFill>
-                  <a:schemeClr val="tx1"/>
-                </a:solidFill>
-                <a:latin typeface="Times New Roman" pitchFamily="18" charset="0"/>
-              </a:defRPr>
-            </a:lvl7pPr>
-            <a:lvl8pPr marL="3429000" indent="-228600" eaLnBrk="0" fontAlgn="base" hangingPunct="0">
-              <a:spcBef>
-                <a:spcPct val="20000"/>
-              </a:spcBef>
-              <a:spcAft>
-                <a:spcPct val="0"/>
-              </a:spcAft>
-              <a:buSzPct val="100000"/>
-              <a:buChar char="•"/>
-              <a:defRPr sz="2000">
-                <a:solidFill>
-                  <a:schemeClr val="tx1"/>
-                </a:solidFill>
-                <a:latin typeface="Times New Roman" pitchFamily="18" charset="0"/>
-              </a:defRPr>
-            </a:lvl8pPr>
-            <a:lvl9pPr marL="3886200" indent="-228600" eaLnBrk="0" fontAlgn="base" hangingPunct="0">
-              <a:spcBef>
-                <a:spcPct val="20000"/>
-              </a:spcBef>
-              <a:spcAft>
-                <a:spcPct val="0"/>
-              </a:spcAft>
-              <a:buSzPct val="100000"/>
-              <a:buChar char="•"/>
-              <a:defRPr sz="2000">
-                <a:solidFill>
-                  <a:schemeClr val="tx1"/>
-                </a:solidFill>
-                <a:latin typeface="Times New Roman" pitchFamily="18" charset="0"/>
-              </a:defRPr>
-            </a:lvl9pPr>
-          </a:lstStyle>
-          <a:p>
-            <a:pPr>
-              <a:spcBef>
-                <a:spcPct val="50000"/>
-              </a:spcBef>
-              <a:spcAft>
-                <a:spcPct val="0"/>
-              </a:spcAft>
-              <a:buClrTx/>
-              <a:buSzTx/>
-              <a:buFontTx/>
-              <a:buNone/>
-            </a:pPr>
-            <a:r>
-              <a:rPr lang="en-US" altLang="en-US" sz="2000" dirty="0">
-                <a:solidFill>
-                  <a:srgbClr val="0C6D9C"/>
-                </a:solidFill>
-              </a:rPr>
-              <a:t>Market transactions</a:t>
-            </a:r>
-          </a:p>
-        </p:txBody>
-      </p:sp>
-      <p:graphicFrame>
-        <p:nvGraphicFramePr>
-          <p:cNvPr id="5125" name="Object 5"/>
-          <p:cNvGraphicFramePr>
-            <a:graphicFrameLocks noChangeAspect="1"/>
-          </p:cNvGraphicFramePr>
-          <p:nvPr>
-            <p:extLst>
-              <p:ext uri="{D42A27DB-BD31-4B8C-83A1-F6EECF244321}">
-                <p14:modId xmlns:p14="http://schemas.microsoft.com/office/powerpoint/2010/main" val="3428138591"/>
-              </p:ext>
-            </p:extLst>
-          </p:nvPr>
-        </p:nvGraphicFramePr>
-        <p:xfrm>
-          <a:off x="721078" y="3708400"/>
-          <a:ext cx="4343400" cy="2532063"/>
-        </p:xfrm>
-        <a:graphic>
-          <a:graphicData uri="http://schemas.openxmlformats.org/presentationml/2006/ole">
-            <mc:AlternateContent xmlns:mc="http://schemas.openxmlformats.org/markup-compatibility/2006">
-              <mc:Choice xmlns:v="urn:schemas-microsoft-com:vml" Requires="v">
-                <p:oleObj spid="_x0000_s14407" name="Document" r:id="rId3" imgW="3433292" imgH="1998228" progId="Word.Document.8">
-                  <p:embed/>
-                </p:oleObj>
-              </mc:Choice>
-              <mc:Fallback>
-                <p:oleObj name="Document" r:id="rId3" imgW="3433292" imgH="1998228" progId="Word.Document.8">
-                  <p:embed/>
-                  <p:pic>
-                    <p:nvPicPr>
-                      <p:cNvPr id="5125" name="Object 5"/>
-                      <p:cNvPicPr>
-                        <a:picLocks noChangeAspect="1" noChangeArrowheads="1"/>
-                      </p:cNvPicPr>
-                      <p:nvPr/>
-                    </p:nvPicPr>
-                    <p:blipFill>
-                      <a:blip r:embed="rId4">
-                        <a:extLst>
-                          <a:ext uri="{28A0092B-C50C-407E-A947-70E740481C1C}">
-                            <a14:useLocalDpi xmlns:a14="http://schemas.microsoft.com/office/drawing/2010/main" val="0"/>
-                          </a:ext>
-                        </a:extLst>
-                      </a:blip>
-                      <a:srcRect/>
-                      <a:stretch>
-                        <a:fillRect/>
-                      </a:stretch>
-                    </p:blipFill>
-                    <p:spPr bwMode="auto">
-                      <a:xfrm>
-                        <a:off x="721078" y="3708400"/>
-                        <a:ext cx="4343400" cy="2532063"/>
-                      </a:xfrm>
-                      <a:prstGeom prst="rect">
-                        <a:avLst/>
-                      </a:prstGeom>
-                      <a:noFill/>
-                      <a:ln>
-                        <a:noFill/>
-                      </a:ln>
-                      <a:effectLst/>
-                      <a:extLst>
-                        <a:ext uri="{909E8E84-426E-40DD-AFC4-6F175D3DCCD1}">
-                          <a14:hiddenFill xmlns:a14="http://schemas.microsoft.com/office/drawing/2010/main">
-                            <a:solidFill>
-                              <a:srgbClr val="FFFFFF"/>
-                            </a:solidFill>
-                          </a14:hiddenFill>
-                        </a:ext>
-                        <a:ext uri="{91240B29-F687-4F45-9708-019B960494DF}">
-                          <a14:hiddenLine xmlns:a14="http://schemas.microsoft.com/office/drawing/2010/main" w="9525">
-                            <a:solidFill>
-                              <a:srgbClr val="000000"/>
-                            </a:solidFill>
-                            <a:miter lim="800000"/>
-                            <a:headEnd/>
-                            <a:tailEnd/>
-                          </a14:hiddenLine>
-                        </a:ext>
-                        <a:ext uri="{AF507438-7753-43E0-B8FC-AC1667EBCBE1}">
-                          <a14:hiddenEffects xmlns:a14="http://schemas.microsoft.com/office/drawing/2010/main">
-                            <a:effectLst>
-                              <a:outerShdw dist="35921" dir="2700000" algn="ctr" rotWithShape="0">
-                                <a:srgbClr val="808080"/>
-                              </a:outerShdw>
-                            </a:effectLst>
-                          </a14:hiddenEffects>
-                        </a:ext>
-                      </a:extLst>
-                    </p:spPr>
-                  </p:pic>
-                </p:oleObj>
-              </mc:Fallback>
-            </mc:AlternateContent>
-          </a:graphicData>
-        </a:graphic>
-      </p:graphicFrame>
-      <p:sp>
-        <p:nvSpPr>
-          <p:cNvPr id="5126" name="Text Box 6"/>
-          <p:cNvSpPr txBox="1">
-            <a:spLocks noChangeArrowheads="1"/>
-          </p:cNvSpPr>
-          <p:nvPr/>
-        </p:nvSpPr>
-        <p:spPr bwMode="auto">
-          <a:xfrm>
-            <a:off x="5638800" y="3708400"/>
-            <a:ext cx="3810000" cy="396875"/>
-          </a:xfrm>
-          <a:prstGeom prst="rect">
-            <a:avLst/>
-          </a:prstGeom>
-          <a:noFill/>
-          <a:ln>
-            <a:noFill/>
-          </a:ln>
-          <a:extLst>
-            <a:ext uri="{909E8E84-426E-40DD-AFC4-6F175D3DCCD1}">
-              <a14:hiddenFill xmlns:a14="http://schemas.microsoft.com/office/drawing/2010/main">
-                <a:solidFill>
-                  <a:srgbClr val="FFFFFF"/>
-                </a:solidFill>
-              </a14:hiddenFill>
-            </a:ext>
-            <a:ext uri="{91240B29-F687-4F45-9708-019B960494DF}">
-              <a14:hiddenLine xmlns:a14="http://schemas.microsoft.com/office/drawing/2010/main" w="12700">
-                <a:solidFill>
-                  <a:srgbClr val="000000"/>
-                </a:solidFill>
-                <a:miter lim="800000"/>
-                <a:headEnd/>
-                <a:tailEnd/>
-              </a14:hiddenLine>
-            </a:ext>
-          </a:extLst>
-        </p:spPr>
-        <p:txBody>
-          <a:bodyPr>
-            <a:spAutoFit/>
-          </a:bodyPr>
-          <a:lstStyle>
-            <a:lvl1pPr>
-              <a:spcBef>
-                <a:spcPct val="10000"/>
-              </a:spcBef>
-              <a:spcAft>
-                <a:spcPts val="400"/>
-              </a:spcAft>
-              <a:buClr>
-                <a:srgbClr val="0C7B9C"/>
-              </a:buClr>
-              <a:buSzPct val="75000"/>
-              <a:buFont typeface="Monotype Sorts" pitchFamily="2" charset="2"/>
-              <a:buChar char="l"/>
-              <a:defRPr sz="2800">
-                <a:solidFill>
-                  <a:schemeClr val="tx1"/>
-                </a:solidFill>
-                <a:latin typeface="Arial" charset="0"/>
-              </a:defRPr>
-            </a:lvl1pPr>
-            <a:lvl2pPr marL="742950" indent="-285750">
-              <a:spcBef>
-                <a:spcPct val="10000"/>
-              </a:spcBef>
-              <a:spcAft>
-                <a:spcPts val="400"/>
-              </a:spcAft>
-              <a:buClr>
-                <a:srgbClr val="0C7B9C"/>
-              </a:buClr>
-              <a:buSzPct val="100000"/>
-              <a:buFont typeface="Arial" charset="0"/>
-              <a:buChar char="–"/>
-              <a:defRPr sz="2400">
-                <a:solidFill>
-                  <a:schemeClr val="tx1"/>
-                </a:solidFill>
-                <a:latin typeface="Arial" charset="0"/>
-              </a:defRPr>
-            </a:lvl2pPr>
-            <a:lvl3pPr marL="1143000" indent="-228600">
-              <a:spcBef>
-                <a:spcPct val="10000"/>
-              </a:spcBef>
-              <a:spcAft>
-                <a:spcPts val="400"/>
-              </a:spcAft>
-              <a:buClr>
-                <a:srgbClr val="0C7B9C"/>
-              </a:buClr>
-              <a:buSzPct val="70000"/>
-              <a:buFont typeface="Wingdings" pitchFamily="2" charset="2"/>
-              <a:buChar char="u"/>
-              <a:defRPr sz="2000">
-                <a:solidFill>
-                  <a:schemeClr val="tx1"/>
-                </a:solidFill>
-                <a:latin typeface="Arial" charset="0"/>
-              </a:defRPr>
-            </a:lvl3pPr>
-            <a:lvl4pPr marL="1600200" indent="-228600">
-              <a:spcBef>
-                <a:spcPct val="20000"/>
-              </a:spcBef>
-              <a:buSzPct val="100000"/>
-              <a:buChar char="–"/>
-              <a:defRPr sz="2000">
-                <a:solidFill>
-                  <a:schemeClr val="tx1"/>
-                </a:solidFill>
-                <a:latin typeface="Times New Roman" pitchFamily="18" charset="0"/>
-              </a:defRPr>
-            </a:lvl4pPr>
-            <a:lvl5pPr marL="2057400" indent="-228600">
-              <a:spcBef>
-                <a:spcPct val="20000"/>
-              </a:spcBef>
-              <a:buSzPct val="100000"/>
-              <a:buChar char="•"/>
-              <a:defRPr sz="2000">
-                <a:solidFill>
-                  <a:schemeClr val="tx1"/>
-                </a:solidFill>
-                <a:latin typeface="Times New Roman" pitchFamily="18" charset="0"/>
-              </a:defRPr>
-            </a:lvl5pPr>
-            <a:lvl6pPr marL="2514600" indent="-228600" eaLnBrk="0" fontAlgn="base" hangingPunct="0">
-              <a:spcBef>
-                <a:spcPct val="20000"/>
-              </a:spcBef>
-              <a:spcAft>
-                <a:spcPct val="0"/>
-              </a:spcAft>
-              <a:buSzPct val="100000"/>
-              <a:buChar char="•"/>
-              <a:defRPr sz="2000">
-                <a:solidFill>
-                  <a:schemeClr val="tx1"/>
-                </a:solidFill>
-                <a:latin typeface="Times New Roman" pitchFamily="18" charset="0"/>
-              </a:defRPr>
-            </a:lvl6pPr>
-            <a:lvl7pPr marL="2971800" indent="-228600" eaLnBrk="0" fontAlgn="base" hangingPunct="0">
-              <a:spcBef>
-                <a:spcPct val="20000"/>
-              </a:spcBef>
-              <a:spcAft>
-                <a:spcPct val="0"/>
-              </a:spcAft>
-              <a:buSzPct val="100000"/>
-              <a:buChar char="•"/>
-              <a:defRPr sz="2000">
-                <a:solidFill>
-                  <a:schemeClr val="tx1"/>
-                </a:solidFill>
-                <a:latin typeface="Times New Roman" pitchFamily="18" charset="0"/>
-              </a:defRPr>
-            </a:lvl7pPr>
-            <a:lvl8pPr marL="3429000" indent="-228600" eaLnBrk="0" fontAlgn="base" hangingPunct="0">
-              <a:spcBef>
-                <a:spcPct val="20000"/>
-              </a:spcBef>
-              <a:spcAft>
-                <a:spcPct val="0"/>
-              </a:spcAft>
-              <a:buSzPct val="100000"/>
-              <a:buChar char="•"/>
-              <a:defRPr sz="2000">
-                <a:solidFill>
-                  <a:schemeClr val="tx1"/>
-                </a:solidFill>
-                <a:latin typeface="Times New Roman" pitchFamily="18" charset="0"/>
-              </a:defRPr>
-            </a:lvl8pPr>
-            <a:lvl9pPr marL="3886200" indent="-228600" eaLnBrk="0" fontAlgn="base" hangingPunct="0">
-              <a:spcBef>
-                <a:spcPct val="20000"/>
-              </a:spcBef>
-              <a:spcAft>
-                <a:spcPct val="0"/>
-              </a:spcAft>
-              <a:buSzPct val="100000"/>
-              <a:buChar char="•"/>
-              <a:defRPr sz="2000">
-                <a:solidFill>
-                  <a:schemeClr val="tx1"/>
-                </a:solidFill>
-                <a:latin typeface="Times New Roman" pitchFamily="18" charset="0"/>
-              </a:defRPr>
-            </a:lvl9pPr>
-          </a:lstStyle>
-          <a:p>
-            <a:pPr>
-              <a:spcBef>
-                <a:spcPct val="50000"/>
-              </a:spcBef>
-              <a:spcAft>
-                <a:spcPct val="0"/>
-              </a:spcAft>
-              <a:buClrTx/>
-              <a:buSzTx/>
-              <a:buFontTx/>
-              <a:buNone/>
-            </a:pPr>
-            <a:r>
-              <a:rPr lang="en-US" altLang="en-US" sz="2000" dirty="0"/>
-              <a:t>Example of Association Rules</a:t>
-            </a:r>
-          </a:p>
-        </p:txBody>
-      </p:sp>
-      <p:sp>
-        <p:nvSpPr>
-          <p:cNvPr id="5127" name="Text Box 7"/>
-          <p:cNvSpPr txBox="1">
-            <a:spLocks noChangeArrowheads="1"/>
-          </p:cNvSpPr>
-          <p:nvPr/>
-        </p:nvSpPr>
-        <p:spPr bwMode="auto">
-          <a:xfrm>
-            <a:off x="6095999" y="4317999"/>
-            <a:ext cx="4944533" cy="646331"/>
-          </a:xfrm>
-          <a:prstGeom prst="rect">
-            <a:avLst/>
-          </a:prstGeom>
-          <a:noFill/>
-          <a:ln>
-            <a:noFill/>
-          </a:ln>
-          <a:extLst>
-            <a:ext uri="{909E8E84-426E-40DD-AFC4-6F175D3DCCD1}">
-              <a14:hiddenFill xmlns:a14="http://schemas.microsoft.com/office/drawing/2010/main">
-                <a:solidFill>
-                  <a:srgbClr val="FFFFFF"/>
-                </a:solidFill>
-              </a14:hiddenFill>
-            </a:ext>
-            <a:ext uri="{91240B29-F687-4F45-9708-019B960494DF}">
-              <a14:hiddenLine xmlns:a14="http://schemas.microsoft.com/office/drawing/2010/main" w="12700">
-                <a:solidFill>
-                  <a:srgbClr val="000000"/>
-                </a:solidFill>
-                <a:miter lim="800000"/>
-                <a:headEnd/>
-                <a:tailEnd/>
-              </a14:hiddenLine>
-            </a:ext>
-          </a:extLst>
-        </p:spPr>
-        <p:txBody>
-          <a:bodyPr wrap="square">
-            <a:spAutoFit/>
-          </a:bodyPr>
-          <a:lstStyle>
-            <a:lvl1pPr>
-              <a:spcBef>
-                <a:spcPct val="10000"/>
-              </a:spcBef>
-              <a:spcAft>
-                <a:spcPts val="400"/>
-              </a:spcAft>
-              <a:buClr>
-                <a:srgbClr val="0C7B9C"/>
-              </a:buClr>
-              <a:buSzPct val="75000"/>
-              <a:buFont typeface="Monotype Sorts" pitchFamily="2" charset="2"/>
-              <a:buChar char="l"/>
-              <a:defRPr sz="2800">
-                <a:solidFill>
-                  <a:schemeClr val="tx1"/>
-                </a:solidFill>
-                <a:latin typeface="Arial" charset="0"/>
-              </a:defRPr>
-            </a:lvl1pPr>
-            <a:lvl2pPr marL="742950" indent="-285750">
-              <a:spcBef>
-                <a:spcPct val="10000"/>
-              </a:spcBef>
-              <a:spcAft>
-                <a:spcPts val="400"/>
-              </a:spcAft>
-              <a:buClr>
-                <a:srgbClr val="0C7B9C"/>
-              </a:buClr>
-              <a:buSzPct val="100000"/>
-              <a:buFont typeface="Arial" charset="0"/>
-              <a:buChar char="–"/>
-              <a:defRPr sz="2400">
-                <a:solidFill>
-                  <a:schemeClr val="tx1"/>
-                </a:solidFill>
-                <a:latin typeface="Arial" charset="0"/>
-              </a:defRPr>
-            </a:lvl2pPr>
-            <a:lvl3pPr marL="1143000" indent="-228600">
-              <a:spcBef>
-                <a:spcPct val="10000"/>
-              </a:spcBef>
-              <a:spcAft>
-                <a:spcPts val="400"/>
-              </a:spcAft>
-              <a:buClr>
-                <a:srgbClr val="0C7B9C"/>
-              </a:buClr>
-              <a:buSzPct val="70000"/>
-              <a:buFont typeface="Wingdings" pitchFamily="2" charset="2"/>
-              <a:buChar char="u"/>
-              <a:defRPr sz="2000">
-                <a:solidFill>
-                  <a:schemeClr val="tx1"/>
-                </a:solidFill>
-                <a:latin typeface="Arial" charset="0"/>
-              </a:defRPr>
-            </a:lvl3pPr>
-            <a:lvl4pPr marL="1600200" indent="-228600">
-              <a:spcBef>
-                <a:spcPct val="20000"/>
-              </a:spcBef>
-              <a:buSzPct val="100000"/>
-              <a:buChar char="–"/>
-              <a:defRPr sz="2000">
-                <a:solidFill>
-                  <a:schemeClr val="tx1"/>
-                </a:solidFill>
-                <a:latin typeface="Times New Roman" pitchFamily="18" charset="0"/>
-              </a:defRPr>
-            </a:lvl4pPr>
-            <a:lvl5pPr marL="2057400" indent="-228600">
-              <a:spcBef>
-                <a:spcPct val="20000"/>
-              </a:spcBef>
-              <a:buSzPct val="100000"/>
-              <a:buChar char="•"/>
-              <a:defRPr sz="2000">
-                <a:solidFill>
-                  <a:schemeClr val="tx1"/>
-                </a:solidFill>
-                <a:latin typeface="Times New Roman" pitchFamily="18" charset="0"/>
-              </a:defRPr>
-            </a:lvl5pPr>
-            <a:lvl6pPr marL="2514600" indent="-228600" eaLnBrk="0" fontAlgn="base" hangingPunct="0">
-              <a:spcBef>
-                <a:spcPct val="20000"/>
-              </a:spcBef>
-              <a:spcAft>
-                <a:spcPct val="0"/>
-              </a:spcAft>
-              <a:buSzPct val="100000"/>
-              <a:buChar char="•"/>
-              <a:defRPr sz="2000">
-                <a:solidFill>
-                  <a:schemeClr val="tx1"/>
-                </a:solidFill>
-                <a:latin typeface="Times New Roman" pitchFamily="18" charset="0"/>
-              </a:defRPr>
-            </a:lvl6pPr>
-            <a:lvl7pPr marL="2971800" indent="-228600" eaLnBrk="0" fontAlgn="base" hangingPunct="0">
-              <a:spcBef>
-                <a:spcPct val="20000"/>
-              </a:spcBef>
-              <a:spcAft>
-                <a:spcPct val="0"/>
-              </a:spcAft>
-              <a:buSzPct val="100000"/>
-              <a:buChar char="•"/>
-              <a:defRPr sz="2000">
-                <a:solidFill>
-                  <a:schemeClr val="tx1"/>
-                </a:solidFill>
-                <a:latin typeface="Times New Roman" pitchFamily="18" charset="0"/>
-              </a:defRPr>
-            </a:lvl7pPr>
-            <a:lvl8pPr marL="3429000" indent="-228600" eaLnBrk="0" fontAlgn="base" hangingPunct="0">
-              <a:spcBef>
-                <a:spcPct val="20000"/>
-              </a:spcBef>
-              <a:spcAft>
-                <a:spcPct val="0"/>
-              </a:spcAft>
-              <a:buSzPct val="100000"/>
-              <a:buChar char="•"/>
-              <a:defRPr sz="2000">
-                <a:solidFill>
-                  <a:schemeClr val="tx1"/>
-                </a:solidFill>
-                <a:latin typeface="Times New Roman" pitchFamily="18" charset="0"/>
-              </a:defRPr>
-            </a:lvl8pPr>
-            <a:lvl9pPr marL="3886200" indent="-228600" eaLnBrk="0" fontAlgn="base" hangingPunct="0">
-              <a:spcBef>
-                <a:spcPct val="20000"/>
-              </a:spcBef>
-              <a:spcAft>
-                <a:spcPct val="0"/>
-              </a:spcAft>
-              <a:buSzPct val="100000"/>
-              <a:buChar char="•"/>
-              <a:defRPr sz="2000">
-                <a:solidFill>
-                  <a:schemeClr val="tx1"/>
-                </a:solidFill>
-                <a:latin typeface="Times New Roman" pitchFamily="18" charset="0"/>
-              </a:defRPr>
-            </a:lvl9pPr>
-          </a:lstStyle>
-          <a:p>
-            <a:pPr>
-              <a:spcBef>
-                <a:spcPct val="50000"/>
-              </a:spcBef>
-              <a:spcAft>
-                <a:spcPct val="0"/>
-              </a:spcAft>
-              <a:buClrTx/>
-              <a:buSzTx/>
-              <a:buFontTx/>
-              <a:buNone/>
-            </a:pPr>
-            <a:r>
-              <a:rPr lang="en-US" altLang="en-US" sz="1800" dirty="0"/>
-              <a:t>{Beer} </a:t>
-            </a:r>
-            <a:r>
-              <a:rPr lang="en-US" altLang="en-US" sz="1800" dirty="0">
-                <a:sym typeface="Symbol" pitchFamily="18" charset="2"/>
-              </a:rPr>
-              <a:t> {Eggs},</a:t>
-            </a:r>
-            <a:br>
-              <a:rPr lang="en-US" altLang="en-US" sz="1800" dirty="0">
-                <a:sym typeface="Symbol" pitchFamily="18" charset="2"/>
-              </a:rPr>
-            </a:br>
-            <a:r>
-              <a:rPr lang="en-US" altLang="en-US" sz="1800" dirty="0">
-                <a:sym typeface="Symbol" pitchFamily="18" charset="2"/>
-              </a:rPr>
-              <a:t>{Milk, Bread}  {Diaper, Beer},</a:t>
-            </a:r>
-          </a:p>
-        </p:txBody>
-      </p:sp>
-    </p:spTree>
-    <p:extLst>
-      <p:ext uri="{BB962C8B-B14F-4D97-AF65-F5344CB8AC3E}">
-        <p14:creationId xmlns:p14="http://schemas.microsoft.com/office/powerpoint/2010/main" val="3466195672"/>
-      </p:ext>
-    </p:extLst>
-  </p:cSld>
-  <p:clrMapOvr>
-    <a:masterClrMapping/>
-  </p:clrMapOvr>
-</p:sld>
-</file>
-
-<file path=ppt/slides/slide20.xml><?xml version="1.0" encoding="utf-8"?>
-<p:sld xmlns:a="http://schemas.openxmlformats.org/drawingml/2006/main" xmlns:r="http://schemas.openxmlformats.org/officeDocument/2006/relationships" xmlns:p="http://schemas.openxmlformats.org/presentationml/2006/main">
-  <p:cSld>
-    <p:spTree>
-      <p:nvGrpSpPr>
-        <p:cNvPr id="1" name=""/>
-        <p:cNvGrpSpPr/>
-        <p:nvPr/>
-      </p:nvGrpSpPr>
-      <p:grpSpPr>
-        <a:xfrm>
-          <a:off x="0" y="0"/>
-          <a:ext cx="0" cy="0"/>
-          <a:chOff x="0" y="0"/>
-          <a:chExt cx="0" cy="0"/>
-        </a:xfrm>
-      </p:grpSpPr>
-      <p:sp>
-        <p:nvSpPr>
-          <p:cNvPr id="26626" name="Rectangle 2"/>
-          <p:cNvSpPr>
-            <a:spLocks noGrp="1" noChangeArrowheads="1"/>
-          </p:cNvSpPr>
-          <p:nvPr>
-            <p:ph type="title"/>
-          </p:nvPr>
-        </p:nvSpPr>
-        <p:spPr/>
-        <p:txBody>
-          <a:bodyPr/>
-          <a:lstStyle/>
-          <a:p>
-            <a:r>
-              <a:rPr lang="en-US" altLang="en-US"/>
-              <a:t>Candidate Generation: F</a:t>
-            </a:r>
-            <a:r>
-              <a:rPr lang="en-US" altLang="en-US" baseline="-25000"/>
-              <a:t>k-1</a:t>
-            </a:r>
-            <a:r>
-              <a:rPr lang="en-US" altLang="en-US"/>
-              <a:t> </a:t>
-            </a:r>
-            <a:r>
-              <a:rPr lang="en-US" altLang="en-US" sz="2400"/>
-              <a:t>x</a:t>
-            </a:r>
-            <a:r>
-              <a:rPr lang="en-US" altLang="en-US"/>
-              <a:t> F</a:t>
-            </a:r>
-            <a:r>
-              <a:rPr lang="en-US" altLang="en-US" baseline="-25000"/>
-              <a:t>k-1</a:t>
-            </a:r>
-            <a:r>
-              <a:rPr lang="en-US" altLang="en-US"/>
-              <a:t> Method</a:t>
-            </a:r>
-            <a:endParaRPr lang="en-US" altLang="en-US" baseline="-25000"/>
-          </a:p>
-        </p:txBody>
-      </p:sp>
-      <p:sp>
-        <p:nvSpPr>
-          <p:cNvPr id="26627" name="Rectangle 3"/>
-          <p:cNvSpPr>
-            <a:spLocks noGrp="1" noChangeArrowheads="1"/>
-          </p:cNvSpPr>
-          <p:nvPr>
-            <p:ph type="body" idx="1"/>
-          </p:nvPr>
-        </p:nvSpPr>
-        <p:spPr/>
-        <p:txBody>
-          <a:bodyPr/>
-          <a:lstStyle/>
-          <a:p>
-            <a:r>
-              <a:rPr lang="en-US" altLang="en-US" sz="2400"/>
-              <a:t>Merge two frequent (k-1)-itemsets if their first (k-2) items are identical</a:t>
-            </a:r>
-          </a:p>
-          <a:p>
-            <a:pPr lvl="1">
-              <a:buFont typeface="Arial" charset="0"/>
-              <a:buNone/>
-            </a:pPr>
-            <a:endParaRPr lang="en-US" altLang="en-US"/>
-          </a:p>
-          <a:p>
-            <a:r>
-              <a:rPr lang="en-US" altLang="en-US"/>
-              <a:t>F</a:t>
-            </a:r>
-            <a:r>
-              <a:rPr lang="en-US" altLang="en-US" baseline="-25000"/>
-              <a:t>3</a:t>
-            </a:r>
-            <a:r>
-              <a:rPr lang="en-US" altLang="en-US"/>
-              <a:t> = {ABC,ABD,ABE,ACD,BCD,BDE,CDE}</a:t>
-            </a:r>
-          </a:p>
-          <a:p>
-            <a:pPr lvl="1"/>
-            <a:r>
-              <a:rPr lang="en-US" altLang="en-US"/>
-              <a:t>Merge(</a:t>
-            </a:r>
-            <a:r>
-              <a:rPr lang="en-US" altLang="en-US" b="1" u="sng"/>
-              <a:t>AB</a:t>
-            </a:r>
-            <a:r>
-              <a:rPr lang="en-US" altLang="en-US"/>
-              <a:t>C, </a:t>
-            </a:r>
-            <a:r>
-              <a:rPr lang="en-US" altLang="en-US" b="1" u="sng"/>
-              <a:t>AB</a:t>
-            </a:r>
-            <a:r>
-              <a:rPr lang="en-US" altLang="en-US"/>
-              <a:t>D) = </a:t>
-            </a:r>
-            <a:r>
-              <a:rPr lang="en-US" altLang="en-US" b="1" u="sng"/>
-              <a:t>AB</a:t>
-            </a:r>
-            <a:r>
-              <a:rPr lang="en-US" altLang="en-US"/>
-              <a:t>CD</a:t>
-            </a:r>
-          </a:p>
-          <a:p>
-            <a:pPr lvl="1"/>
-            <a:r>
-              <a:rPr lang="en-US" altLang="en-US"/>
-              <a:t>Merge(</a:t>
-            </a:r>
-            <a:r>
-              <a:rPr lang="en-US" altLang="en-US" b="1" u="sng"/>
-              <a:t>AB</a:t>
-            </a:r>
-            <a:r>
-              <a:rPr lang="en-US" altLang="en-US"/>
-              <a:t>C, </a:t>
-            </a:r>
-            <a:r>
-              <a:rPr lang="en-US" altLang="en-US" b="1" u="sng"/>
-              <a:t>AB</a:t>
-            </a:r>
-            <a:r>
-              <a:rPr lang="en-US" altLang="en-US"/>
-              <a:t>E) = </a:t>
-            </a:r>
-            <a:r>
-              <a:rPr lang="en-US" altLang="en-US" b="1" u="sng"/>
-              <a:t>AB</a:t>
-            </a:r>
-            <a:r>
-              <a:rPr lang="en-US" altLang="en-US"/>
-              <a:t>CE</a:t>
-            </a:r>
-          </a:p>
-          <a:p>
-            <a:pPr lvl="1"/>
-            <a:r>
-              <a:rPr lang="en-US" altLang="en-US"/>
-              <a:t>Merge(</a:t>
-            </a:r>
-            <a:r>
-              <a:rPr lang="en-US" altLang="en-US" b="1" u="sng"/>
-              <a:t>AB</a:t>
-            </a:r>
-            <a:r>
-              <a:rPr lang="en-US" altLang="en-US"/>
-              <a:t>D, </a:t>
-            </a:r>
-            <a:r>
-              <a:rPr lang="en-US" altLang="en-US" b="1" u="sng"/>
-              <a:t>AB</a:t>
-            </a:r>
-            <a:r>
-              <a:rPr lang="en-US" altLang="en-US"/>
-              <a:t>E) = </a:t>
-            </a:r>
-            <a:r>
-              <a:rPr lang="en-US" altLang="en-US" b="1" u="sng"/>
-              <a:t>AB</a:t>
-            </a:r>
-            <a:r>
-              <a:rPr lang="en-US" altLang="en-US"/>
-              <a:t>DE</a:t>
-            </a:r>
-          </a:p>
-          <a:p>
-            <a:pPr lvl="2">
-              <a:buFont typeface="Wingdings" pitchFamily="2" charset="2"/>
-              <a:buNone/>
-            </a:pPr>
-            <a:endParaRPr lang="en-US" altLang="en-US"/>
-          </a:p>
-          <a:p>
-            <a:pPr lvl="1"/>
-            <a:r>
-              <a:rPr lang="en-US" altLang="en-US"/>
-              <a:t>Do not merge(</a:t>
-            </a:r>
-            <a:r>
-              <a:rPr lang="en-US" altLang="en-US" b="1" u="sng"/>
-              <a:t>A</a:t>
-            </a:r>
-            <a:r>
-              <a:rPr lang="en-US" altLang="en-US"/>
-              <a:t>BD,</a:t>
-            </a:r>
-            <a:r>
-              <a:rPr lang="en-US" altLang="en-US" b="1" u="sng"/>
-              <a:t>A</a:t>
-            </a:r>
-            <a:r>
-              <a:rPr lang="en-US" altLang="en-US"/>
-              <a:t>CD) because they share only prefix of length 1 instead of length 2</a:t>
-            </a:r>
-          </a:p>
-        </p:txBody>
-      </p:sp>
-    </p:spTree>
-    <p:extLst>
-      <p:ext uri="{BB962C8B-B14F-4D97-AF65-F5344CB8AC3E}">
-        <p14:creationId xmlns:p14="http://schemas.microsoft.com/office/powerpoint/2010/main" val="4247714376"/>
-      </p:ext>
-    </p:extLst>
-  </p:cSld>
-  <p:clrMapOvr>
-    <a:masterClrMapping/>
-  </p:clrMapOvr>
-</p:sld>
-</file>
-
-<file path=ppt/slides/slide21.xml><?xml version="1.0" encoding="utf-8"?>
-<p:sld xmlns:a="http://schemas.openxmlformats.org/drawingml/2006/main" xmlns:r="http://schemas.openxmlformats.org/officeDocument/2006/relationships" xmlns:p="http://schemas.openxmlformats.org/presentationml/2006/main">
-  <p:cSld>
-    <p:spTree>
-      <p:nvGrpSpPr>
-        <p:cNvPr id="1" name=""/>
-        <p:cNvGrpSpPr/>
-        <p:nvPr/>
-      </p:nvGrpSpPr>
-      <p:grpSpPr>
-        <a:xfrm>
-          <a:off x="0" y="0"/>
-          <a:ext cx="0" cy="0"/>
-          <a:chOff x="0" y="0"/>
-          <a:chExt cx="0" cy="0"/>
-        </a:xfrm>
-      </p:grpSpPr>
-      <p:sp>
-        <p:nvSpPr>
-          <p:cNvPr id="27650" name="Rectangle 2"/>
-          <p:cNvSpPr>
-            <a:spLocks noGrp="1" noChangeArrowheads="1"/>
-          </p:cNvSpPr>
-          <p:nvPr>
-            <p:ph type="title"/>
-          </p:nvPr>
-        </p:nvSpPr>
-        <p:spPr/>
-        <p:txBody>
-          <a:bodyPr/>
-          <a:lstStyle/>
-          <a:p>
-            <a:r>
-              <a:rPr lang="en-US" altLang="en-US"/>
-              <a:t>Candidate Pruning</a:t>
-            </a:r>
-          </a:p>
-        </p:txBody>
-      </p:sp>
-      <p:sp>
-        <p:nvSpPr>
-          <p:cNvPr id="25603" name="Rectangle 3"/>
-          <p:cNvSpPr>
-            <a:spLocks noGrp="1" noChangeArrowheads="1"/>
-          </p:cNvSpPr>
-          <p:nvPr>
-            <p:ph type="body" idx="1"/>
-          </p:nvPr>
-        </p:nvSpPr>
-        <p:spPr/>
-        <p:txBody>
-          <a:bodyPr/>
-          <a:lstStyle/>
-          <a:p>
-            <a:r>
-              <a:rPr lang="en-US" altLang="en-US" dirty="0"/>
-              <a:t>Let F</a:t>
-            </a:r>
-            <a:r>
-              <a:rPr lang="en-US" altLang="en-US" baseline="-25000" dirty="0"/>
-              <a:t>3</a:t>
-            </a:r>
-            <a:r>
-              <a:rPr lang="en-US" altLang="en-US" dirty="0"/>
-              <a:t> = {ABC,ABD,ABE,ACD,BCD,BDE,CDE} be the set of frequent 3-itemsets</a:t>
-            </a:r>
-          </a:p>
-          <a:p>
-            <a:pPr lvl="2"/>
-            <a:endParaRPr lang="en-US" altLang="en-US" dirty="0"/>
-          </a:p>
-          <a:p>
-            <a:r>
-              <a:rPr lang="en-US" altLang="en-US" dirty="0"/>
-              <a:t>L</a:t>
-            </a:r>
-            <a:r>
-              <a:rPr lang="en-US" altLang="en-US" baseline="-25000" dirty="0"/>
-              <a:t>4</a:t>
-            </a:r>
-            <a:r>
-              <a:rPr lang="en-US" altLang="en-US" dirty="0"/>
-              <a:t> = {ABCD,ABCE,ABDE} is the set of candidate 4-itemsets generated (from previous slide)</a:t>
-            </a:r>
-          </a:p>
-          <a:p>
-            <a:pPr lvl="2"/>
-            <a:endParaRPr lang="en-US" altLang="en-US" dirty="0"/>
-          </a:p>
-          <a:p>
-            <a:r>
-              <a:rPr lang="en-US" altLang="en-US" dirty="0"/>
-              <a:t>Candidate pruning</a:t>
-            </a:r>
-          </a:p>
-          <a:p>
-            <a:pPr lvl="1"/>
-            <a:r>
-              <a:rPr lang="en-US" altLang="en-US" sz="2000" dirty="0"/>
-              <a:t>Prune ABCE because ACE and BCE are infrequent</a:t>
-            </a:r>
-          </a:p>
-          <a:p>
-            <a:pPr lvl="1"/>
-            <a:r>
-              <a:rPr lang="en-US" altLang="en-US" sz="2000" dirty="0"/>
-              <a:t>Prune ABDE because ADE is infrequent</a:t>
-            </a:r>
-          </a:p>
-          <a:p>
-            <a:pPr lvl="1"/>
-            <a:endParaRPr lang="en-US" altLang="en-US" dirty="0"/>
-          </a:p>
-          <a:p>
-            <a:r>
-              <a:rPr lang="en-US" altLang="en-US" dirty="0"/>
-              <a:t>After candidate pruning: L</a:t>
-            </a:r>
-            <a:r>
-              <a:rPr lang="en-US" altLang="en-US" baseline="-25000" dirty="0"/>
-              <a:t>4</a:t>
-            </a:r>
-            <a:r>
-              <a:rPr lang="en-US" altLang="en-US" dirty="0"/>
-              <a:t> = {ABCD} </a:t>
-            </a:r>
-          </a:p>
-        </p:txBody>
-      </p:sp>
-    </p:spTree>
-    <p:extLst>
-      <p:ext uri="{BB962C8B-B14F-4D97-AF65-F5344CB8AC3E}">
-        <p14:creationId xmlns:p14="http://schemas.microsoft.com/office/powerpoint/2010/main" val="833208471"/>
-      </p:ext>
-    </p:extLst>
-  </p:cSld>
-  <p:clrMapOvr>
-    <a:masterClrMapping/>
-  </p:clrMapOvr>
-  <p:timing>
-    <p:tnLst>
-      <p:par>
-        <p:cTn id="1" dur="indefinite" restart="never" nodeType="tmRoot">
-          <p:childTnLst>
-            <p:seq concurrent="1" nextAc="seek">
-              <p:cTn id="2" dur="indefinite" nodeType="mainSeq">
-                <p:childTnLst>
-                  <p:par>
-                    <p:cTn id="3" fill="hold" nodeType="clickPar">
-                      <p:stCondLst>
-                        <p:cond delay="indefinite"/>
-                      </p:stCondLst>
-                      <p:childTnLst>
-                        <p:par>
-                          <p:cTn id="4" fill="hold" nodeType="withGroup">
-                            <p:stCondLst>
-                              <p:cond delay="0"/>
-                            </p:stCondLst>
-                            <p:childTnLst>
-                              <p:par>
-                                <p:cTn id="5" presetID="1" presetClass="entr" presetSubtype="0" fill="hold" nodeType="clickEffect">
-                                  <p:stCondLst>
-                                    <p:cond delay="0"/>
-                                  </p:stCondLst>
-                                  <p:childTnLst>
-                                    <p:set>
-                                      <p:cBhvr>
-                                        <p:cTn id="6" dur="1" fill="hold">
-                                          <p:stCondLst>
-                                            <p:cond delay="0"/>
-                                          </p:stCondLst>
-                                        </p:cTn>
-                                        <p:tgtEl>
-                                          <p:spTgt spid="25603">
-                                            <p:txEl>
-                                              <p:pRg st="5" end="5"/>
-                                            </p:txEl>
-                                          </p:spTgt>
-                                        </p:tgtEl>
-                                        <p:attrNameLst>
-                                          <p:attrName>style.visibility</p:attrName>
-                                        </p:attrNameLst>
-                                      </p:cBhvr>
-                                      <p:to>
-                                        <p:strVal val="visible"/>
-                                      </p:to>
-                                    </p:set>
-                                  </p:childTnLst>
-                                </p:cTn>
-                              </p:par>
-                              <p:par>
-                                <p:cTn id="7" presetID="1" presetClass="entr" presetSubtype="0" fill="hold" nodeType="withEffect">
-                                  <p:stCondLst>
-                                    <p:cond delay="0"/>
-                                  </p:stCondLst>
-                                  <p:childTnLst>
-                                    <p:set>
-                                      <p:cBhvr>
-                                        <p:cTn id="8" dur="1" fill="hold">
-                                          <p:stCondLst>
-                                            <p:cond delay="0"/>
-                                          </p:stCondLst>
-                                        </p:cTn>
-                                        <p:tgtEl>
-                                          <p:spTgt spid="25603">
-                                            <p:txEl>
-                                              <p:pRg st="6" end="6"/>
-                                            </p:txEl>
-                                          </p:spTgt>
-                                        </p:tgtEl>
-                                        <p:attrNameLst>
-                                          <p:attrName>style.visibility</p:attrName>
-                                        </p:attrNameLst>
-                                      </p:cBhvr>
-                                      <p:to>
-                                        <p:strVal val="visible"/>
-                                      </p:to>
-                                    </p:set>
-                                  </p:childTnLst>
-                                </p:cTn>
-                              </p:par>
-                              <p:par>
-                                <p:cTn id="9" presetID="1" presetClass="entr" presetSubtype="0" fill="hold" nodeType="withEffect">
-                                  <p:stCondLst>
-                                    <p:cond delay="0"/>
-                                  </p:stCondLst>
-                                  <p:childTnLst>
-                                    <p:set>
-                                      <p:cBhvr>
-                                        <p:cTn id="10" dur="1" fill="hold">
-                                          <p:stCondLst>
-                                            <p:cond delay="0"/>
-                                          </p:stCondLst>
-                                        </p:cTn>
-                                        <p:tgtEl>
-                                          <p:spTgt spid="25603">
-                                            <p:txEl>
-                                              <p:pRg st="8" end="8"/>
-                                            </p:txEl>
-                                          </p:spTgt>
-                                        </p:tgtEl>
-                                        <p:attrNameLst>
-                                          <p:attrName>style.visibility</p:attrName>
-                                        </p:attrNameLst>
-                                      </p:cBhvr>
-                                      <p:to>
-                                        <p:strVal val="visible"/>
-                                      </p:to>
-                                    </p:set>
-                                  </p:childTnLst>
-                                </p:cTn>
-                              </p:par>
-                            </p:childTnLst>
-                          </p:cTn>
-                        </p:par>
-                      </p:childTnLst>
-                    </p:cTn>
-                  </p:par>
-                </p:childTnLst>
-              </p:cTn>
-              <p:prevCondLst>
-                <p:cond evt="onPrev" delay="0">
-                  <p:tgtEl>
-                    <p:sldTgt/>
-                  </p:tgtEl>
-                </p:cond>
-              </p:prevCondLst>
-              <p:nextCondLst>
-                <p:cond evt="onNext" delay="0">
-                  <p:tgtEl>
-                    <p:sldTgt/>
-                  </p:tgtEl>
-                </p:cond>
-              </p:nextCondLst>
-            </p:seq>
-          </p:childTnLst>
-        </p:cTn>
-      </p:par>
-    </p:tnLst>
-  </p:timing>
-</p:sld>
-</file>
-
-<file path=ppt/slides/slide22.xml><?xml version="1.0" encoding="utf-8"?>
+<file path=ppt/slides/slide23.xml><?xml version="1.0" encoding="utf-8"?>
 <p:sld xmlns:a="http://schemas.openxmlformats.org/drawingml/2006/main" xmlns:r="http://schemas.openxmlformats.org/officeDocument/2006/relationships" xmlns:p="http://schemas.openxmlformats.org/presentationml/2006/main">
   <p:cSld>
     <p:spTree>
@@ -9869,12 +10150,12 @@
           <a:graphicData uri="http://schemas.openxmlformats.org/presentationml/2006/ole">
             <mc:AlternateContent xmlns:mc="http://schemas.openxmlformats.org/markup-compatibility/2006">
               <mc:Choice xmlns:v="urn:schemas-microsoft-com:vml" Requires="v">
-                <p:oleObj spid="_x0000_s31814" name="Document" r:id="rId3" imgW="3359338" imgH="2015504" progId="Word.Document.8">
+                <p:oleObj name="Document" r:id="rId2" imgW="3359338" imgH="2015504" progId="Word.Document.8">
                   <p:embed/>
                 </p:oleObj>
               </mc:Choice>
               <mc:Fallback>
-                <p:oleObj name="Document" r:id="rId3" imgW="3359338" imgH="2015504" progId="Word.Document.8">
+                <p:oleObj name="Document" r:id="rId2" imgW="3359338" imgH="2015504" progId="Word.Document.8">
                   <p:embed/>
                   <p:pic>
                     <p:nvPicPr>
@@ -9885,7 +10166,7 @@
                       <p:nvPr/>
                     </p:nvPicPr>
                     <p:blipFill>
-                      <a:blip r:embed="rId4">
+                      <a:blip r:embed="rId3">
                         <a:extLst>
                           <a:ext uri="{28A0092B-C50C-407E-A947-70E740481C1C}">
                             <a14:useLocalDpi xmlns:a14="http://schemas.microsoft.com/office/drawing/2010/main" val="0"/>
@@ -9991,58 +10272,7 @@
       </p:sp>
       <mc:AlternateContent xmlns:mc="http://schemas.openxmlformats.org/markup-compatibility/2006" xmlns:p14="http://schemas.microsoft.com/office/powerpoint/2010/main">
         <mc:Choice Requires="p14">
-          <p:contentPart p14:bwMode="auto" r:id="rId5">
-            <p14:nvContentPartPr>
-              <p14:cNvPr id="24" name="Ink 23">
-                <a:extLst>
-                  <a:ext uri="{FF2B5EF4-FFF2-40B4-BE49-F238E27FC236}">
-                    <a16:creationId xmlns:a16="http://schemas.microsoft.com/office/drawing/2014/main" id="{4FC218D4-87DD-2F44-8822-EAFCA2B5388A}"/>
-                  </a:ext>
-                </a:extLst>
-              </p14:cNvPr>
-              <p14:cNvContentPartPr/>
-              <p14:nvPr/>
-            </p14:nvContentPartPr>
-            <p14:xfrm>
-              <a:off x="4615082" y="5803660"/>
-              <a:ext cx="227520" cy="14400"/>
-            </p14:xfrm>
-          </p:contentPart>
-        </mc:Choice>
-        <mc:Fallback xmlns="">
-          <p:pic>
-            <p:nvPicPr>
-              <p:cNvPr id="24" name="Ink 23">
-                <a:extLst>
-                  <a:ext uri="{FF2B5EF4-FFF2-40B4-BE49-F238E27FC236}">
-                    <a16:creationId xmlns:a16="http://schemas.microsoft.com/office/drawing/2014/main" id="{4FC218D4-87DD-2F44-8822-EAFCA2B5388A}"/>
-                  </a:ext>
-                </a:extLst>
-              </p:cNvPr>
-              <p:cNvPicPr/>
-              <p:nvPr/>
-            </p:nvPicPr>
-            <p:blipFill>
-              <a:blip r:embed="rId10"/>
-              <a:stretch>
-                <a:fillRect/>
-              </a:stretch>
-            </p:blipFill>
-            <p:spPr>
-              <a:xfrm>
-                <a:off x="4606442" y="5794660"/>
-                <a:ext cx="245160" cy="32040"/>
-              </a:xfrm>
-              <a:prstGeom prst="rect">
-                <a:avLst/>
-              </a:prstGeom>
-            </p:spPr>
-          </p:pic>
-        </mc:Fallback>
-      </mc:AlternateContent>
-      <mc:AlternateContent xmlns:mc="http://schemas.openxmlformats.org/markup-compatibility/2006" xmlns:p14="http://schemas.microsoft.com/office/powerpoint/2010/main">
-        <mc:Choice Requires="p14">
-          <p:contentPart p14:bwMode="auto" r:id="rId11">
+          <p:contentPart p14:bwMode="auto" r:id="rId4">
             <p14:nvContentPartPr>
               <p14:cNvPr id="31" name="Ink 30">
                 <a:extLst>
@@ -10719,12 +10949,12 @@
             <a:graphicData uri="http://schemas.openxmlformats.org/presentationml/2006/ole">
               <mc:AlternateContent xmlns:mc="http://schemas.openxmlformats.org/markup-compatibility/2006">
                 <mc:Choice xmlns:v="urn:schemas-microsoft-com:vml" Requires="v">
-                  <p:oleObj spid="_x0000_s16665" name="Equation" r:id="rId3" imgW="1574800" imgH="203200" progId="Equation.3">
+                  <p:oleObj name="Equation" r:id="rId2" imgW="1574800" imgH="203200" progId="Equation.3">
                     <p:embed/>
                   </p:oleObj>
                 </mc:Choice>
                 <mc:Fallback>
-                  <p:oleObj name="Equation" r:id="rId3" imgW="1574800" imgH="203200" progId="Equation.3">
+                  <p:oleObj name="Equation" r:id="rId2" imgW="1574800" imgH="203200" progId="Equation.3">
                     <p:embed/>
                     <p:pic>
                       <p:nvPicPr>
@@ -10735,7 +10965,7 @@
                         <p:nvPr/>
                       </p:nvPicPr>
                       <p:blipFill>
-                        <a:blip r:embed="rId4">
+                        <a:blip r:embed="rId3">
                           <a:extLst>
                             <a:ext uri="{28A0092B-C50C-407E-A947-70E740481C1C}">
                               <a14:useLocalDpi xmlns:a14="http://schemas.microsoft.com/office/drawing/2010/main" val="0"/>
@@ -10818,12 +11048,12 @@
             <a:graphicData uri="http://schemas.openxmlformats.org/presentationml/2006/ole">
               <mc:AlternateContent xmlns:mc="http://schemas.openxmlformats.org/markup-compatibility/2006">
                 <mc:Choice xmlns:v="urn:schemas-microsoft-com:vml" Requires="v">
-                  <p:oleObj spid="_x0000_s16666" name="Equation" r:id="rId5" imgW="4318000" imgH="787400" progId="Equation.3">
+                  <p:oleObj name="Equation" r:id="rId4" imgW="4318000" imgH="787400" progId="Equation.3">
                     <p:embed/>
                   </p:oleObj>
                 </mc:Choice>
                 <mc:Fallback>
-                  <p:oleObj name="Equation" r:id="rId5" imgW="4318000" imgH="787400" progId="Equation.3">
+                  <p:oleObj name="Equation" r:id="rId4" imgW="4318000" imgH="787400" progId="Equation.3">
                     <p:embed/>
                     <p:pic>
                       <p:nvPicPr>
@@ -10834,7 +11064,7 @@
                         <p:nvPr/>
                       </p:nvPicPr>
                       <p:blipFill>
-                        <a:blip r:embed="rId6">
+                        <a:blip r:embed="rId5">
                           <a:extLst>
                             <a:ext uri="{28A0092B-C50C-407E-A947-70E740481C1C}">
                               <a14:useLocalDpi xmlns:a14="http://schemas.microsoft.com/office/drawing/2010/main" val="0"/>
@@ -10883,12 +11113,12 @@
             <a:graphicData uri="http://schemas.openxmlformats.org/presentationml/2006/ole">
               <mc:AlternateContent xmlns:mc="http://schemas.openxmlformats.org/markup-compatibility/2006">
                 <mc:Choice xmlns:v="urn:schemas-microsoft-com:vml" Requires="v">
-                  <p:oleObj spid="_x0000_s16667" name="Equation" r:id="rId7" imgW="4470400" imgH="787400" progId="Equation.3">
+                  <p:oleObj name="Equation" r:id="rId6" imgW="4470400" imgH="787400" progId="Equation.3">
                     <p:embed/>
                   </p:oleObj>
                 </mc:Choice>
                 <mc:Fallback>
-                  <p:oleObj name="Equation" r:id="rId7" imgW="4470400" imgH="787400" progId="Equation.3">
+                  <p:oleObj name="Equation" r:id="rId6" imgW="4470400" imgH="787400" progId="Equation.3">
                     <p:embed/>
                     <p:pic>
                       <p:nvPicPr>
@@ -10899,7 +11129,7 @@
                         <p:nvPr/>
                       </p:nvPicPr>
                       <p:blipFill>
-                        <a:blip r:embed="rId8">
+                        <a:blip r:embed="rId7">
                           <a:extLst>
                             <a:ext uri="{28A0092B-C50C-407E-A947-70E740481C1C}">
                               <a14:useLocalDpi xmlns:a14="http://schemas.microsoft.com/office/drawing/2010/main" val="0"/>
@@ -11281,12 +11511,12 @@
           <a:graphicData uri="http://schemas.openxmlformats.org/presentationml/2006/ole">
             <mc:AlternateContent xmlns:mc="http://schemas.openxmlformats.org/markup-compatibility/2006">
               <mc:Choice xmlns:v="urn:schemas-microsoft-com:vml" Requires="v">
-                <p:oleObj spid="_x0000_s16668" name="Document" r:id="rId9" imgW="3352666" imgH="2016134" progId="Word.Document.8">
+                <p:oleObj name="Document" r:id="rId8" imgW="3352666" imgH="2016134" progId="Word.Document.8">
                   <p:embed/>
                 </p:oleObj>
               </mc:Choice>
               <mc:Fallback>
-                <p:oleObj name="Document" r:id="rId9" imgW="3352666" imgH="2016134" progId="Word.Document.8">
+                <p:oleObj name="Document" r:id="rId8" imgW="3352666" imgH="2016134" progId="Word.Document.8">
                   <p:embed/>
                   <p:pic>
                     <p:nvPicPr>
@@ -11297,7 +11527,7 @@
                       <p:nvPr/>
                     </p:nvPicPr>
                     <p:blipFill>
-                      <a:blip r:embed="rId10">
+                      <a:blip r:embed="rId9">
                         <a:extLst>
                           <a:ext uri="{28A0092B-C50C-407E-A947-70E740481C1C}">
                             <a14:useLocalDpi xmlns:a14="http://schemas.microsoft.com/office/drawing/2010/main" val="0"/>
@@ -11995,12 +12225,12 @@
           <a:graphicData uri="http://schemas.openxmlformats.org/presentationml/2006/ole">
             <mc:AlternateContent xmlns:mc="http://schemas.openxmlformats.org/markup-compatibility/2006">
               <mc:Choice xmlns:v="urn:schemas-microsoft-com:vml" Requires="v">
-                <p:oleObj spid="_x0000_s20553" name="Visio" r:id="rId3" imgW="7643978" imgH="2744343" progId="Visio.Drawing.6">
+                <p:oleObj name="Visio" r:id="rId2" imgW="7643978" imgH="2744343" progId="Visio.Drawing.6">
                   <p:embed/>
                 </p:oleObj>
               </mc:Choice>
               <mc:Fallback>
-                <p:oleObj name="Visio" r:id="rId3" imgW="7643978" imgH="2744343" progId="Visio.Drawing.6">
+                <p:oleObj name="Visio" r:id="rId2" imgW="7643978" imgH="2744343" progId="Visio.Drawing.6">
                   <p:embed/>
                   <p:pic>
                     <p:nvPicPr>
@@ -12011,7 +12241,7 @@
                       <p:nvPr/>
                     </p:nvPicPr>
                     <p:blipFill>
-                      <a:blip r:embed="rId4">
+                      <a:blip r:embed="rId3">
                         <a:extLst>
                           <a:ext uri="{28A0092B-C50C-407E-A947-70E740481C1C}">
                             <a14:useLocalDpi xmlns:a14="http://schemas.microsoft.com/office/drawing/2010/main" val="0"/>
@@ -12072,384 +12302,6 @@
           </a:graphicData>
         </a:graphic>
       </p:graphicFrame>
-      <p:grpSp>
-        <p:nvGrpSpPr>
-          <p:cNvPr id="49" name="Group 48">
-            <a:extLst>
-              <a:ext uri="{FF2B5EF4-FFF2-40B4-BE49-F238E27FC236}">
-                <a16:creationId xmlns:a16="http://schemas.microsoft.com/office/drawing/2014/main" id="{746110E4-C79F-E244-94E4-7DFA53833A42}"/>
-              </a:ext>
-            </a:extLst>
-          </p:cNvPr>
-          <p:cNvGrpSpPr/>
-          <p:nvPr/>
-        </p:nvGrpSpPr>
-        <p:grpSpPr>
-          <a:xfrm>
-            <a:off x="6016912" y="3587327"/>
-            <a:ext cx="649800" cy="253080"/>
-            <a:chOff x="6016912" y="3587327"/>
-            <a:chExt cx="649800" cy="253080"/>
-          </a:xfrm>
-        </p:grpSpPr>
-        <mc:AlternateContent xmlns:mc="http://schemas.openxmlformats.org/markup-compatibility/2006" xmlns:p14="http://schemas.microsoft.com/office/powerpoint/2010/main">
-          <mc:Choice Requires="p14">
-            <p:contentPart p14:bwMode="auto" r:id="rId5">
-              <p14:nvContentPartPr>
-                <p14:cNvPr id="36" name="Ink 35">
-                  <a:extLst>
-                    <a:ext uri="{FF2B5EF4-FFF2-40B4-BE49-F238E27FC236}">
-                      <a16:creationId xmlns:a16="http://schemas.microsoft.com/office/drawing/2014/main" id="{5292D32E-844D-5348-924C-E4FA82238538}"/>
-                    </a:ext>
-                  </a:extLst>
-                </p14:cNvPr>
-                <p14:cNvContentPartPr/>
-                <p14:nvPr/>
-              </p14:nvContentPartPr>
-              <p14:xfrm>
-                <a:off x="6527752" y="3690647"/>
-                <a:ext cx="95400" cy="360"/>
-              </p14:xfrm>
-            </p:contentPart>
-          </mc:Choice>
-          <mc:Fallback xmlns="">
-            <p:pic>
-              <p:nvPicPr>
-                <p:cNvPr id="36" name="Ink 35">
-                  <a:extLst>
-                    <a:ext uri="{FF2B5EF4-FFF2-40B4-BE49-F238E27FC236}">
-                      <a16:creationId xmlns:a16="http://schemas.microsoft.com/office/drawing/2014/main" id="{5292D32E-844D-5348-924C-E4FA82238538}"/>
-                    </a:ext>
-                  </a:extLst>
-                </p:cNvPr>
-                <p:cNvPicPr/>
-                <p:nvPr/>
-              </p:nvPicPr>
-              <p:blipFill>
-                <a:blip r:embed="rId60"/>
-                <a:stretch>
-                  <a:fillRect/>
-                </a:stretch>
-              </p:blipFill>
-              <p:spPr>
-                <a:xfrm>
-                  <a:off x="6518752" y="3682007"/>
-                  <a:ext cx="113040" cy="18000"/>
-                </a:xfrm>
-                <a:prstGeom prst="rect">
-                  <a:avLst/>
-                </a:prstGeom>
-              </p:spPr>
-            </p:pic>
-          </mc:Fallback>
-        </mc:AlternateContent>
-        <mc:AlternateContent xmlns:mc="http://schemas.openxmlformats.org/markup-compatibility/2006" xmlns:p14="http://schemas.microsoft.com/office/powerpoint/2010/main">
-          <mc:Choice Requires="p14">
-            <p:contentPart p14:bwMode="auto" r:id="rId61">
-              <p14:nvContentPartPr>
-                <p14:cNvPr id="37" name="Ink 36">
-                  <a:extLst>
-                    <a:ext uri="{FF2B5EF4-FFF2-40B4-BE49-F238E27FC236}">
-                      <a16:creationId xmlns:a16="http://schemas.microsoft.com/office/drawing/2014/main" id="{858F947C-EF74-DE44-A274-28A4869BBC69}"/>
-                    </a:ext>
-                  </a:extLst>
-                </p14:cNvPr>
-                <p14:cNvContentPartPr/>
-                <p14:nvPr/>
-              </p14:nvContentPartPr>
-              <p14:xfrm>
-                <a:off x="6519472" y="3732767"/>
-                <a:ext cx="147240" cy="6480"/>
-              </p14:xfrm>
-            </p:contentPart>
-          </mc:Choice>
-          <mc:Fallback xmlns="">
-            <p:pic>
-              <p:nvPicPr>
-                <p:cNvPr id="37" name="Ink 36">
-                  <a:extLst>
-                    <a:ext uri="{FF2B5EF4-FFF2-40B4-BE49-F238E27FC236}">
-                      <a16:creationId xmlns:a16="http://schemas.microsoft.com/office/drawing/2014/main" id="{858F947C-EF74-DE44-A274-28A4869BBC69}"/>
-                    </a:ext>
-                  </a:extLst>
-                </p:cNvPr>
-                <p:cNvPicPr/>
-                <p:nvPr/>
-              </p:nvPicPr>
-              <p:blipFill>
-                <a:blip r:embed="rId62"/>
-                <a:stretch>
-                  <a:fillRect/>
-                </a:stretch>
-              </p:blipFill>
-              <p:spPr>
-                <a:xfrm>
-                  <a:off x="6510832" y="3724127"/>
-                  <a:ext cx="164880" cy="24120"/>
-                </a:xfrm>
-                <a:prstGeom prst="rect">
-                  <a:avLst/>
-                </a:prstGeom>
-              </p:spPr>
-            </p:pic>
-          </mc:Fallback>
-        </mc:AlternateContent>
-        <mc:AlternateContent xmlns:mc="http://schemas.openxmlformats.org/markup-compatibility/2006" xmlns:p14="http://schemas.microsoft.com/office/powerpoint/2010/main">
-          <mc:Choice Requires="p14">
-            <p:contentPart p14:bwMode="auto" r:id="rId63">
-              <p14:nvContentPartPr>
-                <p14:cNvPr id="45" name="Ink 44">
-                  <a:extLst>
-                    <a:ext uri="{FF2B5EF4-FFF2-40B4-BE49-F238E27FC236}">
-                      <a16:creationId xmlns:a16="http://schemas.microsoft.com/office/drawing/2014/main" id="{12258491-A0D7-C64F-A740-B2E6D83C0D7D}"/>
-                    </a:ext>
-                  </a:extLst>
-                </p14:cNvPr>
-                <p14:cNvContentPartPr/>
-                <p14:nvPr/>
-              </p14:nvContentPartPr>
-              <p14:xfrm>
-                <a:off x="6016912" y="3677687"/>
-                <a:ext cx="202320" cy="99360"/>
-              </p14:xfrm>
-            </p:contentPart>
-          </mc:Choice>
-          <mc:Fallback xmlns="">
-            <p:pic>
-              <p:nvPicPr>
-                <p:cNvPr id="45" name="Ink 44">
-                  <a:extLst>
-                    <a:ext uri="{FF2B5EF4-FFF2-40B4-BE49-F238E27FC236}">
-                      <a16:creationId xmlns:a16="http://schemas.microsoft.com/office/drawing/2014/main" id="{12258491-A0D7-C64F-A740-B2E6D83C0D7D}"/>
-                    </a:ext>
-                  </a:extLst>
-                </p:cNvPr>
-                <p:cNvPicPr/>
-                <p:nvPr/>
-              </p:nvPicPr>
-              <p:blipFill>
-                <a:blip r:embed="rId73"/>
-                <a:stretch>
-                  <a:fillRect/>
-                </a:stretch>
-              </p:blipFill>
-              <p:spPr>
-                <a:xfrm>
-                  <a:off x="6007912" y="3669047"/>
-                  <a:ext cx="219960" cy="117000"/>
-                </a:xfrm>
-                <a:prstGeom prst="rect">
-                  <a:avLst/>
-                </a:prstGeom>
-              </p:spPr>
-            </p:pic>
-          </mc:Fallback>
-        </mc:AlternateContent>
-        <mc:AlternateContent xmlns:mc="http://schemas.openxmlformats.org/markup-compatibility/2006" xmlns:p14="http://schemas.microsoft.com/office/powerpoint/2010/main">
-          <mc:Choice Requires="p14">
-            <p:contentPart p14:bwMode="auto" r:id="rId74">
-              <p14:nvContentPartPr>
-                <p14:cNvPr id="46" name="Ink 45">
-                  <a:extLst>
-                    <a:ext uri="{FF2B5EF4-FFF2-40B4-BE49-F238E27FC236}">
-                      <a16:creationId xmlns:a16="http://schemas.microsoft.com/office/drawing/2014/main" id="{DA5C7617-B31E-954C-8B87-C47AA9F63125}"/>
-                    </a:ext>
-                  </a:extLst>
-                </p14:cNvPr>
-                <p14:cNvContentPartPr/>
-                <p14:nvPr/>
-              </p14:nvContentPartPr>
-              <p14:xfrm>
-                <a:off x="6249832" y="3638447"/>
-                <a:ext cx="178200" cy="151200"/>
-              </p14:xfrm>
-            </p:contentPart>
-          </mc:Choice>
-          <mc:Fallback xmlns="">
-            <p:pic>
-              <p:nvPicPr>
-                <p:cNvPr id="46" name="Ink 45">
-                  <a:extLst>
-                    <a:ext uri="{FF2B5EF4-FFF2-40B4-BE49-F238E27FC236}">
-                      <a16:creationId xmlns:a16="http://schemas.microsoft.com/office/drawing/2014/main" id="{DA5C7617-B31E-954C-8B87-C47AA9F63125}"/>
-                    </a:ext>
-                  </a:extLst>
-                </p:cNvPr>
-                <p:cNvPicPr/>
-                <p:nvPr/>
-              </p:nvPicPr>
-              <p:blipFill>
-                <a:blip r:embed="rId75"/>
-                <a:stretch>
-                  <a:fillRect/>
-                </a:stretch>
-              </p:blipFill>
-              <p:spPr>
-                <a:xfrm>
-                  <a:off x="6240832" y="3629807"/>
-                  <a:ext cx="195840" cy="168840"/>
-                </a:xfrm>
-                <a:prstGeom prst="rect">
-                  <a:avLst/>
-                </a:prstGeom>
-              </p:spPr>
-            </p:pic>
-          </mc:Fallback>
-        </mc:AlternateContent>
-        <mc:AlternateContent xmlns:mc="http://schemas.openxmlformats.org/markup-compatibility/2006" xmlns:p14="http://schemas.microsoft.com/office/powerpoint/2010/main">
-          <mc:Choice Requires="p14">
-            <p:contentPart p14:bwMode="auto" r:id="rId76">
-              <p14:nvContentPartPr>
-                <p14:cNvPr id="47" name="Ink 46">
-                  <a:extLst>
-                    <a:ext uri="{FF2B5EF4-FFF2-40B4-BE49-F238E27FC236}">
-                      <a16:creationId xmlns:a16="http://schemas.microsoft.com/office/drawing/2014/main" id="{30ED032D-2F69-D641-8705-9624E6FAF2BB}"/>
-                    </a:ext>
-                  </a:extLst>
-                </p14:cNvPr>
-                <p14:cNvContentPartPr/>
-                <p14:nvPr/>
-              </p14:nvContentPartPr>
-              <p14:xfrm>
-                <a:off x="6427672" y="3587327"/>
-                <a:ext cx="102600" cy="253080"/>
-              </p14:xfrm>
-            </p:contentPart>
-          </mc:Choice>
-          <mc:Fallback xmlns="">
-            <p:pic>
-              <p:nvPicPr>
-                <p:cNvPr id="47" name="Ink 46">
-                  <a:extLst>
-                    <a:ext uri="{FF2B5EF4-FFF2-40B4-BE49-F238E27FC236}">
-                      <a16:creationId xmlns:a16="http://schemas.microsoft.com/office/drawing/2014/main" id="{30ED032D-2F69-D641-8705-9624E6FAF2BB}"/>
-                    </a:ext>
-                  </a:extLst>
-                </p:cNvPr>
-                <p:cNvPicPr/>
-                <p:nvPr/>
-              </p:nvPicPr>
-              <p:blipFill>
-                <a:blip r:embed="rId77"/>
-                <a:stretch>
-                  <a:fillRect/>
-                </a:stretch>
-              </p:blipFill>
-              <p:spPr>
-                <a:xfrm>
-                  <a:off x="6419032" y="3578687"/>
-                  <a:ext cx="120240" cy="270720"/>
-                </a:xfrm>
-                <a:prstGeom prst="rect">
-                  <a:avLst/>
-                </a:prstGeom>
-              </p:spPr>
-            </p:pic>
-          </mc:Fallback>
-        </mc:AlternateContent>
-        <mc:AlternateContent xmlns:mc="http://schemas.openxmlformats.org/markup-compatibility/2006" xmlns:p14="http://schemas.microsoft.com/office/powerpoint/2010/main">
-          <mc:Choice Requires="p14">
-            <p:contentPart p14:bwMode="auto" r:id="rId78">
-              <p14:nvContentPartPr>
-                <p14:cNvPr id="48" name="Ink 47">
-                  <a:extLst>
-                    <a:ext uri="{FF2B5EF4-FFF2-40B4-BE49-F238E27FC236}">
-                      <a16:creationId xmlns:a16="http://schemas.microsoft.com/office/drawing/2014/main" id="{1412EE89-674B-7747-8313-4A91AB0FEE23}"/>
-                    </a:ext>
-                  </a:extLst>
-                </p14:cNvPr>
-                <p14:cNvContentPartPr/>
-                <p14:nvPr/>
-              </p14:nvContentPartPr>
-              <p14:xfrm>
-                <a:off x="6425152" y="3726287"/>
-                <a:ext cx="87480" cy="9720"/>
-              </p14:xfrm>
-            </p:contentPart>
-          </mc:Choice>
-          <mc:Fallback xmlns="">
-            <p:pic>
-              <p:nvPicPr>
-                <p:cNvPr id="48" name="Ink 47">
-                  <a:extLst>
-                    <a:ext uri="{FF2B5EF4-FFF2-40B4-BE49-F238E27FC236}">
-                      <a16:creationId xmlns:a16="http://schemas.microsoft.com/office/drawing/2014/main" id="{1412EE89-674B-7747-8313-4A91AB0FEE23}"/>
-                    </a:ext>
-                  </a:extLst>
-                </p:cNvPr>
-                <p:cNvPicPr/>
-                <p:nvPr/>
-              </p:nvPicPr>
-              <p:blipFill>
-                <a:blip r:embed="rId79"/>
-                <a:stretch>
-                  <a:fillRect/>
-                </a:stretch>
-              </p:blipFill>
-              <p:spPr>
-                <a:xfrm>
-                  <a:off x="6416512" y="3717647"/>
-                  <a:ext cx="105120" cy="27360"/>
-                </a:xfrm>
-                <a:prstGeom prst="rect">
-                  <a:avLst/>
-                </a:prstGeom>
-              </p:spPr>
-            </p:pic>
-          </mc:Fallback>
-        </mc:AlternateContent>
-      </p:grpSp>
-      <mc:AlternateContent xmlns:mc="http://schemas.openxmlformats.org/markup-compatibility/2006">
-        <mc:Choice xmlns:p14="http://schemas.microsoft.com/office/powerpoint/2010/main" Requires="p14">
-          <p:contentPart p14:bwMode="auto" r:id="rId80">
-            <p14:nvContentPartPr>
-              <p14:cNvPr id="13320" name="Ink 13319">
-                <a:extLst>
-                  <a:ext uri="{FF2B5EF4-FFF2-40B4-BE49-F238E27FC236}">
-                    <a16:creationId xmlns:a16="http://schemas.microsoft.com/office/drawing/2014/main" id="{71E897B3-83FE-EE42-BDF4-6DD5200E6535}"/>
-                  </a:ext>
-                </a:extLst>
-              </p14:cNvPr>
-              <p14:cNvContentPartPr/>
-              <p14:nvPr/>
-            </p14:nvContentPartPr>
-            <p14:xfrm>
-              <a:off x="5641432" y="4354487"/>
-              <a:ext cx="140040" cy="68760"/>
-            </p14:xfrm>
-          </p:contentPart>
-        </mc:Choice>
-        <mc:Fallback>
-          <p:pic>
-            <p:nvPicPr>
-              <p:cNvPr id="13320" name="Ink 13319">
-                <a:extLst>
-                  <a:ext uri="{FF2B5EF4-FFF2-40B4-BE49-F238E27FC236}">
-                    <a16:creationId xmlns:a16="http://schemas.microsoft.com/office/drawing/2014/main" id="{71E897B3-83FE-EE42-BDF4-6DD5200E6535}"/>
-                  </a:ext>
-                </a:extLst>
-              </p:cNvPr>
-              <p:cNvPicPr/>
-              <p:nvPr/>
-            </p:nvPicPr>
-            <p:blipFill>
-              <a:blip r:embed="rId81"/>
-              <a:stretch>
-                <a:fillRect/>
-              </a:stretch>
-            </p:blipFill>
-            <p:spPr>
-              <a:xfrm>
-                <a:off x="5632432" y="4345487"/>
-                <a:ext cx="157680" cy="86400"/>
-              </a:xfrm>
-              <a:prstGeom prst="rect">
-                <a:avLst/>
-              </a:prstGeom>
-            </p:spPr>
-          </p:pic>
-        </mc:Fallback>
-      </mc:AlternateContent>
     </p:spTree>
     <p:extLst>
       <p:ext uri="{BB962C8B-B14F-4D97-AF65-F5344CB8AC3E}">
@@ -12711,12 +12563,12 @@
           <a:graphicData uri="http://schemas.openxmlformats.org/presentationml/2006/ole">
             <mc:AlternateContent xmlns:mc="http://schemas.openxmlformats.org/markup-compatibility/2006">
               <mc:Choice xmlns:v="urn:schemas-microsoft-com:vml" Requires="v">
-                <p:oleObj spid="_x0000_s32826" name="Visio" r:id="rId3" imgW="7643978" imgH="2744343" progId="Visio.Drawing.6">
+                <p:oleObj name="Visio" r:id="rId2" imgW="7643978" imgH="2744343" progId="Visio.Drawing.6">
                   <p:embed/>
                 </p:oleObj>
               </mc:Choice>
               <mc:Fallback>
-                <p:oleObj name="Visio" r:id="rId3" imgW="7643978" imgH="2744343" progId="Visio.Drawing.6">
+                <p:oleObj name="Visio" r:id="rId2" imgW="7643978" imgH="2744343" progId="Visio.Drawing.6">
                   <p:embed/>
                   <p:pic>
                     <p:nvPicPr>
@@ -12727,7 +12579,7 @@
                       <p:nvPr/>
                     </p:nvPicPr>
                     <p:blipFill>
-                      <a:blip r:embed="rId4">
+                      <a:blip r:embed="rId3">
                         <a:extLst>
                           <a:ext uri="{28A0092B-C50C-407E-A947-70E740481C1C}">
                             <a14:useLocalDpi xmlns:a14="http://schemas.microsoft.com/office/drawing/2010/main" val="0"/>
@@ -12932,12 +12784,12 @@
           <a:graphicData uri="http://schemas.openxmlformats.org/presentationml/2006/ole">
             <mc:AlternateContent xmlns:mc="http://schemas.openxmlformats.org/markup-compatibility/2006">
               <mc:Choice xmlns:v="urn:schemas-microsoft-com:vml" Requires="v">
-                <p:oleObj spid="_x0000_s53316" name="Equation" r:id="rId3" imgW="1993900" imgH="203200" progId="Equation.3">
+                <p:oleObj name="Equation" r:id="rId2" imgW="1993900" imgH="203200" progId="Equation.3">
                   <p:embed/>
                 </p:oleObj>
               </mc:Choice>
               <mc:Fallback>
-                <p:oleObj name="Equation" r:id="rId3" imgW="1993900" imgH="203200" progId="Equation.3">
+                <p:oleObj name="Equation" r:id="rId2" imgW="1993900" imgH="203200" progId="Equation.3">
                   <p:embed/>
                   <p:pic>
                     <p:nvPicPr>
@@ -12948,7 +12800,7 @@
                       <p:nvPr/>
                     </p:nvPicPr>
                     <p:blipFill>
-                      <a:blip r:embed="rId4">
+                      <a:blip r:embed="rId3">
                         <a:extLst>
                           <a:ext uri="{28A0092B-C50C-407E-A947-70E740481C1C}">
                             <a14:useLocalDpi xmlns:a14="http://schemas.microsoft.com/office/drawing/2010/main" val="0"/>
@@ -13037,12 +12889,12 @@
           <a:graphicData uri="http://schemas.openxmlformats.org/presentationml/2006/ole">
             <mc:AlternateContent xmlns:mc="http://schemas.openxmlformats.org/markup-compatibility/2006">
               <mc:Choice xmlns:v="urn:schemas-microsoft-com:vml" Requires="v">
-                <p:oleObj spid="_x0000_s53317" name="Document" r:id="rId5" imgW="3359338" imgH="2015504" progId="Word.Document.8">
+                <p:oleObj name="Document" r:id="rId4" imgW="3359338" imgH="2015504" progId="Word.Document.8">
                   <p:embed/>
                 </p:oleObj>
               </mc:Choice>
               <mc:Fallback>
-                <p:oleObj name="Document" r:id="rId5" imgW="3359338" imgH="2015504" progId="Word.Document.8">
+                <p:oleObj name="Document" r:id="rId4" imgW="3359338" imgH="2015504" progId="Word.Document.8">
                   <p:embed/>
                   <p:pic>
                     <p:nvPicPr>
@@ -13059,7 +12911,7 @@
                       <p:nvPr/>
                     </p:nvPicPr>
                     <p:blipFill>
-                      <a:blip r:embed="rId6">
+                      <a:blip r:embed="rId5">
                         <a:extLst>
                           <a:ext uri="{28A0092B-C50C-407E-A947-70E740481C1C}">
                             <a14:useLocalDpi xmlns:a14="http://schemas.microsoft.com/office/drawing/2010/main" val="0"/>
@@ -13487,12 +13339,12 @@
             <a:graphicData uri="http://schemas.openxmlformats.org/presentationml/2006/ole">
               <mc:AlternateContent xmlns:mc="http://schemas.openxmlformats.org/markup-compatibility/2006">
                 <mc:Choice xmlns:v="urn:schemas-microsoft-com:vml" Requires="v">
-                  <p:oleObj spid="_x0000_s63557" name="Visio" r:id="rId3" imgW="9866478" imgH="7377618" progId="Visio.Drawing.6">
+                  <p:oleObj name="Visio" r:id="rId2" imgW="9866478" imgH="7377618" progId="Visio.Drawing.6">
                     <p:embed/>
                   </p:oleObj>
                 </mc:Choice>
                 <mc:Fallback>
-                  <p:oleObj name="Visio" r:id="rId3" imgW="9866478" imgH="7377618" progId="Visio.Drawing.6">
+                  <p:oleObj name="Visio" r:id="rId2" imgW="9866478" imgH="7377618" progId="Visio.Drawing.6">
                     <p:embed/>
                     <p:pic>
                       <p:nvPicPr>
@@ -13503,7 +13355,7 @@
                         <p:nvPr/>
                       </p:nvPicPr>
                       <p:blipFill>
-                        <a:blip r:embed="rId4">
+                        <a:blip r:embed="rId3">
                           <a:extLst>
                             <a:ext uri="{28A0092B-C50C-407E-A947-70E740481C1C}">
                               <a14:useLocalDpi xmlns:a14="http://schemas.microsoft.com/office/drawing/2010/main" val="0"/>
@@ -13730,12 +13582,12 @@
             <a:graphicData uri="http://schemas.openxmlformats.org/presentationml/2006/ole">
               <mc:AlternateContent xmlns:mc="http://schemas.openxmlformats.org/markup-compatibility/2006">
                 <mc:Choice xmlns:v="urn:schemas-microsoft-com:vml" Requires="v">
-                  <p:oleObj spid="_x0000_s63558" name="Visio" r:id="rId5" imgW="9866478" imgH="7377618" progId="Visio.Drawing.6">
+                  <p:oleObj name="Visio" r:id="rId4" imgW="9866478" imgH="7377618" progId="Visio.Drawing.6">
                     <p:embed/>
                   </p:oleObj>
                 </mc:Choice>
                 <mc:Fallback>
-                  <p:oleObj name="Visio" r:id="rId5" imgW="9866478" imgH="7377618" progId="Visio.Drawing.6">
+                  <p:oleObj name="Visio" r:id="rId4" imgW="9866478" imgH="7377618" progId="Visio.Drawing.6">
                     <p:embed/>
                     <p:pic>
                       <p:nvPicPr>
@@ -13746,7 +13598,7 @@
                         <p:nvPr/>
                       </p:nvPicPr>
                       <p:blipFill>
-                        <a:blip r:embed="rId6">
+                        <a:blip r:embed="rId5">
                           <a:extLst>
                             <a:ext uri="{28A0092B-C50C-407E-A947-70E740481C1C}">
                               <a14:useLocalDpi xmlns:a14="http://schemas.microsoft.com/office/drawing/2010/main" val="0"/>
